--- a/assets/img/autodrive/ose/bayes_filter/bayes_filter.pptx
+++ b/assets/img/autodrive/ose/bayes_filter/bayes_filter.pptx
@@ -6,6 +6,14 @@
   </p:sldMasterIdLst>
   <p:sldIdLst>
     <p:sldId id="257" r:id="rId2"/>
+    <p:sldId id="260" r:id="rId3"/>
+    <p:sldId id="263" r:id="rId4"/>
+    <p:sldId id="258" r:id="rId5"/>
+    <p:sldId id="259" r:id="rId6"/>
+    <p:sldId id="261" r:id="rId7"/>
+    <p:sldId id="262" r:id="rId8"/>
+    <p:sldId id="265" r:id="rId9"/>
+    <p:sldId id="264" r:id="rId10"/>
   </p:sldIdLst>
   <p:sldSz cx="9906000" cy="6858000" type="A4"/>
   <p:notesSz cx="6858000" cy="9144000"/>
@@ -1044,7 +1052,7 @@
               <a:pPr latinLnBrk="1">
                 <a:defRPr/>
               </a:pPr>
-              <a:t>2021-01-09</a:t>
+              <a:t>2021-01-10</a:t>
             </a:fld>
             <a:endParaRPr lang="ko-KR" altLang="en-US" dirty="0">
               <a:solidFill>
@@ -3858,6 +3866,4337 @@
 </p:sld>
 </file>
 
+<file path=ppt/slides/slide2.xml><?xml version="1.0" encoding="utf-8"?>
+<p:sld xmlns:a="http://schemas.openxmlformats.org/drawingml/2006/main" xmlns:r="http://schemas.openxmlformats.org/officeDocument/2006/relationships" xmlns:p="http://schemas.openxmlformats.org/presentationml/2006/main">
+  <p:cSld>
+    <p:spTree>
+      <p:nvGrpSpPr>
+        <p:cNvPr id="1" name=""/>
+        <p:cNvGrpSpPr/>
+        <p:nvPr/>
+      </p:nvGrpSpPr>
+      <p:grpSpPr>
+        <a:xfrm>
+          <a:off x="0" y="0"/>
+          <a:ext cx="0" cy="0"/>
+          <a:chOff x="0" y="0"/>
+          <a:chExt cx="0" cy="0"/>
+        </a:xfrm>
+      </p:grpSpPr>
+      <p:sp>
+        <p:nvSpPr>
+          <p:cNvPr id="2" name="제목 1">
+            <a:extLst>
+              <a:ext uri="{FF2B5EF4-FFF2-40B4-BE49-F238E27FC236}">
+                <a16:creationId xmlns:a16="http://schemas.microsoft.com/office/drawing/2014/main" id="{75B19CEC-6DB5-4DB9-AB00-1D6D6DE9D43F}"/>
+              </a:ext>
+            </a:extLst>
+          </p:cNvPr>
+          <p:cNvSpPr>
+            <a:spLocks noGrp="1"/>
+          </p:cNvSpPr>
+          <p:nvPr>
+            <p:ph type="ctrTitle"/>
+          </p:nvPr>
+        </p:nvSpPr>
+        <p:spPr/>
+        <p:txBody>
+          <a:bodyPr/>
+          <a:lstStyle/>
+          <a:p>
+            <a:endParaRPr lang="ko-KR" altLang="en-US"/>
+          </a:p>
+        </p:txBody>
+      </p:sp>
+      <p:sp>
+        <p:nvSpPr>
+          <p:cNvPr id="3" name="부제목 2">
+            <a:extLst>
+              <a:ext uri="{FF2B5EF4-FFF2-40B4-BE49-F238E27FC236}">
+                <a16:creationId xmlns:a16="http://schemas.microsoft.com/office/drawing/2014/main" id="{8C73CF22-6C8B-4FE8-956A-2BE03D298B6A}"/>
+              </a:ext>
+            </a:extLst>
+          </p:cNvPr>
+          <p:cNvSpPr>
+            <a:spLocks noGrp="1"/>
+          </p:cNvSpPr>
+          <p:nvPr>
+            <p:ph type="subTitle" idx="1"/>
+          </p:nvPr>
+        </p:nvSpPr>
+        <p:spPr/>
+        <p:txBody>
+          <a:bodyPr/>
+          <a:lstStyle/>
+          <a:p>
+            <a:endParaRPr lang="ko-KR" altLang="en-US"/>
+          </a:p>
+        </p:txBody>
+      </p:sp>
+      <p:sp>
+        <p:nvSpPr>
+          <p:cNvPr id="4" name="슬라이드 번호 개체 틀 3">
+            <a:extLst>
+              <a:ext uri="{FF2B5EF4-FFF2-40B4-BE49-F238E27FC236}">
+                <a16:creationId xmlns:a16="http://schemas.microsoft.com/office/drawing/2014/main" id="{9D4CB08A-D77A-4794-A42F-80F83E08F49F}"/>
+              </a:ext>
+            </a:extLst>
+          </p:cNvPr>
+          <p:cNvSpPr>
+            <a:spLocks noGrp="1"/>
+          </p:cNvSpPr>
+          <p:nvPr>
+            <p:ph type="sldNum" sz="quarter" idx="10"/>
+          </p:nvPr>
+        </p:nvSpPr>
+        <p:spPr/>
+        <p:txBody>
+          <a:bodyPr/>
+          <a:lstStyle/>
+          <a:p>
+            <a:pPr>
+              <a:defRPr/>
+            </a:pPr>
+            <a:fld id="{13527AB9-6298-44FA-9E1C-7B66247BD5AA}" type="slidenum">
+              <a:rPr lang="ko-KR" altLang="en-US" smtClean="0">
+                <a:solidFill>
+                  <a:prstClr val="black"/>
+                </a:solidFill>
+              </a:rPr>
+              <a:pPr>
+                <a:defRPr/>
+              </a:pPr>
+              <a:t>2</a:t>
+            </a:fld>
+            <a:endParaRPr lang="ko-KR" altLang="en-US" dirty="0">
+              <a:solidFill>
+                <a:prstClr val="black"/>
+              </a:solidFill>
+            </a:endParaRPr>
+          </a:p>
+        </p:txBody>
+      </p:sp>
+      <p:grpSp>
+        <p:nvGrpSpPr>
+          <p:cNvPr id="9" name="그룹 8">
+            <a:extLst>
+              <a:ext uri="{FF2B5EF4-FFF2-40B4-BE49-F238E27FC236}">
+                <a16:creationId xmlns:a16="http://schemas.microsoft.com/office/drawing/2014/main" id="{BDEB5E2F-292C-4F5F-AF9C-08862BCCA713}"/>
+              </a:ext>
+            </a:extLst>
+          </p:cNvPr>
+          <p:cNvGrpSpPr/>
+          <p:nvPr/>
+        </p:nvGrpSpPr>
+        <p:grpSpPr>
+          <a:xfrm>
+            <a:off x="1418846" y="1698378"/>
+            <a:ext cx="6571225" cy="1730622"/>
+            <a:chOff x="1418846" y="1698378"/>
+            <a:chExt cx="6571225" cy="1730622"/>
+          </a:xfrm>
+        </p:grpSpPr>
+        <p:pic>
+          <p:nvPicPr>
+            <p:cNvPr id="5" name="그림 4">
+              <a:extLst>
+                <a:ext uri="{FF2B5EF4-FFF2-40B4-BE49-F238E27FC236}">
+                  <a16:creationId xmlns:a16="http://schemas.microsoft.com/office/drawing/2014/main" id="{3C0AB616-422F-41D9-B6A5-8F9A5E5CCDC6}"/>
+                </a:ext>
+              </a:extLst>
+            </p:cNvPr>
+            <p:cNvPicPr>
+              <a:picLocks noChangeAspect="1"/>
+            </p:cNvPicPr>
+            <p:nvPr/>
+          </p:nvPicPr>
+          <p:blipFill rotWithShape="1">
+            <a:blip r:embed="rId2"/>
+            <a:srcRect b="59694"/>
+            <a:stretch/>
+          </p:blipFill>
+          <p:spPr>
+            <a:xfrm>
+              <a:off x="1418846" y="1857769"/>
+              <a:ext cx="6571225" cy="1571231"/>
+            </a:xfrm>
+            <a:prstGeom prst="rect">
+              <a:avLst/>
+            </a:prstGeom>
+          </p:spPr>
+        </p:pic>
+        <p:sp>
+          <p:nvSpPr>
+            <p:cNvPr id="6" name="TextBox 5">
+              <a:extLst>
+                <a:ext uri="{FF2B5EF4-FFF2-40B4-BE49-F238E27FC236}">
+                  <a16:creationId xmlns:a16="http://schemas.microsoft.com/office/drawing/2014/main" id="{E5ED2F0F-30CB-4081-8607-F715F7D16E5A}"/>
+                </a:ext>
+              </a:extLst>
+            </p:cNvPr>
+            <p:cNvSpPr txBox="1"/>
+            <p:nvPr/>
+          </p:nvSpPr>
+          <p:spPr>
+            <a:xfrm>
+              <a:off x="1418846" y="1698378"/>
+              <a:ext cx="3703258" cy="276999"/>
+            </a:xfrm>
+            <a:prstGeom prst="rect">
+              <a:avLst/>
+            </a:prstGeom>
+            <a:noFill/>
+          </p:spPr>
+          <p:txBody>
+            <a:bodyPr wrap="none" rtlCol="0">
+              <a:spAutoFit/>
+            </a:bodyPr>
+            <a:lstStyle/>
+            <a:p>
+              <a:r>
+                <a:rPr lang="en-US" altLang="ko-KR" sz="1200" b="1">
+                  <a:latin typeface="나눔바른고딕" panose="020B0603020101020101" pitchFamily="50" charset="-127"/>
+                  <a:ea typeface="나눔바른고딕" panose="020B0603020101020101" pitchFamily="50" charset="-127"/>
+                </a:rPr>
+                <a:t>bel(x)</a:t>
+              </a:r>
+              <a:r>
+                <a:rPr lang="en-US" altLang="ko-KR" sz="1200">
+                  <a:latin typeface="나눔바른고딕" panose="020B0603020101020101" pitchFamily="50" charset="-127"/>
+                  <a:ea typeface="나눔바른고딕" panose="020B0603020101020101" pitchFamily="50" charset="-127"/>
+                </a:rPr>
+                <a:t> : </a:t>
+              </a:r>
+              <a:r>
+                <a:rPr lang="ko-KR" altLang="en-US" sz="1200">
+                  <a:latin typeface="나눔바른고딕" panose="020B0603020101020101" pitchFamily="50" charset="-127"/>
+                  <a:ea typeface="나눔바른고딕" panose="020B0603020101020101" pitchFamily="50" charset="-127"/>
+                </a:rPr>
+                <a:t>센서값과 제어값 모두를 종합한 </a:t>
+              </a:r>
+              <a:r>
+                <a:rPr lang="ko-KR" altLang="en-US" sz="1200">
+                  <a:solidFill>
+                    <a:srgbClr val="0000FF"/>
+                  </a:solidFill>
+                  <a:latin typeface="나눔바른고딕" panose="020B0603020101020101" pitchFamily="50" charset="-127"/>
+                  <a:ea typeface="나눔바른고딕" panose="020B0603020101020101" pitchFamily="50" charset="-127"/>
+                </a:rPr>
+                <a:t>로봇 위치 상태</a:t>
+              </a:r>
+            </a:p>
+          </p:txBody>
+        </p:sp>
+        <p:sp>
+          <p:nvSpPr>
+            <p:cNvPr id="7" name="TextBox 6">
+              <a:extLst>
+                <a:ext uri="{FF2B5EF4-FFF2-40B4-BE49-F238E27FC236}">
+                  <a16:creationId xmlns:a16="http://schemas.microsoft.com/office/drawing/2014/main" id="{8BD8C5B1-6307-402C-984F-CA6C20E38437}"/>
+                </a:ext>
+              </a:extLst>
+            </p:cNvPr>
+            <p:cNvSpPr txBox="1"/>
+            <p:nvPr/>
+          </p:nvSpPr>
+          <p:spPr>
+            <a:xfrm>
+              <a:off x="2066197" y="2579383"/>
+              <a:ext cx="4550541" cy="276999"/>
+            </a:xfrm>
+            <a:prstGeom prst="rect">
+              <a:avLst/>
+            </a:prstGeom>
+            <a:noFill/>
+          </p:spPr>
+          <p:txBody>
+            <a:bodyPr wrap="none" rtlCol="0">
+              <a:spAutoFit/>
+            </a:bodyPr>
+            <a:lstStyle/>
+            <a:p>
+              <a:r>
+                <a:rPr lang="ko-KR" altLang="en-US" sz="1200">
+                  <a:latin typeface="나눔바른고딕" panose="020B0603020101020101" pitchFamily="50" charset="-127"/>
+                  <a:ea typeface="나눔바른고딕" panose="020B0603020101020101" pitchFamily="50" charset="-127"/>
+                </a:rPr>
+                <a:t>초기 상태에는 어떠한 정보가 없으므로 </a:t>
+              </a:r>
+              <a:r>
+                <a:rPr lang="en-US" altLang="ko-KR" sz="1200">
+                  <a:latin typeface="나눔바른고딕" panose="020B0603020101020101" pitchFamily="50" charset="-127"/>
+                  <a:ea typeface="나눔바른고딕" panose="020B0603020101020101" pitchFamily="50" charset="-127"/>
+                </a:rPr>
+                <a:t>uniform </a:t>
+              </a:r>
+              <a:r>
+                <a:rPr lang="ko-KR" altLang="en-US" sz="1200">
+                  <a:latin typeface="나눔바른고딕" panose="020B0603020101020101" pitchFamily="50" charset="-127"/>
+                  <a:ea typeface="나눔바른고딕" panose="020B0603020101020101" pitchFamily="50" charset="-127"/>
+                </a:rPr>
+                <a:t>한 확률 값을 가집니다</a:t>
+              </a:r>
+              <a:r>
+                <a:rPr lang="en-US" altLang="ko-KR" sz="1200">
+                  <a:latin typeface="나눔바른고딕" panose="020B0603020101020101" pitchFamily="50" charset="-127"/>
+                  <a:ea typeface="나눔바른고딕" panose="020B0603020101020101" pitchFamily="50" charset="-127"/>
+                </a:rPr>
+                <a:t>.</a:t>
+              </a:r>
+              <a:endParaRPr lang="ko-KR" altLang="en-US" sz="1200">
+                <a:latin typeface="나눔바른고딕" panose="020B0603020101020101" pitchFamily="50" charset="-127"/>
+                <a:ea typeface="나눔바른고딕" panose="020B0603020101020101" pitchFamily="50" charset="-127"/>
+              </a:endParaRPr>
+            </a:p>
+          </p:txBody>
+        </p:sp>
+      </p:grpSp>
+    </p:spTree>
+    <p:extLst>
+      <p:ext uri="{BB962C8B-B14F-4D97-AF65-F5344CB8AC3E}">
+        <p14:creationId xmlns:p14="http://schemas.microsoft.com/office/powerpoint/2010/main" val="2078085279"/>
+      </p:ext>
+    </p:extLst>
+  </p:cSld>
+  <p:clrMapOvr>
+    <a:masterClrMapping/>
+  </p:clrMapOvr>
+</p:sld>
+</file>
+
+<file path=ppt/slides/slide3.xml><?xml version="1.0" encoding="utf-8"?>
+<p:sld xmlns:a="http://schemas.openxmlformats.org/drawingml/2006/main" xmlns:r="http://schemas.openxmlformats.org/officeDocument/2006/relationships" xmlns:p="http://schemas.openxmlformats.org/presentationml/2006/main">
+  <p:cSld>
+    <p:spTree>
+      <p:nvGrpSpPr>
+        <p:cNvPr id="1" name=""/>
+        <p:cNvGrpSpPr/>
+        <p:nvPr/>
+      </p:nvGrpSpPr>
+      <p:grpSpPr>
+        <a:xfrm>
+          <a:off x="0" y="0"/>
+          <a:ext cx="0" cy="0"/>
+          <a:chOff x="0" y="0"/>
+          <a:chExt cx="0" cy="0"/>
+        </a:xfrm>
+      </p:grpSpPr>
+      <p:sp>
+        <p:nvSpPr>
+          <p:cNvPr id="2" name="제목 1">
+            <a:extLst>
+              <a:ext uri="{FF2B5EF4-FFF2-40B4-BE49-F238E27FC236}">
+                <a16:creationId xmlns:a16="http://schemas.microsoft.com/office/drawing/2014/main" id="{645D2EB9-1748-4CB9-968E-4D43EE2F6A54}"/>
+              </a:ext>
+            </a:extLst>
+          </p:cNvPr>
+          <p:cNvSpPr>
+            <a:spLocks noGrp="1"/>
+          </p:cNvSpPr>
+          <p:nvPr>
+            <p:ph type="ctrTitle"/>
+          </p:nvPr>
+        </p:nvSpPr>
+        <p:spPr/>
+        <p:txBody>
+          <a:bodyPr/>
+          <a:lstStyle/>
+          <a:p>
+            <a:endParaRPr lang="ko-KR" altLang="en-US"/>
+          </a:p>
+        </p:txBody>
+      </p:sp>
+      <p:sp>
+        <p:nvSpPr>
+          <p:cNvPr id="3" name="부제목 2">
+            <a:extLst>
+              <a:ext uri="{FF2B5EF4-FFF2-40B4-BE49-F238E27FC236}">
+                <a16:creationId xmlns:a16="http://schemas.microsoft.com/office/drawing/2014/main" id="{3B5C51A7-3E13-43B5-B501-549B0531282E}"/>
+              </a:ext>
+            </a:extLst>
+          </p:cNvPr>
+          <p:cNvSpPr>
+            <a:spLocks noGrp="1"/>
+          </p:cNvSpPr>
+          <p:nvPr>
+            <p:ph type="subTitle" idx="1"/>
+          </p:nvPr>
+        </p:nvSpPr>
+        <p:spPr/>
+        <p:txBody>
+          <a:bodyPr/>
+          <a:lstStyle/>
+          <a:p>
+            <a:endParaRPr lang="ko-KR" altLang="en-US"/>
+          </a:p>
+        </p:txBody>
+      </p:sp>
+      <p:sp>
+        <p:nvSpPr>
+          <p:cNvPr id="4" name="슬라이드 번호 개체 틀 3">
+            <a:extLst>
+              <a:ext uri="{FF2B5EF4-FFF2-40B4-BE49-F238E27FC236}">
+                <a16:creationId xmlns:a16="http://schemas.microsoft.com/office/drawing/2014/main" id="{E247FAC1-EE24-4E77-88CC-D040CDA1B79E}"/>
+              </a:ext>
+            </a:extLst>
+          </p:cNvPr>
+          <p:cNvSpPr>
+            <a:spLocks noGrp="1"/>
+          </p:cNvSpPr>
+          <p:nvPr>
+            <p:ph type="sldNum" sz="quarter" idx="10"/>
+          </p:nvPr>
+        </p:nvSpPr>
+        <p:spPr/>
+        <p:txBody>
+          <a:bodyPr/>
+          <a:lstStyle/>
+          <a:p>
+            <a:pPr>
+              <a:defRPr/>
+            </a:pPr>
+            <a:fld id="{13527AB9-6298-44FA-9E1C-7B66247BD5AA}" type="slidenum">
+              <a:rPr lang="ko-KR" altLang="en-US" smtClean="0">
+                <a:solidFill>
+                  <a:prstClr val="black"/>
+                </a:solidFill>
+              </a:rPr>
+              <a:pPr>
+                <a:defRPr/>
+              </a:pPr>
+              <a:t>3</a:t>
+            </a:fld>
+            <a:endParaRPr lang="ko-KR" altLang="en-US" dirty="0">
+              <a:solidFill>
+                <a:prstClr val="black"/>
+              </a:solidFill>
+            </a:endParaRPr>
+          </a:p>
+        </p:txBody>
+      </p:sp>
+      <p:pic>
+        <p:nvPicPr>
+          <p:cNvPr id="5" name="그림 4">
+            <a:extLst>
+              <a:ext uri="{FF2B5EF4-FFF2-40B4-BE49-F238E27FC236}">
+                <a16:creationId xmlns:a16="http://schemas.microsoft.com/office/drawing/2014/main" id="{EA35EAAC-32E1-4E20-AD74-8A0296F90AA7}"/>
+              </a:ext>
+            </a:extLst>
+          </p:cNvPr>
+          <p:cNvPicPr>
+            <a:picLocks noChangeAspect="1"/>
+          </p:cNvPicPr>
+          <p:nvPr/>
+        </p:nvPicPr>
+        <p:blipFill rotWithShape="1">
+          <a:blip r:embed="rId2"/>
+          <a:srcRect t="41158" b="308"/>
+          <a:stretch/>
+        </p:blipFill>
+        <p:spPr>
+          <a:xfrm>
+            <a:off x="1583351" y="2214693"/>
+            <a:ext cx="6571225" cy="2281806"/>
+          </a:xfrm>
+          <a:prstGeom prst="rect">
+            <a:avLst/>
+          </a:prstGeom>
+        </p:spPr>
+      </p:pic>
+      <p:sp>
+        <p:nvSpPr>
+          <p:cNvPr id="6" name="TextBox 5">
+            <a:extLst>
+              <a:ext uri="{FF2B5EF4-FFF2-40B4-BE49-F238E27FC236}">
+                <a16:creationId xmlns:a16="http://schemas.microsoft.com/office/drawing/2014/main" id="{28C4C334-7479-4891-B6D6-B11CE51FB5B8}"/>
+              </a:ext>
+            </a:extLst>
+          </p:cNvPr>
+          <p:cNvSpPr txBox="1"/>
+          <p:nvPr/>
+        </p:nvSpPr>
+        <p:spPr>
+          <a:xfrm>
+            <a:off x="1583351" y="1975377"/>
+            <a:ext cx="5392823" cy="276999"/>
+          </a:xfrm>
+          <a:prstGeom prst="rect">
+            <a:avLst/>
+          </a:prstGeom>
+          <a:noFill/>
+        </p:spPr>
+        <p:txBody>
+          <a:bodyPr wrap="none" rtlCol="0">
+            <a:spAutoFit/>
+          </a:bodyPr>
+          <a:lstStyle/>
+          <a:p>
+            <a:r>
+              <a:rPr lang="en-US" altLang="ko-KR" sz="1200" b="1">
+                <a:latin typeface="나눔바른고딕" panose="020B0603020101020101" pitchFamily="50" charset="-127"/>
+                <a:ea typeface="나눔바른고딕" panose="020B0603020101020101" pitchFamily="50" charset="-127"/>
+              </a:rPr>
+              <a:t>p(z|x)</a:t>
+            </a:r>
+            <a:r>
+              <a:rPr lang="en-US" altLang="ko-KR" sz="1200">
+                <a:latin typeface="나눔바른고딕" panose="020B0603020101020101" pitchFamily="50" charset="-127"/>
+                <a:ea typeface="나눔바른고딕" panose="020B0603020101020101" pitchFamily="50" charset="-127"/>
+              </a:rPr>
+              <a:t> : </a:t>
+            </a:r>
+            <a:r>
+              <a:rPr lang="ko-KR" altLang="en-US" sz="1200">
+                <a:latin typeface="나눔바른고딕" panose="020B0603020101020101" pitchFamily="50" charset="-127"/>
+                <a:ea typeface="나눔바른고딕" panose="020B0603020101020101" pitchFamily="50" charset="-127"/>
+              </a:rPr>
+              <a:t>로봇의 위치 상태가 </a:t>
+            </a:r>
+            <a:r>
+              <a:rPr lang="en-US" altLang="ko-KR" sz="1200" b="1">
+                <a:latin typeface="나눔바른고딕" panose="020B0603020101020101" pitchFamily="50" charset="-127"/>
+                <a:ea typeface="나눔바른고딕" panose="020B0603020101020101" pitchFamily="50" charset="-127"/>
+              </a:rPr>
+              <a:t>x</a:t>
+            </a:r>
+            <a:r>
+              <a:rPr lang="ko-KR" altLang="en-US" sz="1200">
+                <a:latin typeface="나눔바른고딕" panose="020B0603020101020101" pitchFamily="50" charset="-127"/>
+                <a:ea typeface="나눔바른고딕" panose="020B0603020101020101" pitchFamily="50" charset="-127"/>
+              </a:rPr>
+              <a:t>로 주어졌을 때</a:t>
+            </a:r>
+            <a:r>
+              <a:rPr lang="en-US" altLang="ko-KR" sz="1200">
+                <a:latin typeface="나눔바른고딕" panose="020B0603020101020101" pitchFamily="50" charset="-127"/>
+                <a:ea typeface="나눔바른고딕" panose="020B0603020101020101" pitchFamily="50" charset="-127"/>
+              </a:rPr>
+              <a:t>, </a:t>
+            </a:r>
+            <a:r>
+              <a:rPr lang="ko-KR" altLang="en-US" sz="1200">
+                <a:latin typeface="나눔바른고딕" panose="020B0603020101020101" pitchFamily="50" charset="-127"/>
+                <a:ea typeface="나눔바른고딕" panose="020B0603020101020101" pitchFamily="50" charset="-127"/>
+              </a:rPr>
+              <a:t>센서가 인지한 로봇 위치의 확률 분포</a:t>
+            </a:r>
+            <a:endParaRPr lang="ko-KR" altLang="en-US" sz="1200" b="1">
+              <a:latin typeface="나눔바른고딕" panose="020B0603020101020101" pitchFamily="50" charset="-127"/>
+              <a:ea typeface="나눔바른고딕" panose="020B0603020101020101" pitchFamily="50" charset="-127"/>
+            </a:endParaRPr>
+          </a:p>
+        </p:txBody>
+      </p:sp>
+      <p:sp>
+        <p:nvSpPr>
+          <p:cNvPr id="7" name="TextBox 6">
+            <a:extLst>
+              <a:ext uri="{FF2B5EF4-FFF2-40B4-BE49-F238E27FC236}">
+                <a16:creationId xmlns:a16="http://schemas.microsoft.com/office/drawing/2014/main" id="{70B0573E-F8F1-42DC-9416-F2666114F569}"/>
+              </a:ext>
+            </a:extLst>
+          </p:cNvPr>
+          <p:cNvSpPr txBox="1"/>
+          <p:nvPr/>
+        </p:nvSpPr>
+        <p:spPr>
+          <a:xfrm>
+            <a:off x="1583351" y="1698378"/>
+            <a:ext cx="2845651" cy="276999"/>
+          </a:xfrm>
+          <a:prstGeom prst="rect">
+            <a:avLst/>
+          </a:prstGeom>
+          <a:noFill/>
+        </p:spPr>
+        <p:txBody>
+          <a:bodyPr wrap="none" rtlCol="0">
+            <a:spAutoFit/>
+          </a:bodyPr>
+          <a:lstStyle/>
+          <a:p>
+            <a:r>
+              <a:rPr lang="en-US" altLang="ko-KR" sz="1200" b="1">
+                <a:latin typeface="나눔바른고딕" panose="020B0603020101020101" pitchFamily="50" charset="-127"/>
+                <a:ea typeface="나눔바른고딕" panose="020B0603020101020101" pitchFamily="50" charset="-127"/>
+              </a:rPr>
+              <a:t>p(z)</a:t>
+            </a:r>
+            <a:r>
+              <a:rPr lang="ko-KR" altLang="en-US" sz="1200" b="1">
+                <a:latin typeface="나눔바른고딕" panose="020B0603020101020101" pitchFamily="50" charset="-127"/>
+                <a:ea typeface="나눔바른고딕" panose="020B0603020101020101" pitchFamily="50" charset="-127"/>
+              </a:rPr>
+              <a:t> </a:t>
+            </a:r>
+            <a:r>
+              <a:rPr lang="en-US" altLang="ko-KR" sz="1200" b="1">
+                <a:latin typeface="나눔바른고딕" panose="020B0603020101020101" pitchFamily="50" charset="-127"/>
+                <a:ea typeface="나눔바른고딕" panose="020B0603020101020101" pitchFamily="50" charset="-127"/>
+              </a:rPr>
+              <a:t>:</a:t>
+            </a:r>
+            <a:r>
+              <a:rPr lang="ko-KR" altLang="en-US" sz="1200" b="1">
+                <a:latin typeface="나눔바른고딕" panose="020B0603020101020101" pitchFamily="50" charset="-127"/>
+                <a:ea typeface="나눔바른고딕" panose="020B0603020101020101" pitchFamily="50" charset="-127"/>
+              </a:rPr>
+              <a:t> </a:t>
+            </a:r>
+            <a:r>
+              <a:rPr lang="ko-KR" altLang="en-US" sz="1200">
+                <a:latin typeface="나눔바른고딕" panose="020B0603020101020101" pitchFamily="50" charset="-127"/>
+                <a:ea typeface="나눔바른고딕" panose="020B0603020101020101" pitchFamily="50" charset="-127"/>
+              </a:rPr>
+              <a:t>센서가 인지한 로봇 위치의 확률 분포</a:t>
+            </a:r>
+            <a:endParaRPr lang="ko-KR" altLang="en-US" sz="1200" b="1">
+              <a:latin typeface="나눔바른고딕" panose="020B0603020101020101" pitchFamily="50" charset="-127"/>
+              <a:ea typeface="나눔바른고딕" panose="020B0603020101020101" pitchFamily="50" charset="-127"/>
+            </a:endParaRPr>
+          </a:p>
+        </p:txBody>
+      </p:sp>
+      <p:sp>
+        <p:nvSpPr>
+          <p:cNvPr id="8" name="TextBox 7">
+            <a:extLst>
+              <a:ext uri="{FF2B5EF4-FFF2-40B4-BE49-F238E27FC236}">
+                <a16:creationId xmlns:a16="http://schemas.microsoft.com/office/drawing/2014/main" id="{E8781FC3-F5EB-4B6C-B9D7-7F1663BFA7CD}"/>
+              </a:ext>
+            </a:extLst>
+          </p:cNvPr>
+          <p:cNvSpPr txBox="1"/>
+          <p:nvPr/>
+        </p:nvSpPr>
+        <p:spPr>
+          <a:xfrm>
+            <a:off x="2163689" y="2903748"/>
+            <a:ext cx="5397631" cy="276999"/>
+          </a:xfrm>
+          <a:prstGeom prst="rect">
+            <a:avLst/>
+          </a:prstGeom>
+          <a:noFill/>
+        </p:spPr>
+        <p:txBody>
+          <a:bodyPr wrap="none" rtlCol="0">
+            <a:spAutoFit/>
+          </a:bodyPr>
+          <a:lstStyle/>
+          <a:p>
+            <a:r>
+              <a:rPr lang="ko-KR" altLang="en-US" sz="1200">
+                <a:latin typeface="나눔바른고딕" panose="020B0603020101020101" pitchFamily="50" charset="-127"/>
+                <a:ea typeface="나눔바른고딕" panose="020B0603020101020101" pitchFamily="50" charset="-127"/>
+              </a:rPr>
+              <a:t>문앞에 센서 데이터가 있고 로봇이 문앞을 지나면 문앞에 로봇이 있을 확률이 증가한다</a:t>
+            </a:r>
+            <a:r>
+              <a:rPr lang="en-US" altLang="ko-KR" sz="1200">
+                <a:latin typeface="나눔바른고딕" panose="020B0603020101020101" pitchFamily="50" charset="-127"/>
+                <a:ea typeface="나눔바른고딕" panose="020B0603020101020101" pitchFamily="50" charset="-127"/>
+              </a:rPr>
+              <a:t>.</a:t>
+            </a:r>
+            <a:endParaRPr lang="ko-KR" altLang="en-US" sz="1200">
+              <a:latin typeface="나눔바른고딕" panose="020B0603020101020101" pitchFamily="50" charset="-127"/>
+              <a:ea typeface="나눔바른고딕" panose="020B0603020101020101" pitchFamily="50" charset="-127"/>
+            </a:endParaRPr>
+          </a:p>
+        </p:txBody>
+      </p:sp>
+      <p:sp>
+        <p:nvSpPr>
+          <p:cNvPr id="9" name="TextBox 8">
+            <a:extLst>
+              <a:ext uri="{FF2B5EF4-FFF2-40B4-BE49-F238E27FC236}">
+                <a16:creationId xmlns:a16="http://schemas.microsoft.com/office/drawing/2014/main" id="{A665306A-D958-43E6-8BFD-33E98799B99B}"/>
+              </a:ext>
+            </a:extLst>
+          </p:cNvPr>
+          <p:cNvSpPr txBox="1"/>
+          <p:nvPr/>
+        </p:nvSpPr>
+        <p:spPr>
+          <a:xfrm>
+            <a:off x="2163689" y="3705451"/>
+            <a:ext cx="5838458" cy="276999"/>
+          </a:xfrm>
+          <a:prstGeom prst="rect">
+            <a:avLst/>
+          </a:prstGeom>
+          <a:noFill/>
+        </p:spPr>
+        <p:txBody>
+          <a:bodyPr wrap="none" rtlCol="0">
+            <a:spAutoFit/>
+          </a:bodyPr>
+          <a:lstStyle/>
+          <a:p>
+            <a:r>
+              <a:rPr lang="ko-KR" altLang="en-US" sz="1200">
+                <a:latin typeface="나눔바른고딕" panose="020B0603020101020101" pitchFamily="50" charset="-127"/>
+                <a:ea typeface="나눔바른고딕" panose="020B0603020101020101" pitchFamily="50" charset="-127"/>
+              </a:rPr>
+              <a:t>현재 시점의 최종 로봇 위치 상태에 대한 확률 분포 </a:t>
+            </a:r>
+            <a:r>
+              <a:rPr lang="en-US" altLang="ko-KR" sz="1200">
+                <a:latin typeface="나눔바른고딕" panose="020B0603020101020101" pitchFamily="50" charset="-127"/>
+                <a:ea typeface="나눔바른고딕" panose="020B0603020101020101" pitchFamily="50" charset="-127"/>
+              </a:rPr>
+              <a:t>: </a:t>
+            </a:r>
+            <a:r>
+              <a:rPr lang="ko-KR" altLang="en-US" sz="1200">
+                <a:latin typeface="나눔바른고딕" panose="020B0603020101020101" pitchFamily="50" charset="-127"/>
+                <a:ea typeface="나눔바른고딕" panose="020B0603020101020101" pitchFamily="50" charset="-127"/>
+              </a:rPr>
+              <a:t>문 앞에 있을 확률이 동등하게 분포한다</a:t>
+            </a:r>
+            <a:r>
+              <a:rPr lang="en-US" altLang="ko-KR" sz="1200">
+                <a:latin typeface="나눔바른고딕" panose="020B0603020101020101" pitchFamily="50" charset="-127"/>
+                <a:ea typeface="나눔바른고딕" panose="020B0603020101020101" pitchFamily="50" charset="-127"/>
+              </a:rPr>
+              <a:t>.</a:t>
+            </a:r>
+            <a:endParaRPr lang="ko-KR" altLang="en-US" sz="1200">
+              <a:latin typeface="나눔바른고딕" panose="020B0603020101020101" pitchFamily="50" charset="-127"/>
+              <a:ea typeface="나눔바른고딕" panose="020B0603020101020101" pitchFamily="50" charset="-127"/>
+            </a:endParaRPr>
+          </a:p>
+        </p:txBody>
+      </p:sp>
+    </p:spTree>
+    <p:extLst>
+      <p:ext uri="{BB962C8B-B14F-4D97-AF65-F5344CB8AC3E}">
+        <p14:creationId xmlns:p14="http://schemas.microsoft.com/office/powerpoint/2010/main" val="3218687705"/>
+      </p:ext>
+    </p:extLst>
+  </p:cSld>
+  <p:clrMapOvr>
+    <a:masterClrMapping/>
+  </p:clrMapOvr>
+</p:sld>
+</file>
+
+<file path=ppt/slides/slide4.xml><?xml version="1.0" encoding="utf-8"?>
+<p:sld xmlns:a="http://schemas.openxmlformats.org/drawingml/2006/main" xmlns:r="http://schemas.openxmlformats.org/officeDocument/2006/relationships" xmlns:p="http://schemas.openxmlformats.org/presentationml/2006/main">
+  <p:cSld>
+    <p:spTree>
+      <p:nvGrpSpPr>
+        <p:cNvPr id="1" name=""/>
+        <p:cNvGrpSpPr/>
+        <p:nvPr/>
+      </p:nvGrpSpPr>
+      <p:grpSpPr>
+        <a:xfrm>
+          <a:off x="0" y="0"/>
+          <a:ext cx="0" cy="0"/>
+          <a:chOff x="0" y="0"/>
+          <a:chExt cx="0" cy="0"/>
+        </a:xfrm>
+      </p:grpSpPr>
+      <p:sp>
+        <p:nvSpPr>
+          <p:cNvPr id="2" name="제목 1">
+            <a:extLst>
+              <a:ext uri="{FF2B5EF4-FFF2-40B4-BE49-F238E27FC236}">
+                <a16:creationId xmlns:a16="http://schemas.microsoft.com/office/drawing/2014/main" id="{FBCB35E9-9B4D-4F09-A41D-E7C4C2224E9A}"/>
+              </a:ext>
+            </a:extLst>
+          </p:cNvPr>
+          <p:cNvSpPr>
+            <a:spLocks noGrp="1"/>
+          </p:cNvSpPr>
+          <p:nvPr>
+            <p:ph type="ctrTitle"/>
+          </p:nvPr>
+        </p:nvSpPr>
+        <p:spPr/>
+        <p:txBody>
+          <a:bodyPr/>
+          <a:lstStyle/>
+          <a:p>
+            <a:endParaRPr lang="ko-KR" altLang="en-US"/>
+          </a:p>
+        </p:txBody>
+      </p:sp>
+      <p:sp>
+        <p:nvSpPr>
+          <p:cNvPr id="3" name="부제목 2">
+            <a:extLst>
+              <a:ext uri="{FF2B5EF4-FFF2-40B4-BE49-F238E27FC236}">
+                <a16:creationId xmlns:a16="http://schemas.microsoft.com/office/drawing/2014/main" id="{5650CA87-A08E-466F-BF75-FB74F70FB931}"/>
+              </a:ext>
+            </a:extLst>
+          </p:cNvPr>
+          <p:cNvSpPr>
+            <a:spLocks noGrp="1"/>
+          </p:cNvSpPr>
+          <p:nvPr>
+            <p:ph type="subTitle" idx="1"/>
+          </p:nvPr>
+        </p:nvSpPr>
+        <p:spPr/>
+        <p:txBody>
+          <a:bodyPr/>
+          <a:lstStyle/>
+          <a:p>
+            <a:endParaRPr lang="ko-KR" altLang="en-US"/>
+          </a:p>
+        </p:txBody>
+      </p:sp>
+      <p:sp>
+        <p:nvSpPr>
+          <p:cNvPr id="4" name="슬라이드 번호 개체 틀 3">
+            <a:extLst>
+              <a:ext uri="{FF2B5EF4-FFF2-40B4-BE49-F238E27FC236}">
+                <a16:creationId xmlns:a16="http://schemas.microsoft.com/office/drawing/2014/main" id="{4D3290E8-0519-44B3-B655-12E9838E49BE}"/>
+              </a:ext>
+            </a:extLst>
+          </p:cNvPr>
+          <p:cNvSpPr>
+            <a:spLocks noGrp="1"/>
+          </p:cNvSpPr>
+          <p:nvPr>
+            <p:ph type="sldNum" sz="quarter" idx="10"/>
+          </p:nvPr>
+        </p:nvSpPr>
+        <p:spPr/>
+        <p:txBody>
+          <a:bodyPr/>
+          <a:lstStyle/>
+          <a:p>
+            <a:pPr>
+              <a:defRPr/>
+            </a:pPr>
+            <a:fld id="{13527AB9-6298-44FA-9E1C-7B66247BD5AA}" type="slidenum">
+              <a:rPr lang="ko-KR" altLang="en-US" smtClean="0">
+                <a:solidFill>
+                  <a:prstClr val="black"/>
+                </a:solidFill>
+              </a:rPr>
+              <a:pPr>
+                <a:defRPr/>
+              </a:pPr>
+              <a:t>4</a:t>
+            </a:fld>
+            <a:endParaRPr lang="ko-KR" altLang="en-US" dirty="0">
+              <a:solidFill>
+                <a:prstClr val="black"/>
+              </a:solidFill>
+            </a:endParaRPr>
+          </a:p>
+        </p:txBody>
+      </p:sp>
+      <p:grpSp>
+        <p:nvGrpSpPr>
+          <p:cNvPr id="19" name="그룹 18">
+            <a:extLst>
+              <a:ext uri="{FF2B5EF4-FFF2-40B4-BE49-F238E27FC236}">
+                <a16:creationId xmlns:a16="http://schemas.microsoft.com/office/drawing/2014/main" id="{6456FB29-4228-4ACC-9020-5E42214DDCC2}"/>
+              </a:ext>
+            </a:extLst>
+          </p:cNvPr>
+          <p:cNvGrpSpPr/>
+          <p:nvPr/>
+        </p:nvGrpSpPr>
+        <p:grpSpPr>
+          <a:xfrm>
+            <a:off x="1481197" y="1698378"/>
+            <a:ext cx="6681811" cy="3877480"/>
+            <a:chOff x="1481197" y="1698378"/>
+            <a:chExt cx="6681811" cy="3877480"/>
+          </a:xfrm>
+        </p:grpSpPr>
+        <p:grpSp>
+          <p:nvGrpSpPr>
+            <p:cNvPr id="12" name="그룹 11">
+              <a:extLst>
+                <a:ext uri="{FF2B5EF4-FFF2-40B4-BE49-F238E27FC236}">
+                  <a16:creationId xmlns:a16="http://schemas.microsoft.com/office/drawing/2014/main" id="{A771CFC7-0E35-457E-BFAB-440D659EE1AD}"/>
+                </a:ext>
+              </a:extLst>
+            </p:cNvPr>
+            <p:cNvGrpSpPr/>
+            <p:nvPr/>
+          </p:nvGrpSpPr>
+          <p:grpSpPr>
+            <a:xfrm>
+              <a:off x="1481197" y="1698378"/>
+              <a:ext cx="6681811" cy="3877480"/>
+              <a:chOff x="1481197" y="1698378"/>
+              <a:chExt cx="6681811" cy="3877480"/>
+            </a:xfrm>
+          </p:grpSpPr>
+          <p:pic>
+            <p:nvPicPr>
+              <p:cNvPr id="5" name="그림 4">
+                <a:extLst>
+                  <a:ext uri="{FF2B5EF4-FFF2-40B4-BE49-F238E27FC236}">
+                    <a16:creationId xmlns:a16="http://schemas.microsoft.com/office/drawing/2014/main" id="{EB3BD62F-BD5F-4D56-9213-BB7537A98EF8}"/>
+                  </a:ext>
+                </a:extLst>
+              </p:cNvPr>
+              <p:cNvPicPr>
+                <a:picLocks noChangeAspect="1"/>
+              </p:cNvPicPr>
+              <p:nvPr/>
+            </p:nvPicPr>
+            <p:blipFill>
+              <a:blip r:embed="rId2"/>
+              <a:stretch>
+                <a:fillRect/>
+              </a:stretch>
+            </p:blipFill>
+            <p:spPr>
+              <a:xfrm>
+                <a:off x="1481197" y="1698378"/>
+                <a:ext cx="6681811" cy="3877480"/>
+              </a:xfrm>
+              <a:prstGeom prst="rect">
+                <a:avLst/>
+              </a:prstGeom>
+            </p:spPr>
+          </p:pic>
+          <p:cxnSp>
+            <p:nvCxnSpPr>
+              <p:cNvPr id="10" name="직선 화살표 연결선 9">
+                <a:extLst>
+                  <a:ext uri="{FF2B5EF4-FFF2-40B4-BE49-F238E27FC236}">
+                    <a16:creationId xmlns:a16="http://schemas.microsoft.com/office/drawing/2014/main" id="{FF506BDF-9D4E-4B0F-9B96-766E67691547}"/>
+                  </a:ext>
+                </a:extLst>
+              </p:cNvPr>
+              <p:cNvCxnSpPr/>
+              <p:nvPr/>
+            </p:nvCxnSpPr>
+            <p:spPr>
+              <a:xfrm>
+                <a:off x="3783903" y="3875714"/>
+                <a:ext cx="448342" cy="1367405"/>
+              </a:xfrm>
+              <a:prstGeom prst="straightConnector1">
+                <a:avLst/>
+              </a:prstGeom>
+              <a:ln>
+                <a:tailEnd type="triangle"/>
+              </a:ln>
+            </p:spPr>
+            <p:style>
+              <a:lnRef idx="1">
+                <a:schemeClr val="dk1"/>
+              </a:lnRef>
+              <a:fillRef idx="0">
+                <a:schemeClr val="dk1"/>
+              </a:fillRef>
+              <a:effectRef idx="0">
+                <a:schemeClr val="dk1"/>
+              </a:effectRef>
+              <a:fontRef idx="minor">
+                <a:schemeClr val="tx1"/>
+              </a:fontRef>
+            </p:style>
+          </p:cxnSp>
+          <p:cxnSp>
+            <p:nvCxnSpPr>
+              <p:cNvPr id="11" name="직선 화살표 연결선 10">
+                <a:extLst>
+                  <a:ext uri="{FF2B5EF4-FFF2-40B4-BE49-F238E27FC236}">
+                    <a16:creationId xmlns:a16="http://schemas.microsoft.com/office/drawing/2014/main" id="{3EB6B79E-4A0C-4E36-A7C6-6F905DB55F0C}"/>
+                  </a:ext>
+                </a:extLst>
+              </p:cNvPr>
+              <p:cNvCxnSpPr/>
+              <p:nvPr/>
+            </p:nvCxnSpPr>
+            <p:spPr>
+              <a:xfrm>
+                <a:off x="6057319" y="3875714"/>
+                <a:ext cx="448342" cy="1367405"/>
+              </a:xfrm>
+              <a:prstGeom prst="straightConnector1">
+                <a:avLst/>
+              </a:prstGeom>
+              <a:ln>
+                <a:tailEnd type="triangle"/>
+              </a:ln>
+            </p:spPr>
+            <p:style>
+              <a:lnRef idx="1">
+                <a:schemeClr val="dk1"/>
+              </a:lnRef>
+              <a:fillRef idx="0">
+                <a:schemeClr val="dk1"/>
+              </a:fillRef>
+              <a:effectRef idx="0">
+                <a:schemeClr val="dk1"/>
+              </a:effectRef>
+              <a:fontRef idx="minor">
+                <a:schemeClr val="tx1"/>
+              </a:fontRef>
+            </p:style>
+          </p:cxnSp>
+          <p:cxnSp>
+            <p:nvCxnSpPr>
+              <p:cNvPr id="9" name="직선 화살표 연결선 8">
+                <a:extLst>
+                  <a:ext uri="{FF2B5EF4-FFF2-40B4-BE49-F238E27FC236}">
+                    <a16:creationId xmlns:a16="http://schemas.microsoft.com/office/drawing/2014/main" id="{43503673-2C8B-407D-83C5-ED5609A7AF29}"/>
+                  </a:ext>
+                </a:extLst>
+              </p:cNvPr>
+              <p:cNvCxnSpPr/>
+              <p:nvPr/>
+            </p:nvCxnSpPr>
+            <p:spPr>
+              <a:xfrm>
+                <a:off x="3288484" y="3875714"/>
+                <a:ext cx="448342" cy="1367405"/>
+              </a:xfrm>
+              <a:prstGeom prst="straightConnector1">
+                <a:avLst/>
+              </a:prstGeom>
+              <a:ln>
+                <a:tailEnd type="triangle"/>
+              </a:ln>
+            </p:spPr>
+            <p:style>
+              <a:lnRef idx="1">
+                <a:schemeClr val="dk1"/>
+              </a:lnRef>
+              <a:fillRef idx="0">
+                <a:schemeClr val="dk1"/>
+              </a:fillRef>
+              <a:effectRef idx="0">
+                <a:schemeClr val="dk1"/>
+              </a:effectRef>
+              <a:fontRef idx="minor">
+                <a:schemeClr val="tx1"/>
+              </a:fontRef>
+            </p:style>
+          </p:cxnSp>
+          <p:sp>
+            <p:nvSpPr>
+              <p:cNvPr id="7" name="화살표: 오른쪽 6">
+                <a:extLst>
+                  <a:ext uri="{FF2B5EF4-FFF2-40B4-BE49-F238E27FC236}">
+                    <a16:creationId xmlns:a16="http://schemas.microsoft.com/office/drawing/2014/main" id="{13C281A0-7BBC-40AA-A493-DC94F2531EE1}"/>
+                  </a:ext>
+                </a:extLst>
+              </p:cNvPr>
+              <p:cNvSpPr/>
+              <p:nvPr/>
+            </p:nvSpPr>
+            <p:spPr>
+              <a:xfrm>
+                <a:off x="3162649" y="4723003"/>
+                <a:ext cx="755009" cy="276836"/>
+              </a:xfrm>
+              <a:prstGeom prst="rightArrow">
+                <a:avLst/>
+              </a:prstGeom>
+            </p:spPr>
+            <p:style>
+              <a:lnRef idx="1">
+                <a:schemeClr val="accent1"/>
+              </a:lnRef>
+              <a:fillRef idx="2">
+                <a:schemeClr val="accent1"/>
+              </a:fillRef>
+              <a:effectRef idx="1">
+                <a:schemeClr val="accent1"/>
+              </a:effectRef>
+              <a:fontRef idx="minor">
+                <a:schemeClr val="dk1"/>
+              </a:fontRef>
+            </p:style>
+            <p:txBody>
+              <a:bodyPr rtlCol="0" anchor="ctr"/>
+              <a:lstStyle/>
+              <a:p>
+                <a:pPr algn="ctr"/>
+                <a:endParaRPr lang="ko-KR" altLang="en-US"/>
+              </a:p>
+            </p:txBody>
+          </p:sp>
+        </p:grpSp>
+        <p:sp>
+          <p:nvSpPr>
+            <p:cNvPr id="14" name="타원 13">
+              <a:extLst>
+                <a:ext uri="{FF2B5EF4-FFF2-40B4-BE49-F238E27FC236}">
+                  <a16:creationId xmlns:a16="http://schemas.microsoft.com/office/drawing/2014/main" id="{CF12F5E1-3C75-4831-B667-BE73BE15AA42}"/>
+                </a:ext>
+              </a:extLst>
+            </p:cNvPr>
+            <p:cNvSpPr/>
+            <p:nvPr/>
+          </p:nvSpPr>
+          <p:spPr>
+            <a:xfrm>
+              <a:off x="3485532" y="5243119"/>
+              <a:ext cx="596743" cy="327171"/>
+            </a:xfrm>
+            <a:prstGeom prst="ellipse">
+              <a:avLst/>
+            </a:prstGeom>
+            <a:noFill/>
+            <a:ln>
+              <a:solidFill>
+                <a:srgbClr val="0000FF"/>
+              </a:solidFill>
+            </a:ln>
+          </p:spPr>
+          <p:style>
+            <a:lnRef idx="2">
+              <a:schemeClr val="accent1">
+                <a:shade val="50000"/>
+              </a:schemeClr>
+            </a:lnRef>
+            <a:fillRef idx="1">
+              <a:schemeClr val="accent1"/>
+            </a:fillRef>
+            <a:effectRef idx="0">
+              <a:schemeClr val="accent1"/>
+            </a:effectRef>
+            <a:fontRef idx="minor">
+              <a:schemeClr val="lt1"/>
+            </a:fontRef>
+          </p:style>
+          <p:txBody>
+            <a:bodyPr rtlCol="0" anchor="ctr"/>
+            <a:lstStyle/>
+            <a:p>
+              <a:pPr algn="ctr"/>
+              <a:endParaRPr lang="ko-KR" altLang="en-US"/>
+            </a:p>
+          </p:txBody>
+        </p:sp>
+        <p:sp>
+          <p:nvSpPr>
+            <p:cNvPr id="13" name="타원 12">
+              <a:extLst>
+                <a:ext uri="{FF2B5EF4-FFF2-40B4-BE49-F238E27FC236}">
+                  <a16:creationId xmlns:a16="http://schemas.microsoft.com/office/drawing/2014/main" id="{A28E8DB0-23F9-4CA6-992D-135CC4B78E23}"/>
+                </a:ext>
+              </a:extLst>
+            </p:cNvPr>
+            <p:cNvSpPr/>
+            <p:nvPr/>
+          </p:nvSpPr>
+          <p:spPr>
+            <a:xfrm>
+              <a:off x="2992069" y="3594572"/>
+              <a:ext cx="448342" cy="338603"/>
+            </a:xfrm>
+            <a:prstGeom prst="ellipse">
+              <a:avLst/>
+            </a:prstGeom>
+            <a:noFill/>
+            <a:ln>
+              <a:solidFill>
+                <a:srgbClr val="FF0000"/>
+              </a:solidFill>
+            </a:ln>
+          </p:spPr>
+          <p:style>
+            <a:lnRef idx="2">
+              <a:schemeClr val="accent1">
+                <a:shade val="50000"/>
+              </a:schemeClr>
+            </a:lnRef>
+            <a:fillRef idx="1">
+              <a:schemeClr val="accent1"/>
+            </a:fillRef>
+            <a:effectRef idx="0">
+              <a:schemeClr val="accent1"/>
+            </a:effectRef>
+            <a:fontRef idx="minor">
+              <a:schemeClr val="lt1"/>
+            </a:fontRef>
+          </p:style>
+          <p:txBody>
+            <a:bodyPr rtlCol="0" anchor="ctr"/>
+            <a:lstStyle/>
+            <a:p>
+              <a:pPr algn="ctr"/>
+              <a:endParaRPr lang="ko-KR" altLang="en-US"/>
+            </a:p>
+          </p:txBody>
+        </p:sp>
+      </p:grpSp>
+    </p:spTree>
+    <p:extLst>
+      <p:ext uri="{BB962C8B-B14F-4D97-AF65-F5344CB8AC3E}">
+        <p14:creationId xmlns:p14="http://schemas.microsoft.com/office/powerpoint/2010/main" val="2889819171"/>
+      </p:ext>
+    </p:extLst>
+  </p:cSld>
+  <p:clrMapOvr>
+    <a:masterClrMapping/>
+  </p:clrMapOvr>
+</p:sld>
+</file>
+
+<file path=ppt/slides/slide5.xml><?xml version="1.0" encoding="utf-8"?>
+<p:sld xmlns:a="http://schemas.openxmlformats.org/drawingml/2006/main" xmlns:r="http://schemas.openxmlformats.org/officeDocument/2006/relationships" xmlns:p="http://schemas.openxmlformats.org/presentationml/2006/main">
+  <p:cSld>
+    <p:spTree>
+      <p:nvGrpSpPr>
+        <p:cNvPr id="1" name=""/>
+        <p:cNvGrpSpPr/>
+        <p:nvPr/>
+      </p:nvGrpSpPr>
+      <p:grpSpPr>
+        <a:xfrm>
+          <a:off x="0" y="0"/>
+          <a:ext cx="0" cy="0"/>
+          <a:chOff x="0" y="0"/>
+          <a:chExt cx="0" cy="0"/>
+        </a:xfrm>
+      </p:grpSpPr>
+      <p:sp>
+        <p:nvSpPr>
+          <p:cNvPr id="2" name="제목 1">
+            <a:extLst>
+              <a:ext uri="{FF2B5EF4-FFF2-40B4-BE49-F238E27FC236}">
+                <a16:creationId xmlns:a16="http://schemas.microsoft.com/office/drawing/2014/main" id="{8D22781F-D792-45C4-B411-4D0F52BCA024}"/>
+              </a:ext>
+            </a:extLst>
+          </p:cNvPr>
+          <p:cNvSpPr>
+            <a:spLocks noGrp="1"/>
+          </p:cNvSpPr>
+          <p:nvPr>
+            <p:ph type="ctrTitle"/>
+          </p:nvPr>
+        </p:nvSpPr>
+        <p:spPr/>
+        <p:txBody>
+          <a:bodyPr/>
+          <a:lstStyle/>
+          <a:p>
+            <a:endParaRPr lang="ko-KR" altLang="en-US"/>
+          </a:p>
+        </p:txBody>
+      </p:sp>
+      <p:sp>
+        <p:nvSpPr>
+          <p:cNvPr id="3" name="부제목 2">
+            <a:extLst>
+              <a:ext uri="{FF2B5EF4-FFF2-40B4-BE49-F238E27FC236}">
+                <a16:creationId xmlns:a16="http://schemas.microsoft.com/office/drawing/2014/main" id="{E8833371-84D0-4741-A732-47CB573F1646}"/>
+              </a:ext>
+            </a:extLst>
+          </p:cNvPr>
+          <p:cNvSpPr>
+            <a:spLocks noGrp="1"/>
+          </p:cNvSpPr>
+          <p:nvPr>
+            <p:ph type="subTitle" idx="1"/>
+          </p:nvPr>
+        </p:nvSpPr>
+        <p:spPr/>
+        <p:txBody>
+          <a:bodyPr/>
+          <a:lstStyle/>
+          <a:p>
+            <a:endParaRPr lang="ko-KR" altLang="en-US"/>
+          </a:p>
+        </p:txBody>
+      </p:sp>
+      <p:sp>
+        <p:nvSpPr>
+          <p:cNvPr id="4" name="슬라이드 번호 개체 틀 3">
+            <a:extLst>
+              <a:ext uri="{FF2B5EF4-FFF2-40B4-BE49-F238E27FC236}">
+                <a16:creationId xmlns:a16="http://schemas.microsoft.com/office/drawing/2014/main" id="{51E5EF67-BFA8-4E32-BD63-26E170A8BAE0}"/>
+              </a:ext>
+            </a:extLst>
+          </p:cNvPr>
+          <p:cNvSpPr>
+            <a:spLocks noGrp="1"/>
+          </p:cNvSpPr>
+          <p:nvPr>
+            <p:ph type="sldNum" sz="quarter" idx="10"/>
+          </p:nvPr>
+        </p:nvSpPr>
+        <p:spPr/>
+        <p:txBody>
+          <a:bodyPr/>
+          <a:lstStyle/>
+          <a:p>
+            <a:pPr>
+              <a:defRPr/>
+            </a:pPr>
+            <a:fld id="{13527AB9-6298-44FA-9E1C-7B66247BD5AA}" type="slidenum">
+              <a:rPr lang="ko-KR" altLang="en-US" smtClean="0">
+                <a:solidFill>
+                  <a:prstClr val="black"/>
+                </a:solidFill>
+              </a:rPr>
+              <a:pPr>
+                <a:defRPr/>
+              </a:pPr>
+              <a:t>5</a:t>
+            </a:fld>
+            <a:endParaRPr lang="ko-KR" altLang="en-US" dirty="0">
+              <a:solidFill>
+                <a:prstClr val="black"/>
+              </a:solidFill>
+            </a:endParaRPr>
+          </a:p>
+        </p:txBody>
+      </p:sp>
+      <p:grpSp>
+        <p:nvGrpSpPr>
+          <p:cNvPr id="9" name="그룹 8">
+            <a:extLst>
+              <a:ext uri="{FF2B5EF4-FFF2-40B4-BE49-F238E27FC236}">
+                <a16:creationId xmlns:a16="http://schemas.microsoft.com/office/drawing/2014/main" id="{7B21AF00-01C2-4C0E-A63D-E8EAF73B2595}"/>
+              </a:ext>
+            </a:extLst>
+          </p:cNvPr>
+          <p:cNvGrpSpPr/>
+          <p:nvPr/>
+        </p:nvGrpSpPr>
+        <p:grpSpPr>
+          <a:xfrm>
+            <a:off x="1478018" y="1698378"/>
+            <a:ext cx="6949963" cy="3953216"/>
+            <a:chOff x="1478018" y="1698378"/>
+            <a:chExt cx="6949963" cy="3953216"/>
+          </a:xfrm>
+        </p:grpSpPr>
+        <p:pic>
+          <p:nvPicPr>
+            <p:cNvPr id="5" name="그림 4">
+              <a:extLst>
+                <a:ext uri="{FF2B5EF4-FFF2-40B4-BE49-F238E27FC236}">
+                  <a16:creationId xmlns:a16="http://schemas.microsoft.com/office/drawing/2014/main" id="{77DB4F06-7448-4819-8D1B-77250A2DA6A6}"/>
+                </a:ext>
+              </a:extLst>
+            </p:cNvPr>
+            <p:cNvPicPr>
+              <a:picLocks noChangeAspect="1"/>
+            </p:cNvPicPr>
+            <p:nvPr/>
+          </p:nvPicPr>
+          <p:blipFill>
+            <a:blip r:embed="rId2"/>
+            <a:stretch>
+              <a:fillRect/>
+            </a:stretch>
+          </p:blipFill>
+          <p:spPr>
+            <a:xfrm>
+              <a:off x="1478018" y="1698378"/>
+              <a:ext cx="6949963" cy="3953216"/>
+            </a:xfrm>
+            <a:prstGeom prst="rect">
+              <a:avLst/>
+            </a:prstGeom>
+          </p:spPr>
+        </p:pic>
+        <p:sp>
+          <p:nvSpPr>
+            <p:cNvPr id="6" name="타원 5">
+              <a:extLst>
+                <a:ext uri="{FF2B5EF4-FFF2-40B4-BE49-F238E27FC236}">
+                  <a16:creationId xmlns:a16="http://schemas.microsoft.com/office/drawing/2014/main" id="{BD5964D0-2D9F-4964-8544-3D7B1B3EFF1C}"/>
+                </a:ext>
+              </a:extLst>
+            </p:cNvPr>
+            <p:cNvSpPr/>
+            <p:nvPr/>
+          </p:nvSpPr>
+          <p:spPr>
+            <a:xfrm>
+              <a:off x="3595912" y="2822785"/>
+              <a:ext cx="448342" cy="338603"/>
+            </a:xfrm>
+            <a:prstGeom prst="ellipse">
+              <a:avLst/>
+            </a:prstGeom>
+            <a:noFill/>
+            <a:ln>
+              <a:solidFill>
+                <a:srgbClr val="FF0000"/>
+              </a:solidFill>
+            </a:ln>
+          </p:spPr>
+          <p:style>
+            <a:lnRef idx="2">
+              <a:schemeClr val="accent1">
+                <a:shade val="50000"/>
+              </a:schemeClr>
+            </a:lnRef>
+            <a:fillRef idx="1">
+              <a:schemeClr val="accent1"/>
+            </a:fillRef>
+            <a:effectRef idx="0">
+              <a:schemeClr val="accent1"/>
+            </a:effectRef>
+            <a:fontRef idx="minor">
+              <a:schemeClr val="lt1"/>
+            </a:fontRef>
+          </p:style>
+          <p:txBody>
+            <a:bodyPr rtlCol="0" anchor="ctr"/>
+            <a:lstStyle/>
+            <a:p>
+              <a:pPr algn="ctr"/>
+              <a:endParaRPr lang="ko-KR" altLang="en-US"/>
+            </a:p>
+          </p:txBody>
+        </p:sp>
+        <p:sp>
+          <p:nvSpPr>
+            <p:cNvPr id="7" name="타원 6">
+              <a:extLst>
+                <a:ext uri="{FF2B5EF4-FFF2-40B4-BE49-F238E27FC236}">
+                  <a16:creationId xmlns:a16="http://schemas.microsoft.com/office/drawing/2014/main" id="{B023DD34-2362-4B50-82B6-190E75272911}"/>
+                </a:ext>
+              </a:extLst>
+            </p:cNvPr>
+            <p:cNvSpPr/>
+            <p:nvPr/>
+          </p:nvSpPr>
+          <p:spPr>
+            <a:xfrm>
+              <a:off x="3595912" y="4482416"/>
+              <a:ext cx="448342" cy="338603"/>
+            </a:xfrm>
+            <a:prstGeom prst="ellipse">
+              <a:avLst/>
+            </a:prstGeom>
+            <a:noFill/>
+            <a:ln>
+              <a:solidFill>
+                <a:srgbClr val="0000FF"/>
+              </a:solidFill>
+            </a:ln>
+          </p:spPr>
+          <p:style>
+            <a:lnRef idx="2">
+              <a:schemeClr val="accent1">
+                <a:shade val="50000"/>
+              </a:schemeClr>
+            </a:lnRef>
+            <a:fillRef idx="1">
+              <a:schemeClr val="accent1"/>
+            </a:fillRef>
+            <a:effectRef idx="0">
+              <a:schemeClr val="accent1"/>
+            </a:effectRef>
+            <a:fontRef idx="minor">
+              <a:schemeClr val="lt1"/>
+            </a:fontRef>
+          </p:style>
+          <p:txBody>
+            <a:bodyPr rtlCol="0" anchor="ctr"/>
+            <a:lstStyle/>
+            <a:p>
+              <a:pPr algn="ctr"/>
+              <a:endParaRPr lang="ko-KR" altLang="en-US">
+                <a:solidFill>
+                  <a:srgbClr val="0000FF"/>
+                </a:solidFill>
+              </a:endParaRPr>
+            </a:p>
+          </p:txBody>
+        </p:sp>
+      </p:grpSp>
+    </p:spTree>
+    <p:extLst>
+      <p:ext uri="{BB962C8B-B14F-4D97-AF65-F5344CB8AC3E}">
+        <p14:creationId xmlns:p14="http://schemas.microsoft.com/office/powerpoint/2010/main" val="432470459"/>
+      </p:ext>
+    </p:extLst>
+  </p:cSld>
+  <p:clrMapOvr>
+    <a:masterClrMapping/>
+  </p:clrMapOvr>
+</p:sld>
+</file>
+
+<file path=ppt/slides/slide6.xml><?xml version="1.0" encoding="utf-8"?>
+<p:sld xmlns:a="http://schemas.openxmlformats.org/drawingml/2006/main" xmlns:r="http://schemas.openxmlformats.org/officeDocument/2006/relationships" xmlns:p="http://schemas.openxmlformats.org/presentationml/2006/main">
+  <p:cSld>
+    <p:spTree>
+      <p:nvGrpSpPr>
+        <p:cNvPr id="1" name=""/>
+        <p:cNvGrpSpPr/>
+        <p:nvPr/>
+      </p:nvGrpSpPr>
+      <p:grpSpPr>
+        <a:xfrm>
+          <a:off x="0" y="0"/>
+          <a:ext cx="0" cy="0"/>
+          <a:chOff x="0" y="0"/>
+          <a:chExt cx="0" cy="0"/>
+        </a:xfrm>
+      </p:grpSpPr>
+      <p:sp>
+        <p:nvSpPr>
+          <p:cNvPr id="2" name="제목 1">
+            <a:extLst>
+              <a:ext uri="{FF2B5EF4-FFF2-40B4-BE49-F238E27FC236}">
+                <a16:creationId xmlns:a16="http://schemas.microsoft.com/office/drawing/2014/main" id="{6EC03119-CEA3-468E-AB8D-AAD43121C871}"/>
+              </a:ext>
+            </a:extLst>
+          </p:cNvPr>
+          <p:cNvSpPr>
+            <a:spLocks noGrp="1"/>
+          </p:cNvSpPr>
+          <p:nvPr>
+            <p:ph type="ctrTitle"/>
+          </p:nvPr>
+        </p:nvSpPr>
+        <p:spPr/>
+        <p:txBody>
+          <a:bodyPr/>
+          <a:lstStyle/>
+          <a:p>
+            <a:endParaRPr lang="ko-KR" altLang="en-US"/>
+          </a:p>
+        </p:txBody>
+      </p:sp>
+      <p:sp>
+        <p:nvSpPr>
+          <p:cNvPr id="3" name="부제목 2">
+            <a:extLst>
+              <a:ext uri="{FF2B5EF4-FFF2-40B4-BE49-F238E27FC236}">
+                <a16:creationId xmlns:a16="http://schemas.microsoft.com/office/drawing/2014/main" id="{864A87DE-A34E-46CD-8DAB-7E538A4FFA82}"/>
+              </a:ext>
+            </a:extLst>
+          </p:cNvPr>
+          <p:cNvSpPr>
+            <a:spLocks noGrp="1"/>
+          </p:cNvSpPr>
+          <p:nvPr>
+            <p:ph type="subTitle" idx="1"/>
+          </p:nvPr>
+        </p:nvSpPr>
+        <p:spPr/>
+        <p:txBody>
+          <a:bodyPr/>
+          <a:lstStyle/>
+          <a:p>
+            <a:endParaRPr lang="ko-KR" altLang="en-US"/>
+          </a:p>
+        </p:txBody>
+      </p:sp>
+      <p:sp>
+        <p:nvSpPr>
+          <p:cNvPr id="4" name="슬라이드 번호 개체 틀 3">
+            <a:extLst>
+              <a:ext uri="{FF2B5EF4-FFF2-40B4-BE49-F238E27FC236}">
+                <a16:creationId xmlns:a16="http://schemas.microsoft.com/office/drawing/2014/main" id="{41D4B664-EBF6-485D-BDA3-69BC7840F3AF}"/>
+              </a:ext>
+            </a:extLst>
+          </p:cNvPr>
+          <p:cNvSpPr>
+            <a:spLocks noGrp="1"/>
+          </p:cNvSpPr>
+          <p:nvPr>
+            <p:ph type="sldNum" sz="quarter" idx="10"/>
+          </p:nvPr>
+        </p:nvSpPr>
+        <p:spPr/>
+        <p:txBody>
+          <a:bodyPr/>
+          <a:lstStyle/>
+          <a:p>
+            <a:pPr>
+              <a:defRPr/>
+            </a:pPr>
+            <a:fld id="{13527AB9-6298-44FA-9E1C-7B66247BD5AA}" type="slidenum">
+              <a:rPr lang="ko-KR" altLang="en-US" smtClean="0">
+                <a:solidFill>
+                  <a:prstClr val="black"/>
+                </a:solidFill>
+              </a:rPr>
+              <a:pPr>
+                <a:defRPr/>
+              </a:pPr>
+              <a:t>6</a:t>
+            </a:fld>
+            <a:endParaRPr lang="ko-KR" altLang="en-US" dirty="0">
+              <a:solidFill>
+                <a:prstClr val="black"/>
+              </a:solidFill>
+            </a:endParaRPr>
+          </a:p>
+        </p:txBody>
+      </p:sp>
+      <p:pic>
+        <p:nvPicPr>
+          <p:cNvPr id="5" name="그림 4">
+            <a:extLst>
+              <a:ext uri="{FF2B5EF4-FFF2-40B4-BE49-F238E27FC236}">
+                <a16:creationId xmlns:a16="http://schemas.microsoft.com/office/drawing/2014/main" id="{5A88ECD7-2D53-484B-8252-225270A42FB8}"/>
+              </a:ext>
+            </a:extLst>
+          </p:cNvPr>
+          <p:cNvPicPr>
+            <a:picLocks noChangeAspect="1"/>
+          </p:cNvPicPr>
+          <p:nvPr/>
+        </p:nvPicPr>
+        <p:blipFill>
+          <a:blip r:embed="rId2"/>
+          <a:stretch>
+            <a:fillRect/>
+          </a:stretch>
+        </p:blipFill>
+        <p:spPr>
+          <a:xfrm>
+            <a:off x="1460562" y="1698378"/>
+            <a:ext cx="6840407" cy="4073646"/>
+          </a:xfrm>
+          <a:prstGeom prst="rect">
+            <a:avLst/>
+          </a:prstGeom>
+        </p:spPr>
+      </p:pic>
+      <p:cxnSp>
+        <p:nvCxnSpPr>
+          <p:cNvPr id="7" name="직선 화살표 연결선 6">
+            <a:extLst>
+              <a:ext uri="{FF2B5EF4-FFF2-40B4-BE49-F238E27FC236}">
+                <a16:creationId xmlns:a16="http://schemas.microsoft.com/office/drawing/2014/main" id="{05BE3E12-75EA-475F-A582-980FC9ED54DE}"/>
+              </a:ext>
+            </a:extLst>
+          </p:cNvPr>
+          <p:cNvCxnSpPr>
+            <a:cxnSpLocks/>
+          </p:cNvCxnSpPr>
+          <p:nvPr/>
+        </p:nvCxnSpPr>
+        <p:spPr>
+          <a:xfrm>
+            <a:off x="3221372" y="3934437"/>
+            <a:ext cx="914400" cy="1593908"/>
+          </a:xfrm>
+          <a:prstGeom prst="straightConnector1">
+            <a:avLst/>
+          </a:prstGeom>
+          <a:ln>
+            <a:tailEnd type="triangle"/>
+          </a:ln>
+        </p:spPr>
+        <p:style>
+          <a:lnRef idx="1">
+            <a:schemeClr val="dk1"/>
+          </a:lnRef>
+          <a:fillRef idx="0">
+            <a:schemeClr val="dk1"/>
+          </a:fillRef>
+          <a:effectRef idx="0">
+            <a:schemeClr val="dk1"/>
+          </a:effectRef>
+          <a:fontRef idx="minor">
+            <a:schemeClr val="tx1"/>
+          </a:fontRef>
+        </p:style>
+      </p:cxnSp>
+      <p:cxnSp>
+        <p:nvCxnSpPr>
+          <p:cNvPr id="9" name="직선 화살표 연결선 8">
+            <a:extLst>
+              <a:ext uri="{FF2B5EF4-FFF2-40B4-BE49-F238E27FC236}">
+                <a16:creationId xmlns:a16="http://schemas.microsoft.com/office/drawing/2014/main" id="{062656D3-BB46-4E50-B365-F7E7021E2B51}"/>
+              </a:ext>
+            </a:extLst>
+          </p:cNvPr>
+          <p:cNvCxnSpPr>
+            <a:cxnSpLocks/>
+          </p:cNvCxnSpPr>
+          <p:nvPr/>
+        </p:nvCxnSpPr>
+        <p:spPr>
+          <a:xfrm>
+            <a:off x="3820083" y="3934437"/>
+            <a:ext cx="914400" cy="1593908"/>
+          </a:xfrm>
+          <a:prstGeom prst="straightConnector1">
+            <a:avLst/>
+          </a:prstGeom>
+          <a:ln>
+            <a:tailEnd type="triangle"/>
+          </a:ln>
+        </p:spPr>
+        <p:style>
+          <a:lnRef idx="1">
+            <a:schemeClr val="dk1"/>
+          </a:lnRef>
+          <a:fillRef idx="0">
+            <a:schemeClr val="dk1"/>
+          </a:fillRef>
+          <a:effectRef idx="0">
+            <a:schemeClr val="dk1"/>
+          </a:effectRef>
+          <a:fontRef idx="minor">
+            <a:schemeClr val="tx1"/>
+          </a:fontRef>
+        </p:style>
+      </p:cxnSp>
+      <p:cxnSp>
+        <p:nvCxnSpPr>
+          <p:cNvPr id="10" name="직선 화살표 연결선 9">
+            <a:extLst>
+              <a:ext uri="{FF2B5EF4-FFF2-40B4-BE49-F238E27FC236}">
+                <a16:creationId xmlns:a16="http://schemas.microsoft.com/office/drawing/2014/main" id="{B0650B2F-1C08-40A5-BA0E-CED05511597E}"/>
+              </a:ext>
+            </a:extLst>
+          </p:cNvPr>
+          <p:cNvCxnSpPr>
+            <a:cxnSpLocks/>
+          </p:cNvCxnSpPr>
+          <p:nvPr/>
+        </p:nvCxnSpPr>
+        <p:spPr>
+          <a:xfrm>
+            <a:off x="4418794" y="3934437"/>
+            <a:ext cx="914400" cy="1593908"/>
+          </a:xfrm>
+          <a:prstGeom prst="straightConnector1">
+            <a:avLst/>
+          </a:prstGeom>
+          <a:ln>
+            <a:tailEnd type="triangle"/>
+          </a:ln>
+        </p:spPr>
+        <p:style>
+          <a:lnRef idx="1">
+            <a:schemeClr val="dk1"/>
+          </a:lnRef>
+          <a:fillRef idx="0">
+            <a:schemeClr val="dk1"/>
+          </a:fillRef>
+          <a:effectRef idx="0">
+            <a:schemeClr val="dk1"/>
+          </a:effectRef>
+          <a:fontRef idx="minor">
+            <a:schemeClr val="tx1"/>
+          </a:fontRef>
+        </p:style>
+      </p:cxnSp>
+      <p:cxnSp>
+        <p:nvCxnSpPr>
+          <p:cNvPr id="11" name="직선 화살표 연결선 10">
+            <a:extLst>
+              <a:ext uri="{FF2B5EF4-FFF2-40B4-BE49-F238E27FC236}">
+                <a16:creationId xmlns:a16="http://schemas.microsoft.com/office/drawing/2014/main" id="{5837AD6F-D6E4-47D2-8F1E-D95368550B41}"/>
+              </a:ext>
+            </a:extLst>
+          </p:cNvPr>
+          <p:cNvCxnSpPr>
+            <a:cxnSpLocks/>
+          </p:cNvCxnSpPr>
+          <p:nvPr/>
+        </p:nvCxnSpPr>
+        <p:spPr>
+          <a:xfrm>
+            <a:off x="6155315" y="3934437"/>
+            <a:ext cx="914400" cy="1593908"/>
+          </a:xfrm>
+          <a:prstGeom prst="straightConnector1">
+            <a:avLst/>
+          </a:prstGeom>
+          <a:ln>
+            <a:tailEnd type="triangle"/>
+          </a:ln>
+        </p:spPr>
+        <p:style>
+          <a:lnRef idx="1">
+            <a:schemeClr val="dk1"/>
+          </a:lnRef>
+          <a:fillRef idx="0">
+            <a:schemeClr val="dk1"/>
+          </a:fillRef>
+          <a:effectRef idx="0">
+            <a:schemeClr val="dk1"/>
+          </a:effectRef>
+          <a:fontRef idx="minor">
+            <a:schemeClr val="tx1"/>
+          </a:fontRef>
+        </p:style>
+      </p:cxnSp>
+      <p:cxnSp>
+        <p:nvCxnSpPr>
+          <p:cNvPr id="12" name="직선 화살표 연결선 11">
+            <a:extLst>
+              <a:ext uri="{FF2B5EF4-FFF2-40B4-BE49-F238E27FC236}">
+                <a16:creationId xmlns:a16="http://schemas.microsoft.com/office/drawing/2014/main" id="{1B4BD5E3-67CF-41EB-96D4-D721F51F2BB5}"/>
+              </a:ext>
+            </a:extLst>
+          </p:cNvPr>
+          <p:cNvCxnSpPr>
+            <a:cxnSpLocks/>
+          </p:cNvCxnSpPr>
+          <p:nvPr/>
+        </p:nvCxnSpPr>
+        <p:spPr>
+          <a:xfrm>
+            <a:off x="6728048" y="3934437"/>
+            <a:ext cx="914400" cy="1593908"/>
+          </a:xfrm>
+          <a:prstGeom prst="straightConnector1">
+            <a:avLst/>
+          </a:prstGeom>
+          <a:ln>
+            <a:tailEnd type="triangle"/>
+          </a:ln>
+        </p:spPr>
+        <p:style>
+          <a:lnRef idx="1">
+            <a:schemeClr val="dk1"/>
+          </a:lnRef>
+          <a:fillRef idx="0">
+            <a:schemeClr val="dk1"/>
+          </a:fillRef>
+          <a:effectRef idx="0">
+            <a:schemeClr val="dk1"/>
+          </a:effectRef>
+          <a:fontRef idx="minor">
+            <a:schemeClr val="tx1"/>
+          </a:fontRef>
+        </p:style>
+      </p:cxnSp>
+      <p:sp>
+        <p:nvSpPr>
+          <p:cNvPr id="6" name="화살표: 오른쪽 5">
+            <a:extLst>
+              <a:ext uri="{FF2B5EF4-FFF2-40B4-BE49-F238E27FC236}">
+                <a16:creationId xmlns:a16="http://schemas.microsoft.com/office/drawing/2014/main" id="{10C48A06-7860-4071-9329-EF1ED03A8D51}"/>
+              </a:ext>
+            </a:extLst>
+          </p:cNvPr>
+          <p:cNvSpPr/>
+          <p:nvPr/>
+        </p:nvSpPr>
+        <p:spPr>
+          <a:xfrm>
+            <a:off x="3820083" y="4723003"/>
+            <a:ext cx="755009" cy="276836"/>
+          </a:xfrm>
+          <a:prstGeom prst="rightArrow">
+            <a:avLst/>
+          </a:prstGeom>
+        </p:spPr>
+        <p:style>
+          <a:lnRef idx="1">
+            <a:schemeClr val="accent1"/>
+          </a:lnRef>
+          <a:fillRef idx="2">
+            <a:schemeClr val="accent1"/>
+          </a:fillRef>
+          <a:effectRef idx="1">
+            <a:schemeClr val="accent1"/>
+          </a:effectRef>
+          <a:fontRef idx="minor">
+            <a:schemeClr val="dk1"/>
+          </a:fontRef>
+        </p:style>
+        <p:txBody>
+          <a:bodyPr rtlCol="0" anchor="ctr"/>
+          <a:lstStyle/>
+          <a:p>
+            <a:pPr algn="ctr"/>
+            <a:endParaRPr lang="ko-KR" altLang="en-US"/>
+          </a:p>
+        </p:txBody>
+      </p:sp>
+    </p:spTree>
+    <p:extLst>
+      <p:ext uri="{BB962C8B-B14F-4D97-AF65-F5344CB8AC3E}">
+        <p14:creationId xmlns:p14="http://schemas.microsoft.com/office/powerpoint/2010/main" val="1285079773"/>
+      </p:ext>
+    </p:extLst>
+  </p:cSld>
+  <p:clrMapOvr>
+    <a:masterClrMapping/>
+  </p:clrMapOvr>
+</p:sld>
+</file>
+
+<file path=ppt/slides/slide7.xml><?xml version="1.0" encoding="utf-8"?>
+<p:sld xmlns:a="http://schemas.openxmlformats.org/drawingml/2006/main" xmlns:r="http://schemas.openxmlformats.org/officeDocument/2006/relationships" xmlns:p="http://schemas.openxmlformats.org/presentationml/2006/main">
+  <p:cSld>
+    <p:spTree>
+      <p:nvGrpSpPr>
+        <p:cNvPr id="1" name=""/>
+        <p:cNvGrpSpPr/>
+        <p:nvPr/>
+      </p:nvGrpSpPr>
+      <p:grpSpPr>
+        <a:xfrm>
+          <a:off x="0" y="0"/>
+          <a:ext cx="0" cy="0"/>
+          <a:chOff x="0" y="0"/>
+          <a:chExt cx="0" cy="0"/>
+        </a:xfrm>
+      </p:grpSpPr>
+      <p:sp>
+        <p:nvSpPr>
+          <p:cNvPr id="2" name="제목 1">
+            <a:extLst>
+              <a:ext uri="{FF2B5EF4-FFF2-40B4-BE49-F238E27FC236}">
+                <a16:creationId xmlns:a16="http://schemas.microsoft.com/office/drawing/2014/main" id="{3484DF35-6C71-44DF-ADD9-E5C11B1B35B8}"/>
+              </a:ext>
+            </a:extLst>
+          </p:cNvPr>
+          <p:cNvSpPr>
+            <a:spLocks noGrp="1"/>
+          </p:cNvSpPr>
+          <p:nvPr>
+            <p:ph type="ctrTitle"/>
+          </p:nvPr>
+        </p:nvSpPr>
+        <p:spPr/>
+        <p:txBody>
+          <a:bodyPr/>
+          <a:lstStyle/>
+          <a:p>
+            <a:endParaRPr lang="ko-KR" altLang="en-US"/>
+          </a:p>
+        </p:txBody>
+      </p:sp>
+      <p:sp>
+        <p:nvSpPr>
+          <p:cNvPr id="3" name="부제목 2">
+            <a:extLst>
+              <a:ext uri="{FF2B5EF4-FFF2-40B4-BE49-F238E27FC236}">
+                <a16:creationId xmlns:a16="http://schemas.microsoft.com/office/drawing/2014/main" id="{C5F44E44-6D09-4298-A111-7D8FD68FFB42}"/>
+              </a:ext>
+            </a:extLst>
+          </p:cNvPr>
+          <p:cNvSpPr>
+            <a:spLocks noGrp="1"/>
+          </p:cNvSpPr>
+          <p:nvPr>
+            <p:ph type="subTitle" idx="1"/>
+          </p:nvPr>
+        </p:nvSpPr>
+        <p:spPr/>
+        <p:txBody>
+          <a:bodyPr/>
+          <a:lstStyle/>
+          <a:p>
+            <a:endParaRPr lang="ko-KR" altLang="en-US"/>
+          </a:p>
+        </p:txBody>
+      </p:sp>
+      <p:sp>
+        <p:nvSpPr>
+          <p:cNvPr id="4" name="슬라이드 번호 개체 틀 3">
+            <a:extLst>
+              <a:ext uri="{FF2B5EF4-FFF2-40B4-BE49-F238E27FC236}">
+                <a16:creationId xmlns:a16="http://schemas.microsoft.com/office/drawing/2014/main" id="{5E2F14B0-26AD-4B5F-94A7-E06249003411}"/>
+              </a:ext>
+            </a:extLst>
+          </p:cNvPr>
+          <p:cNvSpPr>
+            <a:spLocks noGrp="1"/>
+          </p:cNvSpPr>
+          <p:nvPr>
+            <p:ph type="sldNum" sz="quarter" idx="10"/>
+          </p:nvPr>
+        </p:nvSpPr>
+        <p:spPr/>
+        <p:txBody>
+          <a:bodyPr/>
+          <a:lstStyle/>
+          <a:p>
+            <a:pPr>
+              <a:defRPr/>
+            </a:pPr>
+            <a:fld id="{13527AB9-6298-44FA-9E1C-7B66247BD5AA}" type="slidenum">
+              <a:rPr lang="ko-KR" altLang="en-US" smtClean="0">
+                <a:solidFill>
+                  <a:prstClr val="black"/>
+                </a:solidFill>
+              </a:rPr>
+              <a:pPr>
+                <a:defRPr/>
+              </a:pPr>
+              <a:t>7</a:t>
+            </a:fld>
+            <a:endParaRPr lang="ko-KR" altLang="en-US" dirty="0">
+              <a:solidFill>
+                <a:prstClr val="black"/>
+              </a:solidFill>
+            </a:endParaRPr>
+          </a:p>
+        </p:txBody>
+      </p:sp>
+      <p:grpSp>
+        <p:nvGrpSpPr>
+          <p:cNvPr id="30" name="그룹 29">
+            <a:extLst>
+              <a:ext uri="{FF2B5EF4-FFF2-40B4-BE49-F238E27FC236}">
+                <a16:creationId xmlns:a16="http://schemas.microsoft.com/office/drawing/2014/main" id="{4AD82208-32A7-461E-A6C9-964B6757182C}"/>
+              </a:ext>
+            </a:extLst>
+          </p:cNvPr>
+          <p:cNvGrpSpPr/>
+          <p:nvPr/>
+        </p:nvGrpSpPr>
+        <p:grpSpPr>
+          <a:xfrm>
+            <a:off x="1435200" y="1340768"/>
+            <a:ext cx="7289350" cy="4882621"/>
+            <a:chOff x="1728815" y="1572544"/>
+            <a:chExt cx="7289350" cy="4882621"/>
+          </a:xfrm>
+        </p:grpSpPr>
+        <p:pic>
+          <p:nvPicPr>
+            <p:cNvPr id="5" name="그림 4">
+              <a:extLst>
+                <a:ext uri="{FF2B5EF4-FFF2-40B4-BE49-F238E27FC236}">
+                  <a16:creationId xmlns:a16="http://schemas.microsoft.com/office/drawing/2014/main" id="{FCDE38DC-1FFE-4106-9B2D-F0B55D6151BB}"/>
+                </a:ext>
+              </a:extLst>
+            </p:cNvPr>
+            <p:cNvPicPr>
+              <a:picLocks noChangeAspect="1"/>
+            </p:cNvPicPr>
+            <p:nvPr/>
+          </p:nvPicPr>
+          <p:blipFill>
+            <a:blip r:embed="rId2"/>
+            <a:stretch>
+              <a:fillRect/>
+            </a:stretch>
+          </p:blipFill>
+          <p:spPr>
+            <a:xfrm>
+              <a:off x="1728815" y="1572544"/>
+              <a:ext cx="7289350" cy="2307942"/>
+            </a:xfrm>
+            <a:prstGeom prst="rect">
+              <a:avLst/>
+            </a:prstGeom>
+          </p:spPr>
+        </p:pic>
+        <p:pic>
+          <p:nvPicPr>
+            <p:cNvPr id="6" name="그림 5">
+              <a:extLst>
+                <a:ext uri="{FF2B5EF4-FFF2-40B4-BE49-F238E27FC236}">
+                  <a16:creationId xmlns:a16="http://schemas.microsoft.com/office/drawing/2014/main" id="{E1AAB449-4155-4D2B-B2E0-8A27DB9FEBB9}"/>
+                </a:ext>
+              </a:extLst>
+            </p:cNvPr>
+            <p:cNvPicPr>
+              <a:picLocks noChangeAspect="1"/>
+            </p:cNvPicPr>
+            <p:nvPr/>
+          </p:nvPicPr>
+          <p:blipFill>
+            <a:blip r:embed="rId3"/>
+            <a:stretch>
+              <a:fillRect/>
+            </a:stretch>
+          </p:blipFill>
+          <p:spPr>
+            <a:xfrm>
+              <a:off x="1728816" y="4012464"/>
+              <a:ext cx="3547860" cy="2058837"/>
+            </a:xfrm>
+            <a:prstGeom prst="rect">
+              <a:avLst/>
+            </a:prstGeom>
+          </p:spPr>
+        </p:pic>
+        <p:pic>
+          <p:nvPicPr>
+            <p:cNvPr id="7" name="그림 6">
+              <a:extLst>
+                <a:ext uri="{FF2B5EF4-FFF2-40B4-BE49-F238E27FC236}">
+                  <a16:creationId xmlns:a16="http://schemas.microsoft.com/office/drawing/2014/main" id="{E1FAE4C5-A062-4787-BF62-81F410C293EF}"/>
+                </a:ext>
+              </a:extLst>
+            </p:cNvPr>
+            <p:cNvPicPr>
+              <a:picLocks noChangeAspect="1"/>
+            </p:cNvPicPr>
+            <p:nvPr/>
+          </p:nvPicPr>
+          <p:blipFill>
+            <a:blip r:embed="rId4"/>
+            <a:stretch>
+              <a:fillRect/>
+            </a:stretch>
+          </p:blipFill>
+          <p:spPr>
+            <a:xfrm>
+              <a:off x="5377342" y="4046020"/>
+              <a:ext cx="3505651" cy="1994053"/>
+            </a:xfrm>
+            <a:prstGeom prst="rect">
+              <a:avLst/>
+            </a:prstGeom>
+          </p:spPr>
+        </p:pic>
+        <p:sp>
+          <p:nvSpPr>
+            <p:cNvPr id="8" name="TextBox 7">
+              <a:extLst>
+                <a:ext uri="{FF2B5EF4-FFF2-40B4-BE49-F238E27FC236}">
+                  <a16:creationId xmlns:a16="http://schemas.microsoft.com/office/drawing/2014/main" id="{27B95C2F-6EEE-41BC-8564-EE36740998A0}"/>
+                </a:ext>
+              </a:extLst>
+            </p:cNvPr>
+            <p:cNvSpPr txBox="1"/>
+            <p:nvPr/>
+          </p:nvSpPr>
+          <p:spPr>
+            <a:xfrm>
+              <a:off x="2631866" y="6085833"/>
+              <a:ext cx="1741759" cy="369332"/>
+            </a:xfrm>
+            <a:prstGeom prst="rect">
+              <a:avLst/>
+            </a:prstGeom>
+            <a:noFill/>
+          </p:spPr>
+          <p:txBody>
+            <a:bodyPr wrap="none" rtlCol="0">
+              <a:spAutoFit/>
+            </a:bodyPr>
+            <a:lstStyle/>
+            <a:p>
+              <a:r>
+                <a:rPr lang="en-US" altLang="ko-KR" b="1">
+                  <a:latin typeface="나눔바른고딕" panose="020B0603020101020101" pitchFamily="50" charset="-127"/>
+                  <a:ea typeface="나눔바른고딕" panose="020B0603020101020101" pitchFamily="50" charset="-127"/>
+                </a:rPr>
+                <a:t>Control</a:t>
+              </a:r>
+              <a:r>
+                <a:rPr lang="ko-KR" altLang="en-US" b="1">
+                  <a:latin typeface="나눔바른고딕" panose="020B0603020101020101" pitchFamily="50" charset="-127"/>
+                  <a:ea typeface="나눔바른고딕" panose="020B0603020101020101" pitchFamily="50" charset="-127"/>
+                </a:rPr>
+                <a:t> </a:t>
+              </a:r>
+              <a:r>
+                <a:rPr lang="en-US" altLang="ko-KR" b="1">
+                  <a:latin typeface="나눔바른고딕" panose="020B0603020101020101" pitchFamily="50" charset="-127"/>
+                  <a:ea typeface="나눔바른고딕" panose="020B0603020101020101" pitchFamily="50" charset="-127"/>
+                </a:rPr>
+                <a:t>update</a:t>
+              </a:r>
+              <a:endParaRPr lang="ko-KR" altLang="en-US" b="1">
+                <a:latin typeface="나눔바른고딕" panose="020B0603020101020101" pitchFamily="50" charset="-127"/>
+                <a:ea typeface="나눔바른고딕" panose="020B0603020101020101" pitchFamily="50" charset="-127"/>
+              </a:endParaRPr>
+            </a:p>
+          </p:txBody>
+        </p:sp>
+        <p:sp>
+          <p:nvSpPr>
+            <p:cNvPr id="9" name="TextBox 8">
+              <a:extLst>
+                <a:ext uri="{FF2B5EF4-FFF2-40B4-BE49-F238E27FC236}">
+                  <a16:creationId xmlns:a16="http://schemas.microsoft.com/office/drawing/2014/main" id="{D81A093A-F60F-4965-9180-21AF18218237}"/>
+                </a:ext>
+              </a:extLst>
+            </p:cNvPr>
+            <p:cNvSpPr txBox="1"/>
+            <p:nvPr/>
+          </p:nvSpPr>
+          <p:spPr>
+            <a:xfrm>
+              <a:off x="5967478" y="6085833"/>
+              <a:ext cx="2435539" cy="369332"/>
+            </a:xfrm>
+            <a:prstGeom prst="rect">
+              <a:avLst/>
+            </a:prstGeom>
+            <a:noFill/>
+          </p:spPr>
+          <p:txBody>
+            <a:bodyPr wrap="none" rtlCol="0">
+              <a:spAutoFit/>
+            </a:bodyPr>
+            <a:lstStyle/>
+            <a:p>
+              <a:r>
+                <a:rPr lang="en-US" altLang="ko-KR" b="1">
+                  <a:latin typeface="나눔바른고딕" panose="020B0603020101020101" pitchFamily="50" charset="-127"/>
+                  <a:ea typeface="나눔바른고딕" panose="020B0603020101020101" pitchFamily="50" charset="-127"/>
+                </a:rPr>
+                <a:t>Measurement</a:t>
+              </a:r>
+              <a:r>
+                <a:rPr lang="ko-KR" altLang="en-US" b="1">
+                  <a:latin typeface="나눔바른고딕" panose="020B0603020101020101" pitchFamily="50" charset="-127"/>
+                  <a:ea typeface="나눔바른고딕" panose="020B0603020101020101" pitchFamily="50" charset="-127"/>
+                </a:rPr>
+                <a:t> </a:t>
+              </a:r>
+              <a:r>
+                <a:rPr lang="en-US" altLang="ko-KR" b="1">
+                  <a:latin typeface="나눔바른고딕" panose="020B0603020101020101" pitchFamily="50" charset="-127"/>
+                  <a:ea typeface="나눔바른고딕" panose="020B0603020101020101" pitchFamily="50" charset="-127"/>
+                </a:rPr>
+                <a:t>update</a:t>
+              </a:r>
+              <a:endParaRPr lang="ko-KR" altLang="en-US" b="1">
+                <a:latin typeface="나눔바른고딕" panose="020B0603020101020101" pitchFamily="50" charset="-127"/>
+                <a:ea typeface="나눔바른고딕" panose="020B0603020101020101" pitchFamily="50" charset="-127"/>
+              </a:endParaRPr>
+            </a:p>
+          </p:txBody>
+        </p:sp>
+        <p:sp>
+          <p:nvSpPr>
+            <p:cNvPr id="10" name="TextBox 9">
+              <a:extLst>
+                <a:ext uri="{FF2B5EF4-FFF2-40B4-BE49-F238E27FC236}">
+                  <a16:creationId xmlns:a16="http://schemas.microsoft.com/office/drawing/2014/main" id="{F84EFB0E-9519-4EF9-A6E6-B722E4FDA698}"/>
+                </a:ext>
+              </a:extLst>
+            </p:cNvPr>
+            <p:cNvSpPr txBox="1"/>
+            <p:nvPr/>
+          </p:nvSpPr>
+          <p:spPr>
+            <a:xfrm>
+              <a:off x="5744291" y="2198008"/>
+              <a:ext cx="322524" cy="276999"/>
+            </a:xfrm>
+            <a:prstGeom prst="rect">
+              <a:avLst/>
+            </a:prstGeom>
+            <a:noFill/>
+          </p:spPr>
+          <p:txBody>
+            <a:bodyPr wrap="none" rtlCol="0">
+              <a:spAutoFit/>
+            </a:bodyPr>
+            <a:lstStyle/>
+            <a:p>
+              <a:r>
+                <a:rPr lang="ko-KR" altLang="en-US" sz="1200" b="1">
+                  <a:solidFill>
+                    <a:srgbClr val="0000FF"/>
+                  </a:solidFill>
+                  <a:latin typeface="나눔바른고딕" panose="020B0603020101020101" pitchFamily="50" charset="-127"/>
+                  <a:ea typeface="나눔바른고딕" panose="020B0603020101020101" pitchFamily="50" charset="-127"/>
+                </a:rPr>
+                <a:t>①</a:t>
+              </a:r>
+            </a:p>
+          </p:txBody>
+        </p:sp>
+        <p:sp>
+          <p:nvSpPr>
+            <p:cNvPr id="11" name="TextBox 10">
+              <a:extLst>
+                <a:ext uri="{FF2B5EF4-FFF2-40B4-BE49-F238E27FC236}">
+                  <a16:creationId xmlns:a16="http://schemas.microsoft.com/office/drawing/2014/main" id="{9F858C14-98E7-43FC-88FA-E6CD3D6F79B5}"/>
+                </a:ext>
+              </a:extLst>
+            </p:cNvPr>
+            <p:cNvSpPr txBox="1"/>
+            <p:nvPr/>
+          </p:nvSpPr>
+          <p:spPr>
+            <a:xfrm>
+              <a:off x="4675326" y="2198008"/>
+              <a:ext cx="322524" cy="276999"/>
+            </a:xfrm>
+            <a:prstGeom prst="rect">
+              <a:avLst/>
+            </a:prstGeom>
+            <a:noFill/>
+          </p:spPr>
+          <p:txBody>
+            <a:bodyPr wrap="none" rtlCol="0">
+              <a:spAutoFit/>
+            </a:bodyPr>
+            <a:lstStyle/>
+            <a:p>
+              <a:r>
+                <a:rPr lang="ko-KR" altLang="en-US" sz="1200" b="1">
+                  <a:solidFill>
+                    <a:srgbClr val="FF0000"/>
+                  </a:solidFill>
+                  <a:latin typeface="나눔바른고딕" panose="020B0603020101020101" pitchFamily="50" charset="-127"/>
+                  <a:ea typeface="나눔바른고딕" panose="020B0603020101020101" pitchFamily="50" charset="-127"/>
+                </a:rPr>
+                <a:t>②</a:t>
+              </a:r>
+            </a:p>
+          </p:txBody>
+        </p:sp>
+        <p:sp>
+          <p:nvSpPr>
+            <p:cNvPr id="12" name="TextBox 11">
+              <a:extLst>
+                <a:ext uri="{FF2B5EF4-FFF2-40B4-BE49-F238E27FC236}">
+                  <a16:creationId xmlns:a16="http://schemas.microsoft.com/office/drawing/2014/main" id="{9A4A241B-B47D-47BA-A076-AE5E2C3C27F0}"/>
+                </a:ext>
+              </a:extLst>
+            </p:cNvPr>
+            <p:cNvSpPr txBox="1"/>
+            <p:nvPr/>
+          </p:nvSpPr>
+          <p:spPr>
+            <a:xfrm>
+              <a:off x="2803988" y="2424783"/>
+              <a:ext cx="322524" cy="276999"/>
+            </a:xfrm>
+            <a:prstGeom prst="rect">
+              <a:avLst/>
+            </a:prstGeom>
+            <a:noFill/>
+          </p:spPr>
+          <p:txBody>
+            <a:bodyPr wrap="none" rtlCol="0">
+              <a:spAutoFit/>
+            </a:bodyPr>
+            <a:lstStyle/>
+            <a:p>
+              <a:r>
+                <a:rPr lang="ko-KR" altLang="en-US" sz="1200" b="1">
+                  <a:solidFill>
+                    <a:srgbClr val="00B050"/>
+                  </a:solidFill>
+                  <a:latin typeface="나눔바른고딕" panose="020B0603020101020101" pitchFamily="50" charset="-127"/>
+                  <a:ea typeface="나눔바른고딕" panose="020B0603020101020101" pitchFamily="50" charset="-127"/>
+                </a:rPr>
+                <a:t>③</a:t>
+              </a:r>
+            </a:p>
+          </p:txBody>
+        </p:sp>
+        <p:sp>
+          <p:nvSpPr>
+            <p:cNvPr id="13" name="TextBox 12">
+              <a:extLst>
+                <a:ext uri="{FF2B5EF4-FFF2-40B4-BE49-F238E27FC236}">
+                  <a16:creationId xmlns:a16="http://schemas.microsoft.com/office/drawing/2014/main" id="{A29AF52B-8062-4196-A894-52DFE9B6EF91}"/>
+                </a:ext>
+              </a:extLst>
+            </p:cNvPr>
+            <p:cNvSpPr txBox="1"/>
+            <p:nvPr/>
+          </p:nvSpPr>
+          <p:spPr>
+            <a:xfrm>
+              <a:off x="4488897" y="2942692"/>
+              <a:ext cx="322524" cy="276999"/>
+            </a:xfrm>
+            <a:prstGeom prst="rect">
+              <a:avLst/>
+            </a:prstGeom>
+            <a:noFill/>
+          </p:spPr>
+          <p:txBody>
+            <a:bodyPr wrap="none" rtlCol="0">
+              <a:spAutoFit/>
+            </a:bodyPr>
+            <a:lstStyle/>
+            <a:p>
+              <a:r>
+                <a:rPr lang="ko-KR" altLang="en-US" sz="1200" b="1">
+                  <a:solidFill>
+                    <a:schemeClr val="accent4">
+                      <a:lumMod val="75000"/>
+                    </a:schemeClr>
+                  </a:solidFill>
+                  <a:latin typeface="나눔바른고딕" panose="020B0603020101020101" pitchFamily="50" charset="-127"/>
+                  <a:ea typeface="나눔바른고딕" panose="020B0603020101020101" pitchFamily="50" charset="-127"/>
+                </a:rPr>
+                <a:t>④</a:t>
+              </a:r>
+            </a:p>
+          </p:txBody>
+        </p:sp>
+        <p:sp>
+          <p:nvSpPr>
+            <p:cNvPr id="14" name="TextBox 13">
+              <a:extLst>
+                <a:ext uri="{FF2B5EF4-FFF2-40B4-BE49-F238E27FC236}">
+                  <a16:creationId xmlns:a16="http://schemas.microsoft.com/office/drawing/2014/main" id="{52E3CE9A-9E67-48BB-84F1-4215F97FDF90}"/>
+                </a:ext>
+              </a:extLst>
+            </p:cNvPr>
+            <p:cNvSpPr txBox="1"/>
+            <p:nvPr/>
+          </p:nvSpPr>
+          <p:spPr>
+            <a:xfrm>
+              <a:off x="2803988" y="2681845"/>
+              <a:ext cx="322524" cy="276999"/>
+            </a:xfrm>
+            <a:prstGeom prst="rect">
+              <a:avLst/>
+            </a:prstGeom>
+            <a:noFill/>
+          </p:spPr>
+          <p:txBody>
+            <a:bodyPr wrap="none" rtlCol="0">
+              <a:spAutoFit/>
+            </a:bodyPr>
+            <a:lstStyle/>
+            <a:p>
+              <a:r>
+                <a:rPr lang="ko-KR" altLang="en-US" sz="1200" b="1">
+                  <a:solidFill>
+                    <a:schemeClr val="tx1">
+                      <a:lumMod val="95000"/>
+                      <a:lumOff val="5000"/>
+                    </a:schemeClr>
+                  </a:solidFill>
+                  <a:latin typeface="나눔바른고딕" panose="020B0603020101020101" pitchFamily="50" charset="-127"/>
+                  <a:ea typeface="나눔바른고딕" panose="020B0603020101020101" pitchFamily="50" charset="-127"/>
+                </a:rPr>
+                <a:t>⑤</a:t>
+              </a:r>
+            </a:p>
+          </p:txBody>
+        </p:sp>
+        <p:sp>
+          <p:nvSpPr>
+            <p:cNvPr id="15" name="사각형: 둥근 모서리 14">
+              <a:extLst>
+                <a:ext uri="{FF2B5EF4-FFF2-40B4-BE49-F238E27FC236}">
+                  <a16:creationId xmlns:a16="http://schemas.microsoft.com/office/drawing/2014/main" id="{B72952C8-3224-49DF-AB71-ED744B22B7AD}"/>
+                </a:ext>
+              </a:extLst>
+            </p:cNvPr>
+            <p:cNvSpPr/>
+            <p:nvPr/>
+          </p:nvSpPr>
+          <p:spPr>
+            <a:xfrm>
+              <a:off x="5535426" y="2428755"/>
+              <a:ext cx="836497" cy="266967"/>
+            </a:xfrm>
+            <a:prstGeom prst="roundRect">
+              <a:avLst/>
+            </a:prstGeom>
+            <a:solidFill>
+              <a:schemeClr val="tx2">
+                <a:lumMod val="60000"/>
+                <a:lumOff val="40000"/>
+                <a:alpha val="40000"/>
+              </a:schemeClr>
+            </a:solidFill>
+            <a:ln>
+              <a:noFill/>
+            </a:ln>
+          </p:spPr>
+          <p:style>
+            <a:lnRef idx="2">
+              <a:schemeClr val="accent1">
+                <a:shade val="50000"/>
+              </a:schemeClr>
+            </a:lnRef>
+            <a:fillRef idx="1">
+              <a:schemeClr val="accent1"/>
+            </a:fillRef>
+            <a:effectRef idx="0">
+              <a:schemeClr val="accent1"/>
+            </a:effectRef>
+            <a:fontRef idx="minor">
+              <a:schemeClr val="lt1"/>
+            </a:fontRef>
+          </p:style>
+          <p:txBody>
+            <a:bodyPr rtlCol="0" anchor="ctr"/>
+            <a:lstStyle/>
+            <a:p>
+              <a:pPr algn="ctr"/>
+              <a:endParaRPr lang="ko-KR" altLang="en-US"/>
+            </a:p>
+          </p:txBody>
+        </p:sp>
+        <p:sp>
+          <p:nvSpPr>
+            <p:cNvPr id="16" name="사각형: 둥근 모서리 15">
+              <a:extLst>
+                <a:ext uri="{FF2B5EF4-FFF2-40B4-BE49-F238E27FC236}">
+                  <a16:creationId xmlns:a16="http://schemas.microsoft.com/office/drawing/2014/main" id="{024F2053-6FED-4E77-BE2B-FBAC77FC6BD7}"/>
+                </a:ext>
+              </a:extLst>
+            </p:cNvPr>
+            <p:cNvSpPr/>
+            <p:nvPr/>
+          </p:nvSpPr>
+          <p:spPr>
+            <a:xfrm>
+              <a:off x="4163665" y="2428755"/>
+              <a:ext cx="1354983" cy="266967"/>
+            </a:xfrm>
+            <a:prstGeom prst="roundRect">
+              <a:avLst/>
+            </a:prstGeom>
+            <a:solidFill>
+              <a:schemeClr val="accent2">
+                <a:lumMod val="60000"/>
+                <a:lumOff val="40000"/>
+                <a:alpha val="40000"/>
+              </a:schemeClr>
+            </a:solidFill>
+            <a:ln>
+              <a:noFill/>
+            </a:ln>
+          </p:spPr>
+          <p:style>
+            <a:lnRef idx="2">
+              <a:schemeClr val="accent1">
+                <a:shade val="50000"/>
+              </a:schemeClr>
+            </a:lnRef>
+            <a:fillRef idx="1">
+              <a:schemeClr val="accent1"/>
+            </a:fillRef>
+            <a:effectRef idx="0">
+              <a:schemeClr val="accent1"/>
+            </a:effectRef>
+            <a:fontRef idx="minor">
+              <a:schemeClr val="lt1"/>
+            </a:fontRef>
+          </p:style>
+          <p:txBody>
+            <a:bodyPr rtlCol="0" anchor="ctr"/>
+            <a:lstStyle/>
+            <a:p>
+              <a:pPr algn="ctr"/>
+              <a:endParaRPr lang="ko-KR" altLang="en-US"/>
+            </a:p>
+          </p:txBody>
+        </p:sp>
+        <p:sp>
+          <p:nvSpPr>
+            <p:cNvPr id="18" name="사각형: 둥근 모서리 17">
+              <a:extLst>
+                <a:ext uri="{FF2B5EF4-FFF2-40B4-BE49-F238E27FC236}">
+                  <a16:creationId xmlns:a16="http://schemas.microsoft.com/office/drawing/2014/main" id="{D9AFB427-91F9-443C-AB5C-580F30A7648E}"/>
+                </a:ext>
+              </a:extLst>
+            </p:cNvPr>
+            <p:cNvSpPr/>
+            <p:nvPr/>
+          </p:nvSpPr>
+          <p:spPr>
+            <a:xfrm>
+              <a:off x="5009048" y="2709683"/>
+              <a:ext cx="639624" cy="266967"/>
+            </a:xfrm>
+            <a:prstGeom prst="roundRect">
+              <a:avLst/>
+            </a:prstGeom>
+            <a:solidFill>
+              <a:schemeClr val="accent3">
+                <a:lumMod val="60000"/>
+                <a:lumOff val="40000"/>
+                <a:alpha val="40000"/>
+              </a:schemeClr>
+            </a:solidFill>
+            <a:ln>
+              <a:noFill/>
+            </a:ln>
+          </p:spPr>
+          <p:style>
+            <a:lnRef idx="2">
+              <a:schemeClr val="accent1">
+                <a:shade val="50000"/>
+              </a:schemeClr>
+            </a:lnRef>
+            <a:fillRef idx="1">
+              <a:schemeClr val="accent1"/>
+            </a:fillRef>
+            <a:effectRef idx="0">
+              <a:schemeClr val="accent1"/>
+            </a:effectRef>
+            <a:fontRef idx="minor">
+              <a:schemeClr val="lt1"/>
+            </a:fontRef>
+          </p:style>
+          <p:txBody>
+            <a:bodyPr rtlCol="0" anchor="ctr"/>
+            <a:lstStyle/>
+            <a:p>
+              <a:pPr algn="ctr"/>
+              <a:endParaRPr lang="ko-KR" altLang="en-US"/>
+            </a:p>
+          </p:txBody>
+        </p:sp>
+        <p:sp>
+          <p:nvSpPr>
+            <p:cNvPr id="19" name="사각형: 둥근 모서리 18">
+              <a:extLst>
+                <a:ext uri="{FF2B5EF4-FFF2-40B4-BE49-F238E27FC236}">
+                  <a16:creationId xmlns:a16="http://schemas.microsoft.com/office/drawing/2014/main" id="{60C894FB-0978-4030-97F6-1224F1119BB9}"/>
+                </a:ext>
+              </a:extLst>
+            </p:cNvPr>
+            <p:cNvSpPr/>
+            <p:nvPr/>
+          </p:nvSpPr>
+          <p:spPr>
+            <a:xfrm>
+              <a:off x="4141209" y="2709683"/>
+              <a:ext cx="851696" cy="266967"/>
+            </a:xfrm>
+            <a:prstGeom prst="roundRect">
+              <a:avLst/>
+            </a:prstGeom>
+            <a:solidFill>
+              <a:schemeClr val="accent4">
+                <a:lumMod val="60000"/>
+                <a:lumOff val="40000"/>
+                <a:alpha val="40000"/>
+              </a:schemeClr>
+            </a:solidFill>
+            <a:ln>
+              <a:noFill/>
+            </a:ln>
+          </p:spPr>
+          <p:style>
+            <a:lnRef idx="2">
+              <a:schemeClr val="accent1">
+                <a:shade val="50000"/>
+              </a:schemeClr>
+            </a:lnRef>
+            <a:fillRef idx="1">
+              <a:schemeClr val="accent1"/>
+            </a:fillRef>
+            <a:effectRef idx="0">
+              <a:schemeClr val="accent1"/>
+            </a:effectRef>
+            <a:fontRef idx="minor">
+              <a:schemeClr val="lt1"/>
+            </a:fontRef>
+          </p:style>
+          <p:txBody>
+            <a:bodyPr rtlCol="0" anchor="ctr"/>
+            <a:lstStyle/>
+            <a:p>
+              <a:pPr algn="ctr"/>
+              <a:endParaRPr lang="ko-KR" altLang="en-US"/>
+            </a:p>
+          </p:txBody>
+        </p:sp>
+        <p:sp>
+          <p:nvSpPr>
+            <p:cNvPr id="20" name="사각형: 둥근 모서리 19">
+              <a:extLst>
+                <a:ext uri="{FF2B5EF4-FFF2-40B4-BE49-F238E27FC236}">
+                  <a16:creationId xmlns:a16="http://schemas.microsoft.com/office/drawing/2014/main" id="{6A862D70-DDEF-43A2-A703-225E1679FF1A}"/>
+                </a:ext>
+              </a:extLst>
+            </p:cNvPr>
+            <p:cNvSpPr/>
+            <p:nvPr/>
+          </p:nvSpPr>
+          <p:spPr>
+            <a:xfrm>
+              <a:off x="3119461" y="2428755"/>
+              <a:ext cx="639624" cy="266967"/>
+            </a:xfrm>
+            <a:prstGeom prst="roundRect">
+              <a:avLst/>
+            </a:prstGeom>
+            <a:solidFill>
+              <a:schemeClr val="accent3">
+                <a:lumMod val="60000"/>
+                <a:lumOff val="40000"/>
+                <a:alpha val="40000"/>
+              </a:schemeClr>
+            </a:solidFill>
+            <a:ln>
+              <a:noFill/>
+            </a:ln>
+          </p:spPr>
+          <p:style>
+            <a:lnRef idx="2">
+              <a:schemeClr val="accent1">
+                <a:shade val="50000"/>
+              </a:schemeClr>
+            </a:lnRef>
+            <a:fillRef idx="1">
+              <a:schemeClr val="accent1"/>
+            </a:fillRef>
+            <a:effectRef idx="0">
+              <a:schemeClr val="accent1"/>
+            </a:effectRef>
+            <a:fontRef idx="minor">
+              <a:schemeClr val="lt1"/>
+            </a:fontRef>
+          </p:style>
+          <p:txBody>
+            <a:bodyPr rtlCol="0" anchor="ctr"/>
+            <a:lstStyle/>
+            <a:p>
+              <a:pPr algn="ctr"/>
+              <a:endParaRPr lang="ko-KR" altLang="en-US"/>
+            </a:p>
+          </p:txBody>
+        </p:sp>
+        <p:sp>
+          <p:nvSpPr>
+            <p:cNvPr id="21" name="사각형: 둥근 모서리 20">
+              <a:extLst>
+                <a:ext uri="{FF2B5EF4-FFF2-40B4-BE49-F238E27FC236}">
+                  <a16:creationId xmlns:a16="http://schemas.microsoft.com/office/drawing/2014/main" id="{CE4DA842-DCE8-4758-8784-1825427A941A}"/>
+                </a:ext>
+              </a:extLst>
+            </p:cNvPr>
+            <p:cNvSpPr/>
+            <p:nvPr/>
+          </p:nvSpPr>
+          <p:spPr>
+            <a:xfrm>
+              <a:off x="3119461" y="2706409"/>
+              <a:ext cx="639624" cy="266967"/>
+            </a:xfrm>
+            <a:prstGeom prst="roundRect">
+              <a:avLst/>
+            </a:prstGeom>
+            <a:solidFill>
+              <a:schemeClr val="tx1">
+                <a:lumMod val="95000"/>
+                <a:lumOff val="5000"/>
+                <a:alpha val="40000"/>
+              </a:schemeClr>
+            </a:solidFill>
+            <a:ln>
+              <a:noFill/>
+            </a:ln>
+          </p:spPr>
+          <p:style>
+            <a:lnRef idx="2">
+              <a:schemeClr val="accent1">
+                <a:shade val="50000"/>
+              </a:schemeClr>
+            </a:lnRef>
+            <a:fillRef idx="1">
+              <a:schemeClr val="accent1"/>
+            </a:fillRef>
+            <a:effectRef idx="0">
+              <a:schemeClr val="accent1"/>
+            </a:effectRef>
+            <a:fontRef idx="minor">
+              <a:schemeClr val="lt1"/>
+            </a:fontRef>
+          </p:style>
+          <p:txBody>
+            <a:bodyPr rtlCol="0" anchor="ctr"/>
+            <a:lstStyle/>
+            <a:p>
+              <a:pPr algn="ctr"/>
+              <a:endParaRPr lang="ko-KR" altLang="en-US"/>
+            </a:p>
+          </p:txBody>
+        </p:sp>
+        <p:sp>
+          <p:nvSpPr>
+            <p:cNvPr id="22" name="TextBox 21">
+              <a:extLst>
+                <a:ext uri="{FF2B5EF4-FFF2-40B4-BE49-F238E27FC236}">
+                  <a16:creationId xmlns:a16="http://schemas.microsoft.com/office/drawing/2014/main" id="{2DE246B2-28A7-4188-97CC-1F40A90E9640}"/>
+                </a:ext>
+              </a:extLst>
+            </p:cNvPr>
+            <p:cNvSpPr txBox="1"/>
+            <p:nvPr/>
+          </p:nvSpPr>
+          <p:spPr>
+            <a:xfrm>
+              <a:off x="2352862" y="4829912"/>
+              <a:ext cx="322524" cy="276999"/>
+            </a:xfrm>
+            <a:prstGeom prst="rect">
+              <a:avLst/>
+            </a:prstGeom>
+            <a:noFill/>
+          </p:spPr>
+          <p:txBody>
+            <a:bodyPr wrap="none" rtlCol="0">
+              <a:spAutoFit/>
+            </a:bodyPr>
+            <a:lstStyle/>
+            <a:p>
+              <a:r>
+                <a:rPr lang="ko-KR" altLang="en-US" sz="1200" b="1">
+                  <a:solidFill>
+                    <a:srgbClr val="0000FF"/>
+                  </a:solidFill>
+                  <a:latin typeface="나눔바른고딕" panose="020B0603020101020101" pitchFamily="50" charset="-127"/>
+                  <a:ea typeface="나눔바른고딕" panose="020B0603020101020101" pitchFamily="50" charset="-127"/>
+                </a:rPr>
+                <a:t>①</a:t>
+              </a:r>
+            </a:p>
+          </p:txBody>
+        </p:sp>
+        <p:sp>
+          <p:nvSpPr>
+            <p:cNvPr id="23" name="TextBox 22">
+              <a:extLst>
+                <a:ext uri="{FF2B5EF4-FFF2-40B4-BE49-F238E27FC236}">
+                  <a16:creationId xmlns:a16="http://schemas.microsoft.com/office/drawing/2014/main" id="{57BAB703-FB3E-4A39-9749-4FA37579122D}"/>
+                </a:ext>
+              </a:extLst>
+            </p:cNvPr>
+            <p:cNvSpPr txBox="1"/>
+            <p:nvPr/>
+          </p:nvSpPr>
+          <p:spPr>
+            <a:xfrm>
+              <a:off x="2629558" y="5521446"/>
+              <a:ext cx="322524" cy="276999"/>
+            </a:xfrm>
+            <a:prstGeom prst="rect">
+              <a:avLst/>
+            </a:prstGeom>
+            <a:noFill/>
+          </p:spPr>
+          <p:txBody>
+            <a:bodyPr wrap="none" rtlCol="0">
+              <a:spAutoFit/>
+            </a:bodyPr>
+            <a:lstStyle/>
+            <a:p>
+              <a:r>
+                <a:rPr lang="ko-KR" altLang="en-US" sz="1200" b="1">
+                  <a:solidFill>
+                    <a:srgbClr val="FF0000"/>
+                  </a:solidFill>
+                  <a:latin typeface="나눔바른고딕" panose="020B0603020101020101" pitchFamily="50" charset="-127"/>
+                  <a:ea typeface="나눔바른고딕" panose="020B0603020101020101" pitchFamily="50" charset="-127"/>
+                </a:rPr>
+                <a:t>②</a:t>
+              </a:r>
+            </a:p>
+          </p:txBody>
+        </p:sp>
+        <p:sp>
+          <p:nvSpPr>
+            <p:cNvPr id="25" name="TextBox 24">
+              <a:extLst>
+                <a:ext uri="{FF2B5EF4-FFF2-40B4-BE49-F238E27FC236}">
+                  <a16:creationId xmlns:a16="http://schemas.microsoft.com/office/drawing/2014/main" id="{03749F86-D8B4-484A-B0FC-D702D0EDB4B4}"/>
+                </a:ext>
+              </a:extLst>
+            </p:cNvPr>
+            <p:cNvSpPr txBox="1"/>
+            <p:nvPr/>
+          </p:nvSpPr>
+          <p:spPr>
+            <a:xfrm>
+              <a:off x="3278011" y="5738772"/>
+              <a:ext cx="322524" cy="276999"/>
+            </a:xfrm>
+            <a:prstGeom prst="rect">
+              <a:avLst/>
+            </a:prstGeom>
+            <a:noFill/>
+          </p:spPr>
+          <p:txBody>
+            <a:bodyPr wrap="none" rtlCol="0">
+              <a:spAutoFit/>
+            </a:bodyPr>
+            <a:lstStyle/>
+            <a:p>
+              <a:r>
+                <a:rPr lang="ko-KR" altLang="en-US" sz="1200" b="1">
+                  <a:solidFill>
+                    <a:srgbClr val="00B050"/>
+                  </a:solidFill>
+                  <a:latin typeface="나눔바른고딕" panose="020B0603020101020101" pitchFamily="50" charset="-127"/>
+                  <a:ea typeface="나눔바른고딕" panose="020B0603020101020101" pitchFamily="50" charset="-127"/>
+                </a:rPr>
+                <a:t>③</a:t>
+              </a:r>
+            </a:p>
+          </p:txBody>
+        </p:sp>
+        <p:sp>
+          <p:nvSpPr>
+            <p:cNvPr id="26" name="TextBox 25">
+              <a:extLst>
+                <a:ext uri="{FF2B5EF4-FFF2-40B4-BE49-F238E27FC236}">
+                  <a16:creationId xmlns:a16="http://schemas.microsoft.com/office/drawing/2014/main" id="{88967783-355E-403B-A528-E1B31633BB2A}"/>
+                </a:ext>
+              </a:extLst>
+            </p:cNvPr>
+            <p:cNvSpPr txBox="1"/>
+            <p:nvPr/>
+          </p:nvSpPr>
+          <p:spPr>
+            <a:xfrm>
+              <a:off x="5167598" y="2948774"/>
+              <a:ext cx="322524" cy="276999"/>
+            </a:xfrm>
+            <a:prstGeom prst="rect">
+              <a:avLst/>
+            </a:prstGeom>
+            <a:noFill/>
+          </p:spPr>
+          <p:txBody>
+            <a:bodyPr wrap="none" rtlCol="0">
+              <a:spAutoFit/>
+            </a:bodyPr>
+            <a:lstStyle/>
+            <a:p>
+              <a:r>
+                <a:rPr lang="ko-KR" altLang="en-US" sz="1200" b="1">
+                  <a:solidFill>
+                    <a:srgbClr val="00B050"/>
+                  </a:solidFill>
+                  <a:latin typeface="나눔바른고딕" panose="020B0603020101020101" pitchFamily="50" charset="-127"/>
+                  <a:ea typeface="나눔바른고딕" panose="020B0603020101020101" pitchFamily="50" charset="-127"/>
+                </a:rPr>
+                <a:t>③</a:t>
+              </a:r>
+            </a:p>
+          </p:txBody>
+        </p:sp>
+        <p:sp>
+          <p:nvSpPr>
+            <p:cNvPr id="27" name="TextBox 26">
+              <a:extLst>
+                <a:ext uri="{FF2B5EF4-FFF2-40B4-BE49-F238E27FC236}">
+                  <a16:creationId xmlns:a16="http://schemas.microsoft.com/office/drawing/2014/main" id="{368A2BD7-B60B-47B3-A015-656641444922}"/>
+                </a:ext>
+              </a:extLst>
+            </p:cNvPr>
+            <p:cNvSpPr txBox="1"/>
+            <p:nvPr/>
+          </p:nvSpPr>
+          <p:spPr>
+            <a:xfrm>
+              <a:off x="6862723" y="4443412"/>
+              <a:ext cx="322524" cy="276999"/>
+            </a:xfrm>
+            <a:prstGeom prst="rect">
+              <a:avLst/>
+            </a:prstGeom>
+            <a:noFill/>
+          </p:spPr>
+          <p:txBody>
+            <a:bodyPr wrap="none" rtlCol="0">
+              <a:spAutoFit/>
+            </a:bodyPr>
+            <a:lstStyle/>
+            <a:p>
+              <a:r>
+                <a:rPr lang="ko-KR" altLang="en-US" sz="1200" b="1">
+                  <a:solidFill>
+                    <a:srgbClr val="00B050"/>
+                  </a:solidFill>
+                  <a:latin typeface="나눔바른고딕" panose="020B0603020101020101" pitchFamily="50" charset="-127"/>
+                  <a:ea typeface="나눔바른고딕" panose="020B0603020101020101" pitchFamily="50" charset="-127"/>
+                </a:rPr>
+                <a:t>③</a:t>
+              </a:r>
+            </a:p>
+          </p:txBody>
+        </p:sp>
+        <p:sp>
+          <p:nvSpPr>
+            <p:cNvPr id="28" name="TextBox 27">
+              <a:extLst>
+                <a:ext uri="{FF2B5EF4-FFF2-40B4-BE49-F238E27FC236}">
+                  <a16:creationId xmlns:a16="http://schemas.microsoft.com/office/drawing/2014/main" id="{F3362EDB-BD6F-4650-8839-A8C6117F3737}"/>
+                </a:ext>
+              </a:extLst>
+            </p:cNvPr>
+            <p:cNvSpPr txBox="1"/>
+            <p:nvPr/>
+          </p:nvSpPr>
+          <p:spPr>
+            <a:xfrm>
+              <a:off x="6540199" y="5309711"/>
+              <a:ext cx="322524" cy="276999"/>
+            </a:xfrm>
+            <a:prstGeom prst="rect">
+              <a:avLst/>
+            </a:prstGeom>
+            <a:noFill/>
+          </p:spPr>
+          <p:txBody>
+            <a:bodyPr wrap="none" rtlCol="0">
+              <a:spAutoFit/>
+            </a:bodyPr>
+            <a:lstStyle/>
+            <a:p>
+              <a:r>
+                <a:rPr lang="ko-KR" altLang="en-US" sz="1200" b="1">
+                  <a:solidFill>
+                    <a:schemeClr val="accent4">
+                      <a:lumMod val="75000"/>
+                    </a:schemeClr>
+                  </a:solidFill>
+                  <a:latin typeface="나눔바른고딕" panose="020B0603020101020101" pitchFamily="50" charset="-127"/>
+                  <a:ea typeface="나눔바른고딕" panose="020B0603020101020101" pitchFamily="50" charset="-127"/>
+                </a:rPr>
+                <a:t>④</a:t>
+              </a:r>
+            </a:p>
+          </p:txBody>
+        </p:sp>
+        <p:sp>
+          <p:nvSpPr>
+            <p:cNvPr id="29" name="TextBox 28">
+              <a:extLst>
+                <a:ext uri="{FF2B5EF4-FFF2-40B4-BE49-F238E27FC236}">
+                  <a16:creationId xmlns:a16="http://schemas.microsoft.com/office/drawing/2014/main" id="{1D8B521E-2342-4769-93CC-3FAF33880A3A}"/>
+                </a:ext>
+              </a:extLst>
+            </p:cNvPr>
+            <p:cNvSpPr txBox="1"/>
+            <p:nvPr/>
+          </p:nvSpPr>
+          <p:spPr>
+            <a:xfrm>
+              <a:off x="6540199" y="5719897"/>
+              <a:ext cx="322524" cy="276999"/>
+            </a:xfrm>
+            <a:prstGeom prst="rect">
+              <a:avLst/>
+            </a:prstGeom>
+            <a:noFill/>
+          </p:spPr>
+          <p:txBody>
+            <a:bodyPr wrap="none" rtlCol="0">
+              <a:spAutoFit/>
+            </a:bodyPr>
+            <a:lstStyle/>
+            <a:p>
+              <a:r>
+                <a:rPr lang="ko-KR" altLang="en-US" sz="1200" b="1">
+                  <a:solidFill>
+                    <a:schemeClr val="tx1">
+                      <a:lumMod val="95000"/>
+                      <a:lumOff val="5000"/>
+                    </a:schemeClr>
+                  </a:solidFill>
+                  <a:latin typeface="나눔바른고딕" panose="020B0603020101020101" pitchFamily="50" charset="-127"/>
+                  <a:ea typeface="나눔바른고딕" panose="020B0603020101020101" pitchFamily="50" charset="-127"/>
+                </a:rPr>
+                <a:t>⑤</a:t>
+              </a:r>
+            </a:p>
+          </p:txBody>
+        </p:sp>
+      </p:grpSp>
+    </p:spTree>
+    <p:extLst>
+      <p:ext uri="{BB962C8B-B14F-4D97-AF65-F5344CB8AC3E}">
+        <p14:creationId xmlns:p14="http://schemas.microsoft.com/office/powerpoint/2010/main" val="3756131336"/>
+      </p:ext>
+    </p:extLst>
+  </p:cSld>
+  <p:clrMapOvr>
+    <a:masterClrMapping/>
+  </p:clrMapOvr>
+</p:sld>
+</file>
+
+<file path=ppt/slides/slide8.xml><?xml version="1.0" encoding="utf-8"?>
+<p:sld xmlns:a="http://schemas.openxmlformats.org/drawingml/2006/main" xmlns:r="http://schemas.openxmlformats.org/officeDocument/2006/relationships" xmlns:p="http://schemas.openxmlformats.org/presentationml/2006/main">
+  <p:cSld>
+    <p:spTree>
+      <p:nvGrpSpPr>
+        <p:cNvPr id="1" name=""/>
+        <p:cNvGrpSpPr/>
+        <p:nvPr/>
+      </p:nvGrpSpPr>
+      <p:grpSpPr>
+        <a:xfrm>
+          <a:off x="0" y="0"/>
+          <a:ext cx="0" cy="0"/>
+          <a:chOff x="0" y="0"/>
+          <a:chExt cx="0" cy="0"/>
+        </a:xfrm>
+      </p:grpSpPr>
+      <p:sp>
+        <p:nvSpPr>
+          <p:cNvPr id="2" name="제목 1">
+            <a:extLst>
+              <a:ext uri="{FF2B5EF4-FFF2-40B4-BE49-F238E27FC236}">
+                <a16:creationId xmlns:a16="http://schemas.microsoft.com/office/drawing/2014/main" id="{31C44DE8-9FC6-4174-A996-91D6E5F5BC68}"/>
+              </a:ext>
+            </a:extLst>
+          </p:cNvPr>
+          <p:cNvSpPr>
+            <a:spLocks noGrp="1"/>
+          </p:cNvSpPr>
+          <p:nvPr>
+            <p:ph type="ctrTitle"/>
+          </p:nvPr>
+        </p:nvSpPr>
+        <p:spPr/>
+        <p:txBody>
+          <a:bodyPr/>
+          <a:lstStyle/>
+          <a:p>
+            <a:endParaRPr lang="ko-KR" altLang="en-US"/>
+          </a:p>
+        </p:txBody>
+      </p:sp>
+      <p:sp>
+        <p:nvSpPr>
+          <p:cNvPr id="3" name="부제목 2">
+            <a:extLst>
+              <a:ext uri="{FF2B5EF4-FFF2-40B4-BE49-F238E27FC236}">
+                <a16:creationId xmlns:a16="http://schemas.microsoft.com/office/drawing/2014/main" id="{13142C63-DD21-4F49-A061-75B107823D10}"/>
+              </a:ext>
+            </a:extLst>
+          </p:cNvPr>
+          <p:cNvSpPr>
+            <a:spLocks noGrp="1"/>
+          </p:cNvSpPr>
+          <p:nvPr>
+            <p:ph type="subTitle" idx="1"/>
+          </p:nvPr>
+        </p:nvSpPr>
+        <p:spPr/>
+        <p:txBody>
+          <a:bodyPr/>
+          <a:lstStyle/>
+          <a:p>
+            <a:endParaRPr lang="ko-KR" altLang="en-US"/>
+          </a:p>
+        </p:txBody>
+      </p:sp>
+      <p:sp>
+        <p:nvSpPr>
+          <p:cNvPr id="4" name="슬라이드 번호 개체 틀 3">
+            <a:extLst>
+              <a:ext uri="{FF2B5EF4-FFF2-40B4-BE49-F238E27FC236}">
+                <a16:creationId xmlns:a16="http://schemas.microsoft.com/office/drawing/2014/main" id="{A00070AC-B269-4ED5-A939-2D64E62215DE}"/>
+              </a:ext>
+            </a:extLst>
+          </p:cNvPr>
+          <p:cNvSpPr>
+            <a:spLocks noGrp="1"/>
+          </p:cNvSpPr>
+          <p:nvPr>
+            <p:ph type="sldNum" sz="quarter" idx="10"/>
+          </p:nvPr>
+        </p:nvSpPr>
+        <p:spPr/>
+        <p:txBody>
+          <a:bodyPr/>
+          <a:lstStyle/>
+          <a:p>
+            <a:pPr>
+              <a:defRPr/>
+            </a:pPr>
+            <a:fld id="{13527AB9-6298-44FA-9E1C-7B66247BD5AA}" type="slidenum">
+              <a:rPr lang="ko-KR" altLang="en-US" smtClean="0">
+                <a:solidFill>
+                  <a:prstClr val="black"/>
+                </a:solidFill>
+              </a:rPr>
+              <a:pPr>
+                <a:defRPr/>
+              </a:pPr>
+              <a:t>8</a:t>
+            </a:fld>
+            <a:endParaRPr lang="ko-KR" altLang="en-US" dirty="0">
+              <a:solidFill>
+                <a:prstClr val="black"/>
+              </a:solidFill>
+            </a:endParaRPr>
+          </a:p>
+        </p:txBody>
+      </p:sp>
+      <mc:AlternateContent xmlns:mc="http://schemas.openxmlformats.org/markup-compatibility/2006">
+        <mc:Choice xmlns:a14="http://schemas.microsoft.com/office/drawing/2010/main" Requires="a14">
+          <p:sp>
+            <p:nvSpPr>
+              <p:cNvPr id="6" name="TextBox 5">
+                <a:extLst>
+                  <a:ext uri="{FF2B5EF4-FFF2-40B4-BE49-F238E27FC236}">
+                    <a16:creationId xmlns:a16="http://schemas.microsoft.com/office/drawing/2014/main" id="{1EAC6194-FC94-45C6-AC0F-44B1E1ACDCED}"/>
+                  </a:ext>
+                </a:extLst>
+              </p:cNvPr>
+              <p:cNvSpPr txBox="1"/>
+              <p:nvPr/>
+            </p:nvSpPr>
+            <p:spPr>
+              <a:xfrm>
+                <a:off x="1284207" y="2272167"/>
+                <a:ext cx="7337586" cy="1747466"/>
+              </a:xfrm>
+              <a:prstGeom prst="rect">
+                <a:avLst/>
+              </a:prstGeom>
+              <a:noFill/>
+            </p:spPr>
+            <p:txBody>
+              <a:bodyPr wrap="none" rtlCol="0">
+                <a:spAutoFit/>
+              </a:bodyPr>
+              <a:lstStyle/>
+              <a:p>
+                <a:pPr>
+                  <a:lnSpc>
+                    <a:spcPct val="120000"/>
+                  </a:lnSpc>
+                </a:pPr>
+                <a:r>
+                  <a:rPr lang="ko-KR" altLang="en-US" b="1">
+                    <a:solidFill>
+                      <a:srgbClr val="0000FF"/>
+                    </a:solidFill>
+                    <a:latin typeface="나눔바른고딕" panose="020B0603020101020101" pitchFamily="50" charset="-127"/>
+                    <a:ea typeface="나눔바른고딕" panose="020B0603020101020101" pitchFamily="50" charset="-127"/>
+                  </a:rPr>
+                  <a:t>① </a:t>
+                </a:r>
+                <a14:m>
+                  <m:oMath xmlns:m="http://schemas.openxmlformats.org/officeDocument/2006/math">
+                    <m:r>
+                      <a:rPr lang="en-US" altLang="ko-KR" b="1" i="1" smtClean="0">
+                        <a:solidFill>
+                          <a:srgbClr val="0000FF"/>
+                        </a:solidFill>
+                        <a:latin typeface="Cambria Math" panose="02040503050406030204" pitchFamily="18" charset="0"/>
+                        <a:ea typeface="나눔바른고딕" panose="020B0603020101020101" pitchFamily="50" charset="-127"/>
+                      </a:rPr>
+                      <m:t>𝒃𝒆𝒍</m:t>
+                    </m:r>
+                    <m:r>
+                      <a:rPr lang="en-US" altLang="ko-KR" b="1" i="1" smtClean="0">
+                        <a:solidFill>
+                          <a:srgbClr val="0000FF"/>
+                        </a:solidFill>
+                        <a:latin typeface="Cambria Math" panose="02040503050406030204" pitchFamily="18" charset="0"/>
+                        <a:ea typeface="나눔바른고딕" panose="020B0603020101020101" pitchFamily="50" charset="-127"/>
+                      </a:rPr>
+                      <m:t>(</m:t>
+                    </m:r>
+                    <m:sSub>
+                      <m:sSubPr>
+                        <m:ctrlPr>
+                          <a:rPr lang="en-US" altLang="ko-KR" b="1" i="1" smtClean="0">
+                            <a:solidFill>
+                              <a:srgbClr val="0000FF"/>
+                            </a:solidFill>
+                            <a:latin typeface="Cambria Math" panose="02040503050406030204" pitchFamily="18" charset="0"/>
+                            <a:ea typeface="나눔바른고딕" panose="020B0603020101020101" pitchFamily="50" charset="-127"/>
+                          </a:rPr>
+                        </m:ctrlPr>
+                      </m:sSubPr>
+                      <m:e>
+                        <m:r>
+                          <a:rPr lang="en-US" altLang="ko-KR" b="1" i="1" smtClean="0">
+                            <a:solidFill>
+                              <a:srgbClr val="0000FF"/>
+                            </a:solidFill>
+                            <a:latin typeface="Cambria Math" panose="02040503050406030204" pitchFamily="18" charset="0"/>
+                            <a:ea typeface="나눔바른고딕" panose="020B0603020101020101" pitchFamily="50" charset="-127"/>
+                          </a:rPr>
+                          <m:t>𝒙</m:t>
+                        </m:r>
+                      </m:e>
+                      <m:sub>
+                        <m:r>
+                          <a:rPr lang="en-US" altLang="ko-KR" b="1" i="1" smtClean="0">
+                            <a:solidFill>
+                              <a:srgbClr val="0000FF"/>
+                            </a:solidFill>
+                            <a:latin typeface="Cambria Math" panose="02040503050406030204" pitchFamily="18" charset="0"/>
+                            <a:ea typeface="나눔바른고딕" panose="020B0603020101020101" pitchFamily="50" charset="-127"/>
+                          </a:rPr>
+                          <m:t>𝒕</m:t>
+                        </m:r>
+                        <m:r>
+                          <a:rPr lang="en-US" altLang="ko-KR" b="1" i="1" smtClean="0">
+                            <a:solidFill>
+                              <a:srgbClr val="0000FF"/>
+                            </a:solidFill>
+                            <a:latin typeface="Cambria Math" panose="02040503050406030204" pitchFamily="18" charset="0"/>
+                            <a:ea typeface="나눔바른고딕" panose="020B0603020101020101" pitchFamily="50" charset="-127"/>
+                          </a:rPr>
+                          <m:t>−</m:t>
+                        </m:r>
+                        <m:r>
+                          <a:rPr lang="en-US" altLang="ko-KR" b="1" i="1" smtClean="0">
+                            <a:solidFill>
+                              <a:srgbClr val="0000FF"/>
+                            </a:solidFill>
+                            <a:latin typeface="Cambria Math" panose="02040503050406030204" pitchFamily="18" charset="0"/>
+                            <a:ea typeface="나눔바른고딕" panose="020B0603020101020101" pitchFamily="50" charset="-127"/>
+                          </a:rPr>
+                          <m:t>𝟏</m:t>
+                        </m:r>
+                      </m:sub>
+                    </m:sSub>
+                  </m:oMath>
+                </a14:m>
+                <a:r>
+                  <a:rPr lang="en-US" altLang="ko-KR" b="1">
+                    <a:solidFill>
+                      <a:srgbClr val="0000FF"/>
+                    </a:solidFill>
+                    <a:latin typeface="나눔바른고딕" panose="020B0603020101020101" pitchFamily="50" charset="-127"/>
+                    <a:ea typeface="나눔바른고딕" panose="020B0603020101020101" pitchFamily="50" charset="-127"/>
+                  </a:rPr>
+                  <a:t>) : </a:t>
+                </a:r>
+                <a:r>
+                  <a:rPr lang="ko-KR" altLang="en-US" b="1">
+                    <a:solidFill>
+                      <a:srgbClr val="0000FF"/>
+                    </a:solidFill>
+                    <a:latin typeface="나눔바른고딕" panose="020B0603020101020101" pitchFamily="50" charset="-127"/>
+                    <a:ea typeface="나눔바른고딕" panose="020B0603020101020101" pitchFamily="50" charset="-127"/>
+                  </a:rPr>
+                  <a:t>이전 상태</a:t>
+                </a:r>
+                <a:endParaRPr lang="en-US" altLang="ko-KR" b="1">
+                  <a:solidFill>
+                    <a:srgbClr val="0000FF"/>
+                  </a:solidFill>
+                  <a:latin typeface="나눔바른고딕" panose="020B0603020101020101" pitchFamily="50" charset="-127"/>
+                  <a:ea typeface="나눔바른고딕" panose="020B0603020101020101" pitchFamily="50" charset="-127"/>
+                </a:endParaRPr>
+              </a:p>
+              <a:p>
+                <a:pPr>
+                  <a:lnSpc>
+                    <a:spcPct val="120000"/>
+                  </a:lnSpc>
+                </a:pPr>
+                <a:r>
+                  <a:rPr lang="ko-KR" altLang="en-US" b="1">
+                    <a:solidFill>
+                      <a:srgbClr val="FF0000"/>
+                    </a:solidFill>
+                    <a:latin typeface="나눔바른고딕" panose="020B0603020101020101" pitchFamily="50" charset="-127"/>
+                    <a:ea typeface="나눔바른고딕" panose="020B0603020101020101" pitchFamily="50" charset="-127"/>
+                  </a:rPr>
+                  <a:t>② </a:t>
+                </a:r>
+                <a14:m>
+                  <m:oMath xmlns:m="http://schemas.openxmlformats.org/officeDocument/2006/math">
+                    <m:r>
+                      <a:rPr lang="en-US" altLang="ko-KR" b="1" i="1" smtClean="0">
+                        <a:solidFill>
+                          <a:srgbClr val="FF0000"/>
+                        </a:solidFill>
+                        <a:latin typeface="Cambria Math" panose="02040503050406030204" pitchFamily="18" charset="0"/>
+                        <a:ea typeface="나눔바른고딕" panose="020B0603020101020101" pitchFamily="50" charset="-127"/>
+                      </a:rPr>
+                      <m:t>𝒑</m:t>
+                    </m:r>
+                    <m:d>
+                      <m:dPr>
+                        <m:endChr m:val="|"/>
+                        <m:ctrlPr>
+                          <a:rPr lang="en-US" altLang="ko-KR" b="1" i="1" smtClean="0">
+                            <a:solidFill>
+                              <a:srgbClr val="FF0000"/>
+                            </a:solidFill>
+                            <a:latin typeface="Cambria Math" panose="02040503050406030204" pitchFamily="18" charset="0"/>
+                            <a:ea typeface="나눔바른고딕" panose="020B0603020101020101" pitchFamily="50" charset="-127"/>
+                          </a:rPr>
+                        </m:ctrlPr>
+                      </m:dPr>
+                      <m:e>
+                        <m:sSub>
+                          <m:sSubPr>
+                            <m:ctrlPr>
+                              <a:rPr lang="en-US" altLang="ko-KR" b="1" i="1" smtClean="0">
+                                <a:solidFill>
+                                  <a:srgbClr val="FF0000"/>
+                                </a:solidFill>
+                                <a:latin typeface="Cambria Math" panose="02040503050406030204" pitchFamily="18" charset="0"/>
+                                <a:ea typeface="나눔바른고딕" panose="020B0603020101020101" pitchFamily="50" charset="-127"/>
+                              </a:rPr>
+                            </m:ctrlPr>
+                          </m:sSubPr>
+                          <m:e>
+                            <m:r>
+                              <a:rPr lang="en-US" altLang="ko-KR" b="1" i="1" smtClean="0">
+                                <a:solidFill>
+                                  <a:srgbClr val="FF0000"/>
+                                </a:solidFill>
+                                <a:latin typeface="Cambria Math" panose="02040503050406030204" pitchFamily="18" charset="0"/>
+                                <a:ea typeface="나눔바른고딕" panose="020B0603020101020101" pitchFamily="50" charset="-127"/>
+                              </a:rPr>
+                              <m:t>𝒙</m:t>
+                            </m:r>
+                          </m:e>
+                          <m:sub>
+                            <m:r>
+                              <a:rPr lang="en-US" altLang="ko-KR" b="1" i="1" smtClean="0">
+                                <a:solidFill>
+                                  <a:srgbClr val="FF0000"/>
+                                </a:solidFill>
+                                <a:latin typeface="Cambria Math" panose="02040503050406030204" pitchFamily="18" charset="0"/>
+                                <a:ea typeface="나눔바른고딕" panose="020B0603020101020101" pitchFamily="50" charset="-127"/>
+                              </a:rPr>
+                              <m:t>𝒕</m:t>
+                            </m:r>
+                          </m:sub>
+                        </m:sSub>
+                        <m:r>
+                          <a:rPr lang="en-US" altLang="ko-KR" b="1" i="1" smtClean="0">
+                            <a:solidFill>
+                              <a:srgbClr val="FF0000"/>
+                            </a:solidFill>
+                            <a:latin typeface="Cambria Math" panose="02040503050406030204" pitchFamily="18" charset="0"/>
+                            <a:ea typeface="나눔바른고딕" panose="020B0603020101020101" pitchFamily="50" charset="-127"/>
+                          </a:rPr>
+                          <m:t> </m:t>
+                        </m:r>
+                      </m:e>
+                    </m:d>
+                    <m:r>
+                      <a:rPr lang="en-US" altLang="ko-KR" b="1" i="1" smtClean="0">
+                        <a:solidFill>
+                          <a:srgbClr val="FF0000"/>
+                        </a:solidFill>
+                        <a:latin typeface="Cambria Math" panose="02040503050406030204" pitchFamily="18" charset="0"/>
+                        <a:ea typeface="나눔바른고딕" panose="020B0603020101020101" pitchFamily="50" charset="-127"/>
+                      </a:rPr>
+                      <m:t> </m:t>
+                    </m:r>
+                    <m:sSub>
+                      <m:sSubPr>
+                        <m:ctrlPr>
+                          <a:rPr lang="en-US" altLang="ko-KR" b="1" i="1" smtClean="0">
+                            <a:solidFill>
+                              <a:srgbClr val="FF0000"/>
+                            </a:solidFill>
+                            <a:latin typeface="Cambria Math" panose="02040503050406030204" pitchFamily="18" charset="0"/>
+                            <a:ea typeface="나눔바른고딕" panose="020B0603020101020101" pitchFamily="50" charset="-127"/>
+                          </a:rPr>
+                        </m:ctrlPr>
+                      </m:sSubPr>
+                      <m:e>
+                        <m:r>
+                          <a:rPr lang="en-US" altLang="ko-KR" b="1" i="1" smtClean="0">
+                            <a:solidFill>
+                              <a:srgbClr val="FF0000"/>
+                            </a:solidFill>
+                            <a:latin typeface="Cambria Math" panose="02040503050406030204" pitchFamily="18" charset="0"/>
+                            <a:ea typeface="나눔바른고딕" panose="020B0603020101020101" pitchFamily="50" charset="-127"/>
+                          </a:rPr>
+                          <m:t>𝒖</m:t>
+                        </m:r>
+                      </m:e>
+                      <m:sub>
+                        <m:r>
+                          <a:rPr lang="en-US" altLang="ko-KR" b="1" i="1" smtClean="0">
+                            <a:solidFill>
+                              <a:srgbClr val="FF0000"/>
+                            </a:solidFill>
+                            <a:latin typeface="Cambria Math" panose="02040503050406030204" pitchFamily="18" charset="0"/>
+                            <a:ea typeface="나눔바른고딕" panose="020B0603020101020101" pitchFamily="50" charset="-127"/>
+                          </a:rPr>
+                          <m:t>𝒕</m:t>
+                        </m:r>
+                      </m:sub>
+                    </m:sSub>
+                    <m:r>
+                      <a:rPr lang="en-US" altLang="ko-KR" b="1" i="1" smtClean="0">
+                        <a:solidFill>
+                          <a:srgbClr val="FF0000"/>
+                        </a:solidFill>
+                        <a:latin typeface="Cambria Math" panose="02040503050406030204" pitchFamily="18" charset="0"/>
+                        <a:ea typeface="나눔바른고딕" panose="020B0603020101020101" pitchFamily="50" charset="-127"/>
+                      </a:rPr>
+                      <m:t> , </m:t>
+                    </m:r>
+                    <m:sSub>
+                      <m:sSubPr>
+                        <m:ctrlPr>
+                          <a:rPr lang="en-US" altLang="ko-KR" b="1" i="1" smtClean="0">
+                            <a:solidFill>
+                              <a:srgbClr val="FF0000"/>
+                            </a:solidFill>
+                            <a:latin typeface="Cambria Math" panose="02040503050406030204" pitchFamily="18" charset="0"/>
+                            <a:ea typeface="나눔바른고딕" panose="020B0603020101020101" pitchFamily="50" charset="-127"/>
+                          </a:rPr>
+                        </m:ctrlPr>
+                      </m:sSubPr>
+                      <m:e>
+                        <m:r>
+                          <a:rPr lang="en-US" altLang="ko-KR" b="1" i="1" smtClean="0">
+                            <a:solidFill>
+                              <a:srgbClr val="FF0000"/>
+                            </a:solidFill>
+                            <a:latin typeface="Cambria Math" panose="02040503050406030204" pitchFamily="18" charset="0"/>
+                            <a:ea typeface="나눔바른고딕" panose="020B0603020101020101" pitchFamily="50" charset="-127"/>
+                          </a:rPr>
+                          <m:t>𝒙</m:t>
+                        </m:r>
+                      </m:e>
+                      <m:sub>
+                        <m:r>
+                          <a:rPr lang="en-US" altLang="ko-KR" b="1" i="1" smtClean="0">
+                            <a:solidFill>
+                              <a:srgbClr val="FF0000"/>
+                            </a:solidFill>
+                            <a:latin typeface="Cambria Math" panose="02040503050406030204" pitchFamily="18" charset="0"/>
+                            <a:ea typeface="나눔바른고딕" panose="020B0603020101020101" pitchFamily="50" charset="-127"/>
+                          </a:rPr>
+                          <m:t>𝒕</m:t>
+                        </m:r>
+                        <m:r>
+                          <a:rPr lang="en-US" altLang="ko-KR" b="1" i="1" smtClean="0">
+                            <a:solidFill>
+                              <a:srgbClr val="FF0000"/>
+                            </a:solidFill>
+                            <a:latin typeface="Cambria Math" panose="02040503050406030204" pitchFamily="18" charset="0"/>
+                            <a:ea typeface="나눔바른고딕" panose="020B0603020101020101" pitchFamily="50" charset="-127"/>
+                          </a:rPr>
+                          <m:t>−</m:t>
+                        </m:r>
+                        <m:r>
+                          <a:rPr lang="en-US" altLang="ko-KR" b="1" i="1" smtClean="0">
+                            <a:solidFill>
+                              <a:srgbClr val="FF0000"/>
+                            </a:solidFill>
+                            <a:latin typeface="Cambria Math" panose="02040503050406030204" pitchFamily="18" charset="0"/>
+                            <a:ea typeface="나눔바른고딕" panose="020B0603020101020101" pitchFamily="50" charset="-127"/>
+                          </a:rPr>
+                          <m:t>𝟏</m:t>
+                        </m:r>
+                      </m:sub>
+                    </m:sSub>
+                    <m:r>
+                      <a:rPr lang="en-US" altLang="ko-KR" b="1" i="1" smtClean="0">
+                        <a:solidFill>
+                          <a:srgbClr val="FF0000"/>
+                        </a:solidFill>
+                        <a:latin typeface="Cambria Math" panose="02040503050406030204" pitchFamily="18" charset="0"/>
+                        <a:ea typeface="나눔바른고딕" panose="020B0603020101020101" pitchFamily="50" charset="-127"/>
+                      </a:rPr>
+                      <m:t>)</m:t>
+                    </m:r>
+                  </m:oMath>
+                </a14:m>
+                <a:r>
+                  <a:rPr lang="ko-KR" altLang="en-US" b="1">
+                    <a:solidFill>
+                      <a:srgbClr val="FF0000"/>
+                    </a:solidFill>
+                    <a:latin typeface="나눔바른고딕" panose="020B0603020101020101" pitchFamily="50" charset="-127"/>
+                    <a:ea typeface="나눔바른고딕" panose="020B0603020101020101" pitchFamily="50" charset="-127"/>
+                  </a:rPr>
+                  <a:t> </a:t>
+                </a:r>
+                <a:r>
+                  <a:rPr lang="en-US" altLang="ko-KR" b="1">
+                    <a:solidFill>
+                      <a:srgbClr val="FF0000"/>
+                    </a:solidFill>
+                    <a:latin typeface="나눔바른고딕" panose="020B0603020101020101" pitchFamily="50" charset="-127"/>
+                    <a:ea typeface="나눔바른고딕" panose="020B0603020101020101" pitchFamily="50" charset="-127"/>
+                  </a:rPr>
+                  <a:t>: </a:t>
+                </a:r>
+                <a:r>
+                  <a:rPr lang="ko-KR" altLang="en-US" b="1">
+                    <a:solidFill>
+                      <a:srgbClr val="FF0000"/>
+                    </a:solidFill>
+                    <a:latin typeface="나눔바른고딕" panose="020B0603020101020101" pitchFamily="50" charset="-127"/>
+                    <a:ea typeface="나눔바른고딕" panose="020B0603020101020101" pitchFamily="50" charset="-127"/>
+                  </a:rPr>
+                  <a:t>이전 상태와 제어값이 주어졌을 때</a:t>
+                </a:r>
+                <a:r>
+                  <a:rPr lang="en-US" altLang="ko-KR" b="1">
+                    <a:solidFill>
+                      <a:srgbClr val="FF0000"/>
+                    </a:solidFill>
+                    <a:latin typeface="나눔바른고딕" panose="020B0603020101020101" pitchFamily="50" charset="-127"/>
+                    <a:ea typeface="나눔바른고딕" panose="020B0603020101020101" pitchFamily="50" charset="-127"/>
+                  </a:rPr>
+                  <a:t>, </a:t>
+                </a:r>
+                <a:r>
+                  <a:rPr lang="ko-KR" altLang="en-US" b="1">
+                    <a:solidFill>
+                      <a:srgbClr val="FF0000"/>
+                    </a:solidFill>
+                    <a:latin typeface="나눔바른고딕" panose="020B0603020101020101" pitchFamily="50" charset="-127"/>
+                    <a:ea typeface="나눔바른고딕" panose="020B0603020101020101" pitchFamily="50" charset="-127"/>
+                  </a:rPr>
+                  <a:t>현재 상태의 확률 분포</a:t>
+                </a:r>
+                <a:endParaRPr lang="en-US" altLang="ko-KR" b="1">
+                  <a:solidFill>
+                    <a:srgbClr val="FF0000"/>
+                  </a:solidFill>
+                  <a:latin typeface="나눔바른고딕" panose="020B0603020101020101" pitchFamily="50" charset="-127"/>
+                  <a:ea typeface="나눔바른고딕" panose="020B0603020101020101" pitchFamily="50" charset="-127"/>
+                </a:endParaRPr>
+              </a:p>
+              <a:p>
+                <a:pPr>
+                  <a:lnSpc>
+                    <a:spcPct val="120000"/>
+                  </a:lnSpc>
+                </a:pPr>
+                <a:r>
+                  <a:rPr lang="ko-KR" altLang="en-US" b="1">
+                    <a:solidFill>
+                      <a:srgbClr val="00B050"/>
+                    </a:solidFill>
+                    <a:latin typeface="나눔바른고딕" panose="020B0603020101020101" pitchFamily="50" charset="-127"/>
+                    <a:ea typeface="나눔바른고딕" panose="020B0603020101020101" pitchFamily="50" charset="-127"/>
+                  </a:rPr>
+                  <a:t>③ </a:t>
+                </a:r>
+                <a14:m>
+                  <m:oMath xmlns:m="http://schemas.openxmlformats.org/officeDocument/2006/math">
+                    <m:acc>
+                      <m:accPr>
+                        <m:chr m:val="̅"/>
+                        <m:ctrlPr>
+                          <a:rPr lang="ko-KR" altLang="en-US" b="1" i="1" smtClean="0">
+                            <a:solidFill>
+                              <a:srgbClr val="00B050"/>
+                            </a:solidFill>
+                            <a:latin typeface="Cambria Math" panose="02040503050406030204" pitchFamily="18" charset="0"/>
+                            <a:ea typeface="나눔바른고딕" panose="020B0603020101020101" pitchFamily="50" charset="-127"/>
+                          </a:rPr>
+                        </m:ctrlPr>
+                      </m:accPr>
+                      <m:e>
+                        <m:r>
+                          <a:rPr lang="en-US" altLang="ko-KR" b="1" i="1" smtClean="0">
+                            <a:solidFill>
+                              <a:srgbClr val="00B050"/>
+                            </a:solidFill>
+                            <a:latin typeface="Cambria Math" panose="02040503050406030204" pitchFamily="18" charset="0"/>
+                            <a:ea typeface="나눔바른고딕" panose="020B0603020101020101" pitchFamily="50" charset="-127"/>
+                          </a:rPr>
+                          <m:t>𝒃𝒆𝒍</m:t>
+                        </m:r>
+                      </m:e>
+                    </m:acc>
+                    <m:r>
+                      <a:rPr lang="en-US" altLang="ko-KR" b="1" i="1" smtClean="0">
+                        <a:solidFill>
+                          <a:srgbClr val="00B050"/>
+                        </a:solidFill>
+                        <a:latin typeface="Cambria Math" panose="02040503050406030204" pitchFamily="18" charset="0"/>
+                        <a:ea typeface="나눔바른고딕" panose="020B0603020101020101" pitchFamily="50" charset="-127"/>
+                      </a:rPr>
+                      <m:t>(</m:t>
+                    </m:r>
+                    <m:sSub>
+                      <m:sSubPr>
+                        <m:ctrlPr>
+                          <a:rPr lang="en-US" altLang="ko-KR" b="1" i="1" smtClean="0">
+                            <a:solidFill>
+                              <a:srgbClr val="00B050"/>
+                            </a:solidFill>
+                            <a:latin typeface="Cambria Math" panose="02040503050406030204" pitchFamily="18" charset="0"/>
+                            <a:ea typeface="나눔바른고딕" panose="020B0603020101020101" pitchFamily="50" charset="-127"/>
+                          </a:rPr>
+                        </m:ctrlPr>
+                      </m:sSubPr>
+                      <m:e>
+                        <m:r>
+                          <a:rPr lang="en-US" altLang="ko-KR" b="1" i="1" smtClean="0">
+                            <a:solidFill>
+                              <a:srgbClr val="00B050"/>
+                            </a:solidFill>
+                            <a:latin typeface="Cambria Math" panose="02040503050406030204" pitchFamily="18" charset="0"/>
+                            <a:ea typeface="나눔바른고딕" panose="020B0603020101020101" pitchFamily="50" charset="-127"/>
+                          </a:rPr>
+                          <m:t>𝒙</m:t>
+                        </m:r>
+                      </m:e>
+                      <m:sub>
+                        <m:r>
+                          <a:rPr lang="en-US" altLang="ko-KR" b="1" i="1" smtClean="0">
+                            <a:solidFill>
+                              <a:srgbClr val="00B050"/>
+                            </a:solidFill>
+                            <a:latin typeface="Cambria Math" panose="02040503050406030204" pitchFamily="18" charset="0"/>
+                            <a:ea typeface="나눔바른고딕" panose="020B0603020101020101" pitchFamily="50" charset="-127"/>
+                          </a:rPr>
+                          <m:t>𝒕</m:t>
+                        </m:r>
+                      </m:sub>
+                    </m:sSub>
+                    <m:r>
+                      <a:rPr lang="en-US" altLang="ko-KR" b="1" i="1" smtClean="0">
+                        <a:solidFill>
+                          <a:srgbClr val="00B050"/>
+                        </a:solidFill>
+                        <a:latin typeface="Cambria Math" panose="02040503050406030204" pitchFamily="18" charset="0"/>
+                        <a:ea typeface="나눔바른고딕" panose="020B0603020101020101" pitchFamily="50" charset="-127"/>
+                      </a:rPr>
+                      <m:t>)</m:t>
+                    </m:r>
+                  </m:oMath>
+                </a14:m>
+                <a:r>
+                  <a:rPr lang="ko-KR" altLang="en-US" b="1">
+                    <a:solidFill>
+                      <a:srgbClr val="00B050"/>
+                    </a:solidFill>
+                    <a:latin typeface="나눔바른고딕" panose="020B0603020101020101" pitchFamily="50" charset="-127"/>
+                    <a:ea typeface="나눔바른고딕" panose="020B0603020101020101" pitchFamily="50" charset="-127"/>
+                  </a:rPr>
+                  <a:t> </a:t>
+                </a:r>
+                <a:r>
+                  <a:rPr lang="en-US" altLang="ko-KR" b="1">
+                    <a:solidFill>
+                      <a:srgbClr val="00B050"/>
+                    </a:solidFill>
+                    <a:latin typeface="나눔바른고딕" panose="020B0603020101020101" pitchFamily="50" charset="-127"/>
+                    <a:ea typeface="나눔바른고딕" panose="020B0603020101020101" pitchFamily="50" charset="-127"/>
+                  </a:rPr>
+                  <a:t>: control update (prediction)</a:t>
+                </a:r>
+              </a:p>
+              <a:p>
+                <a:pPr>
+                  <a:lnSpc>
+                    <a:spcPct val="120000"/>
+                  </a:lnSpc>
+                </a:pPr>
+                <a:r>
+                  <a:rPr lang="ko-KR" altLang="en-US" b="1">
+                    <a:solidFill>
+                      <a:srgbClr val="7030A0"/>
+                    </a:solidFill>
+                    <a:latin typeface="나눔바른고딕" panose="020B0603020101020101" pitchFamily="50" charset="-127"/>
+                    <a:ea typeface="나눔바른고딕" panose="020B0603020101020101" pitchFamily="50" charset="-127"/>
+                  </a:rPr>
+                  <a:t>④ </a:t>
+                </a:r>
+                <a14:m>
+                  <m:oMath xmlns:m="http://schemas.openxmlformats.org/officeDocument/2006/math">
+                    <m:r>
+                      <a:rPr lang="en-US" altLang="ko-KR" b="1" i="1" smtClean="0">
+                        <a:solidFill>
+                          <a:srgbClr val="7030A0"/>
+                        </a:solidFill>
+                        <a:latin typeface="Cambria Math" panose="02040503050406030204" pitchFamily="18" charset="0"/>
+                        <a:ea typeface="나눔바른고딕" panose="020B0603020101020101" pitchFamily="50" charset="-127"/>
+                      </a:rPr>
+                      <m:t>𝒑</m:t>
+                    </m:r>
+                    <m:d>
+                      <m:dPr>
+                        <m:endChr m:val="|"/>
+                        <m:ctrlPr>
+                          <a:rPr lang="en-US" altLang="ko-KR" b="1" i="1" smtClean="0">
+                            <a:solidFill>
+                              <a:srgbClr val="7030A0"/>
+                            </a:solidFill>
+                            <a:latin typeface="Cambria Math" panose="02040503050406030204" pitchFamily="18" charset="0"/>
+                            <a:ea typeface="나눔바른고딕" panose="020B0603020101020101" pitchFamily="50" charset="-127"/>
+                          </a:rPr>
+                        </m:ctrlPr>
+                      </m:dPr>
+                      <m:e>
+                        <m:sSub>
+                          <m:sSubPr>
+                            <m:ctrlPr>
+                              <a:rPr lang="en-US" altLang="ko-KR" b="1" i="1" smtClean="0">
+                                <a:solidFill>
+                                  <a:srgbClr val="7030A0"/>
+                                </a:solidFill>
+                                <a:latin typeface="Cambria Math" panose="02040503050406030204" pitchFamily="18" charset="0"/>
+                                <a:ea typeface="나눔바른고딕" panose="020B0603020101020101" pitchFamily="50" charset="-127"/>
+                              </a:rPr>
+                            </m:ctrlPr>
+                          </m:sSubPr>
+                          <m:e>
+                            <m:r>
+                              <a:rPr lang="en-US" altLang="ko-KR" b="1" i="1" smtClean="0">
+                                <a:solidFill>
+                                  <a:srgbClr val="7030A0"/>
+                                </a:solidFill>
+                                <a:latin typeface="Cambria Math" panose="02040503050406030204" pitchFamily="18" charset="0"/>
+                                <a:ea typeface="나눔바른고딕" panose="020B0603020101020101" pitchFamily="50" charset="-127"/>
+                              </a:rPr>
+                              <m:t>𝒛</m:t>
+                            </m:r>
+                          </m:e>
+                          <m:sub>
+                            <m:r>
+                              <a:rPr lang="en-US" altLang="ko-KR" b="1" i="1" smtClean="0">
+                                <a:solidFill>
+                                  <a:srgbClr val="7030A0"/>
+                                </a:solidFill>
+                                <a:latin typeface="Cambria Math" panose="02040503050406030204" pitchFamily="18" charset="0"/>
+                                <a:ea typeface="나눔바른고딕" panose="020B0603020101020101" pitchFamily="50" charset="-127"/>
+                              </a:rPr>
+                              <m:t>𝒕</m:t>
+                            </m:r>
+                          </m:sub>
+                        </m:sSub>
+                        <m:r>
+                          <a:rPr lang="en-US" altLang="ko-KR" b="1" i="1" smtClean="0">
+                            <a:solidFill>
+                              <a:srgbClr val="7030A0"/>
+                            </a:solidFill>
+                            <a:latin typeface="Cambria Math" panose="02040503050406030204" pitchFamily="18" charset="0"/>
+                            <a:ea typeface="나눔바른고딕" panose="020B0603020101020101" pitchFamily="50" charset="-127"/>
+                          </a:rPr>
+                          <m:t> </m:t>
+                        </m:r>
+                      </m:e>
+                    </m:d>
+                    <m:r>
+                      <a:rPr lang="en-US" altLang="ko-KR" b="1" i="1" smtClean="0">
+                        <a:solidFill>
+                          <a:srgbClr val="7030A0"/>
+                        </a:solidFill>
+                        <a:latin typeface="Cambria Math" panose="02040503050406030204" pitchFamily="18" charset="0"/>
+                        <a:ea typeface="나눔바른고딕" panose="020B0603020101020101" pitchFamily="50" charset="-127"/>
+                      </a:rPr>
+                      <m:t> </m:t>
+                    </m:r>
+                    <m:sSub>
+                      <m:sSubPr>
+                        <m:ctrlPr>
+                          <a:rPr lang="en-US" altLang="ko-KR" b="1" i="1" smtClean="0">
+                            <a:solidFill>
+                              <a:srgbClr val="7030A0"/>
+                            </a:solidFill>
+                            <a:latin typeface="Cambria Math" panose="02040503050406030204" pitchFamily="18" charset="0"/>
+                            <a:ea typeface="나눔바른고딕" panose="020B0603020101020101" pitchFamily="50" charset="-127"/>
+                          </a:rPr>
+                        </m:ctrlPr>
+                      </m:sSubPr>
+                      <m:e>
+                        <m:r>
+                          <a:rPr lang="en-US" altLang="ko-KR" b="1" i="1" smtClean="0">
+                            <a:solidFill>
+                              <a:srgbClr val="7030A0"/>
+                            </a:solidFill>
+                            <a:latin typeface="Cambria Math" panose="02040503050406030204" pitchFamily="18" charset="0"/>
+                            <a:ea typeface="나눔바른고딕" panose="020B0603020101020101" pitchFamily="50" charset="-127"/>
+                          </a:rPr>
+                          <m:t>𝒙</m:t>
+                        </m:r>
+                      </m:e>
+                      <m:sub>
+                        <m:r>
+                          <a:rPr lang="en-US" altLang="ko-KR" b="1" i="1" smtClean="0">
+                            <a:solidFill>
+                              <a:srgbClr val="7030A0"/>
+                            </a:solidFill>
+                            <a:latin typeface="Cambria Math" panose="02040503050406030204" pitchFamily="18" charset="0"/>
+                            <a:ea typeface="나눔바른고딕" panose="020B0603020101020101" pitchFamily="50" charset="-127"/>
+                          </a:rPr>
+                          <m:t>𝒕</m:t>
+                        </m:r>
+                      </m:sub>
+                    </m:sSub>
+                    <m:r>
+                      <a:rPr lang="en-US" altLang="ko-KR" b="1" i="1" smtClean="0">
+                        <a:solidFill>
+                          <a:srgbClr val="7030A0"/>
+                        </a:solidFill>
+                        <a:latin typeface="Cambria Math" panose="02040503050406030204" pitchFamily="18" charset="0"/>
+                        <a:ea typeface="나눔바른고딕" panose="020B0603020101020101" pitchFamily="50" charset="-127"/>
+                      </a:rPr>
+                      <m:t>)</m:t>
+                    </m:r>
+                  </m:oMath>
+                </a14:m>
+                <a:r>
+                  <a:rPr lang="ko-KR" altLang="en-US" b="1">
+                    <a:solidFill>
+                      <a:srgbClr val="7030A0"/>
+                    </a:solidFill>
+                    <a:latin typeface="나눔바른고딕" panose="020B0603020101020101" pitchFamily="50" charset="-127"/>
+                    <a:ea typeface="나눔바른고딕" panose="020B0603020101020101" pitchFamily="50" charset="-127"/>
+                  </a:rPr>
+                  <a:t> </a:t>
+                </a:r>
+                <a:r>
+                  <a:rPr lang="en-US" altLang="ko-KR" b="1">
+                    <a:solidFill>
+                      <a:srgbClr val="7030A0"/>
+                    </a:solidFill>
+                    <a:latin typeface="나눔바른고딕" panose="020B0603020101020101" pitchFamily="50" charset="-127"/>
+                    <a:ea typeface="나눔바른고딕" panose="020B0603020101020101" pitchFamily="50" charset="-127"/>
+                  </a:rPr>
+                  <a:t>: </a:t>
+                </a:r>
+                <a:r>
+                  <a:rPr lang="ko-KR" altLang="en-US" b="1">
+                    <a:solidFill>
+                      <a:srgbClr val="7030A0"/>
+                    </a:solidFill>
+                    <a:latin typeface="나눔바른고딕" panose="020B0603020101020101" pitchFamily="50" charset="-127"/>
+                    <a:ea typeface="나눔바른고딕" panose="020B0603020101020101" pitchFamily="50" charset="-127"/>
+                  </a:rPr>
+                  <a:t>현재 상태의 센서값의 확률 분포</a:t>
+                </a:r>
+                <a:endParaRPr lang="en-US" altLang="ko-KR" b="1">
+                  <a:solidFill>
+                    <a:srgbClr val="7030A0"/>
+                  </a:solidFill>
+                  <a:latin typeface="나눔바른고딕" panose="020B0603020101020101" pitchFamily="50" charset="-127"/>
+                  <a:ea typeface="나눔바른고딕" panose="020B0603020101020101" pitchFamily="50" charset="-127"/>
+                </a:endParaRPr>
+              </a:p>
+              <a:p>
+                <a:pPr>
+                  <a:lnSpc>
+                    <a:spcPct val="120000"/>
+                  </a:lnSpc>
+                </a:pPr>
+                <a:r>
+                  <a:rPr lang="ko-KR" altLang="en-US" b="1">
+                    <a:solidFill>
+                      <a:schemeClr val="tx1">
+                        <a:lumMod val="95000"/>
+                        <a:lumOff val="5000"/>
+                      </a:schemeClr>
+                    </a:solidFill>
+                    <a:latin typeface="나눔바른고딕" panose="020B0603020101020101" pitchFamily="50" charset="-127"/>
+                    <a:ea typeface="나눔바른고딕" panose="020B0603020101020101" pitchFamily="50" charset="-127"/>
+                  </a:rPr>
+                  <a:t>⑤ </a:t>
+                </a:r>
+                <a14:m>
+                  <m:oMath xmlns:m="http://schemas.openxmlformats.org/officeDocument/2006/math">
+                    <m:r>
+                      <a:rPr lang="en-US" altLang="ko-KR" b="1" i="1" smtClean="0">
+                        <a:solidFill>
+                          <a:schemeClr val="tx1">
+                            <a:lumMod val="95000"/>
+                            <a:lumOff val="5000"/>
+                          </a:schemeClr>
+                        </a:solidFill>
+                        <a:latin typeface="Cambria Math" panose="02040503050406030204" pitchFamily="18" charset="0"/>
+                        <a:ea typeface="나눔바른고딕" panose="020B0603020101020101" pitchFamily="50" charset="-127"/>
+                      </a:rPr>
+                      <m:t>𝒃𝒆𝒍</m:t>
+                    </m:r>
+                    <m:r>
+                      <a:rPr lang="en-US" altLang="ko-KR" b="1" i="1" smtClean="0">
+                        <a:solidFill>
+                          <a:schemeClr val="tx1">
+                            <a:lumMod val="95000"/>
+                            <a:lumOff val="5000"/>
+                          </a:schemeClr>
+                        </a:solidFill>
+                        <a:latin typeface="Cambria Math" panose="02040503050406030204" pitchFamily="18" charset="0"/>
+                        <a:ea typeface="나눔바른고딕" panose="020B0603020101020101" pitchFamily="50" charset="-127"/>
+                      </a:rPr>
+                      <m:t>(</m:t>
+                    </m:r>
+                    <m:sSub>
+                      <m:sSubPr>
+                        <m:ctrlPr>
+                          <a:rPr lang="en-US" altLang="ko-KR" b="1" i="1" smtClean="0">
+                            <a:solidFill>
+                              <a:schemeClr val="tx1">
+                                <a:lumMod val="95000"/>
+                                <a:lumOff val="5000"/>
+                              </a:schemeClr>
+                            </a:solidFill>
+                            <a:latin typeface="Cambria Math" panose="02040503050406030204" pitchFamily="18" charset="0"/>
+                            <a:ea typeface="나눔바른고딕" panose="020B0603020101020101" pitchFamily="50" charset="-127"/>
+                          </a:rPr>
+                        </m:ctrlPr>
+                      </m:sSubPr>
+                      <m:e>
+                        <m:r>
+                          <a:rPr lang="en-US" altLang="ko-KR" b="1" i="1" smtClean="0">
+                            <a:solidFill>
+                              <a:schemeClr val="tx1">
+                                <a:lumMod val="95000"/>
+                                <a:lumOff val="5000"/>
+                              </a:schemeClr>
+                            </a:solidFill>
+                            <a:latin typeface="Cambria Math" panose="02040503050406030204" pitchFamily="18" charset="0"/>
+                            <a:ea typeface="나눔바른고딕" panose="020B0603020101020101" pitchFamily="50" charset="-127"/>
+                          </a:rPr>
+                          <m:t>𝒙</m:t>
+                        </m:r>
+                      </m:e>
+                      <m:sub>
+                        <m:r>
+                          <a:rPr lang="en-US" altLang="ko-KR" b="1" i="1" smtClean="0">
+                            <a:solidFill>
+                              <a:schemeClr val="tx1">
+                                <a:lumMod val="95000"/>
+                                <a:lumOff val="5000"/>
+                              </a:schemeClr>
+                            </a:solidFill>
+                            <a:latin typeface="Cambria Math" panose="02040503050406030204" pitchFamily="18" charset="0"/>
+                            <a:ea typeface="나눔바른고딕" panose="020B0603020101020101" pitchFamily="50" charset="-127"/>
+                          </a:rPr>
+                          <m:t>𝒕</m:t>
+                        </m:r>
+                      </m:sub>
+                    </m:sSub>
+                    <m:r>
+                      <a:rPr lang="en-US" altLang="ko-KR" b="1" i="1" smtClean="0">
+                        <a:solidFill>
+                          <a:schemeClr val="tx1">
+                            <a:lumMod val="95000"/>
+                            <a:lumOff val="5000"/>
+                          </a:schemeClr>
+                        </a:solidFill>
+                        <a:latin typeface="Cambria Math" panose="02040503050406030204" pitchFamily="18" charset="0"/>
+                        <a:ea typeface="나눔바른고딕" panose="020B0603020101020101" pitchFamily="50" charset="-127"/>
+                      </a:rPr>
+                      <m:t>)</m:t>
+                    </m:r>
+                  </m:oMath>
+                </a14:m>
+                <a:r>
+                  <a:rPr lang="ko-KR" altLang="en-US" b="1">
+                    <a:solidFill>
+                      <a:schemeClr val="tx1">
+                        <a:lumMod val="95000"/>
+                        <a:lumOff val="5000"/>
+                      </a:schemeClr>
+                    </a:solidFill>
+                    <a:latin typeface="나눔바른고딕" panose="020B0603020101020101" pitchFamily="50" charset="-127"/>
+                    <a:ea typeface="나눔바른고딕" panose="020B0603020101020101" pitchFamily="50" charset="-127"/>
+                  </a:rPr>
+                  <a:t> </a:t>
+                </a:r>
+                <a:r>
+                  <a:rPr lang="en-US" altLang="ko-KR" b="1">
+                    <a:solidFill>
+                      <a:schemeClr val="tx1">
+                        <a:lumMod val="95000"/>
+                        <a:lumOff val="5000"/>
+                      </a:schemeClr>
+                    </a:solidFill>
+                    <a:latin typeface="나눔바른고딕" panose="020B0603020101020101" pitchFamily="50" charset="-127"/>
+                    <a:ea typeface="나눔바른고딕" panose="020B0603020101020101" pitchFamily="50" charset="-127"/>
+                  </a:rPr>
+                  <a:t>: measurement update (correction)</a:t>
+                </a:r>
+                <a:endParaRPr lang="ko-KR" altLang="en-US" b="1">
+                  <a:solidFill>
+                    <a:schemeClr val="tx1">
+                      <a:lumMod val="95000"/>
+                      <a:lumOff val="5000"/>
+                    </a:schemeClr>
+                  </a:solidFill>
+                  <a:latin typeface="나눔바른고딕" panose="020B0603020101020101" pitchFamily="50" charset="-127"/>
+                  <a:ea typeface="나눔바른고딕" panose="020B0603020101020101" pitchFamily="50" charset="-127"/>
+                </a:endParaRPr>
+              </a:p>
+            </p:txBody>
+          </p:sp>
+        </mc:Choice>
+        <mc:Fallback>
+          <p:sp>
+            <p:nvSpPr>
+              <p:cNvPr id="6" name="TextBox 5">
+                <a:extLst>
+                  <a:ext uri="{FF2B5EF4-FFF2-40B4-BE49-F238E27FC236}">
+                    <a16:creationId xmlns:a16="http://schemas.microsoft.com/office/drawing/2014/main" id="{1EAC6194-FC94-45C6-AC0F-44B1E1ACDCED}"/>
+                  </a:ext>
+                </a:extLst>
+              </p:cNvPr>
+              <p:cNvSpPr txBox="1">
+                <a:spLocks noRot="1" noChangeAspect="1" noMove="1" noResize="1" noEditPoints="1" noAdjustHandles="1" noChangeArrowheads="1" noChangeShapeType="1" noTextEdit="1"/>
+              </p:cNvSpPr>
+              <p:nvPr/>
+            </p:nvSpPr>
+            <p:spPr>
+              <a:xfrm>
+                <a:off x="1284207" y="2272167"/>
+                <a:ext cx="7337586" cy="1747466"/>
+              </a:xfrm>
+              <a:prstGeom prst="rect">
+                <a:avLst/>
+              </a:prstGeom>
+              <a:blipFill>
+                <a:blip r:embed="rId2"/>
+                <a:stretch>
+                  <a:fillRect l="-748" b="-5245"/>
+                </a:stretch>
+              </a:blipFill>
+            </p:spPr>
+            <p:txBody>
+              <a:bodyPr/>
+              <a:lstStyle/>
+              <a:p>
+                <a:r>
+                  <a:rPr lang="ko-KR" altLang="en-US">
+                    <a:noFill/>
+                  </a:rPr>
+                  <a:t> </a:t>
+                </a:r>
+              </a:p>
+            </p:txBody>
+          </p:sp>
+        </mc:Fallback>
+      </mc:AlternateContent>
+    </p:spTree>
+    <p:extLst>
+      <p:ext uri="{BB962C8B-B14F-4D97-AF65-F5344CB8AC3E}">
+        <p14:creationId xmlns:p14="http://schemas.microsoft.com/office/powerpoint/2010/main" val="31288091"/>
+      </p:ext>
+    </p:extLst>
+  </p:cSld>
+  <p:clrMapOvr>
+    <a:masterClrMapping/>
+  </p:clrMapOvr>
+</p:sld>
+</file>
+
+<file path=ppt/slides/slide9.xml><?xml version="1.0" encoding="utf-8"?>
+<p:sld xmlns:a="http://schemas.openxmlformats.org/drawingml/2006/main" xmlns:r="http://schemas.openxmlformats.org/officeDocument/2006/relationships" xmlns:p="http://schemas.openxmlformats.org/presentationml/2006/main">
+  <p:cSld>
+    <p:spTree>
+      <p:nvGrpSpPr>
+        <p:cNvPr id="1" name=""/>
+        <p:cNvGrpSpPr/>
+        <p:nvPr/>
+      </p:nvGrpSpPr>
+      <p:grpSpPr>
+        <a:xfrm>
+          <a:off x="0" y="0"/>
+          <a:ext cx="0" cy="0"/>
+          <a:chOff x="0" y="0"/>
+          <a:chExt cx="0" cy="0"/>
+        </a:xfrm>
+      </p:grpSpPr>
+      <p:sp>
+        <p:nvSpPr>
+          <p:cNvPr id="2" name="제목 1">
+            <a:extLst>
+              <a:ext uri="{FF2B5EF4-FFF2-40B4-BE49-F238E27FC236}">
+                <a16:creationId xmlns:a16="http://schemas.microsoft.com/office/drawing/2014/main" id="{72DCC78A-CB28-4101-9C96-D8ED28191951}"/>
+              </a:ext>
+            </a:extLst>
+          </p:cNvPr>
+          <p:cNvSpPr>
+            <a:spLocks noGrp="1"/>
+          </p:cNvSpPr>
+          <p:nvPr>
+            <p:ph type="ctrTitle"/>
+          </p:nvPr>
+        </p:nvSpPr>
+        <p:spPr/>
+        <p:txBody>
+          <a:bodyPr/>
+          <a:lstStyle/>
+          <a:p>
+            <a:endParaRPr lang="ko-KR" altLang="en-US"/>
+          </a:p>
+        </p:txBody>
+      </p:sp>
+      <p:sp>
+        <p:nvSpPr>
+          <p:cNvPr id="3" name="부제목 2">
+            <a:extLst>
+              <a:ext uri="{FF2B5EF4-FFF2-40B4-BE49-F238E27FC236}">
+                <a16:creationId xmlns:a16="http://schemas.microsoft.com/office/drawing/2014/main" id="{3B4090A7-112E-46C1-AF6A-E47E4B251EDA}"/>
+              </a:ext>
+            </a:extLst>
+          </p:cNvPr>
+          <p:cNvSpPr>
+            <a:spLocks noGrp="1"/>
+          </p:cNvSpPr>
+          <p:nvPr>
+            <p:ph type="subTitle" idx="1"/>
+          </p:nvPr>
+        </p:nvSpPr>
+        <p:spPr/>
+        <p:txBody>
+          <a:bodyPr/>
+          <a:lstStyle/>
+          <a:p>
+            <a:endParaRPr lang="ko-KR" altLang="en-US"/>
+          </a:p>
+        </p:txBody>
+      </p:sp>
+      <p:sp>
+        <p:nvSpPr>
+          <p:cNvPr id="4" name="슬라이드 번호 개체 틀 3">
+            <a:extLst>
+              <a:ext uri="{FF2B5EF4-FFF2-40B4-BE49-F238E27FC236}">
+                <a16:creationId xmlns:a16="http://schemas.microsoft.com/office/drawing/2014/main" id="{4BB11C61-2FA8-4151-8238-8F6661FD9117}"/>
+              </a:ext>
+            </a:extLst>
+          </p:cNvPr>
+          <p:cNvSpPr>
+            <a:spLocks noGrp="1"/>
+          </p:cNvSpPr>
+          <p:nvPr>
+            <p:ph type="sldNum" sz="quarter" idx="10"/>
+          </p:nvPr>
+        </p:nvSpPr>
+        <p:spPr/>
+        <p:txBody>
+          <a:bodyPr/>
+          <a:lstStyle/>
+          <a:p>
+            <a:pPr>
+              <a:defRPr/>
+            </a:pPr>
+            <a:fld id="{13527AB9-6298-44FA-9E1C-7B66247BD5AA}" type="slidenum">
+              <a:rPr lang="ko-KR" altLang="en-US" smtClean="0">
+                <a:solidFill>
+                  <a:prstClr val="black"/>
+                </a:solidFill>
+              </a:rPr>
+              <a:pPr>
+                <a:defRPr/>
+              </a:pPr>
+              <a:t>9</a:t>
+            </a:fld>
+            <a:endParaRPr lang="ko-KR" altLang="en-US" dirty="0">
+              <a:solidFill>
+                <a:prstClr val="black"/>
+              </a:solidFill>
+            </a:endParaRPr>
+          </a:p>
+        </p:txBody>
+      </p:sp>
+      <p:grpSp>
+        <p:nvGrpSpPr>
+          <p:cNvPr id="7" name="그룹 6">
+            <a:extLst>
+              <a:ext uri="{FF2B5EF4-FFF2-40B4-BE49-F238E27FC236}">
+                <a16:creationId xmlns:a16="http://schemas.microsoft.com/office/drawing/2014/main" id="{E3BA2632-7280-4100-AE6D-4BB7976EFE0F}"/>
+              </a:ext>
+            </a:extLst>
+          </p:cNvPr>
+          <p:cNvGrpSpPr/>
+          <p:nvPr/>
+        </p:nvGrpSpPr>
+        <p:grpSpPr>
+          <a:xfrm>
+            <a:off x="1728815" y="1572544"/>
+            <a:ext cx="7289350" cy="2307942"/>
+            <a:chOff x="1728815" y="1572544"/>
+            <a:chExt cx="7289350" cy="2307942"/>
+          </a:xfrm>
+        </p:grpSpPr>
+        <p:pic>
+          <p:nvPicPr>
+            <p:cNvPr id="5" name="그림 4">
+              <a:extLst>
+                <a:ext uri="{FF2B5EF4-FFF2-40B4-BE49-F238E27FC236}">
+                  <a16:creationId xmlns:a16="http://schemas.microsoft.com/office/drawing/2014/main" id="{1D40F0C3-2F91-488A-94AA-5F990772FBB8}"/>
+                </a:ext>
+              </a:extLst>
+            </p:cNvPr>
+            <p:cNvPicPr>
+              <a:picLocks noChangeAspect="1"/>
+            </p:cNvPicPr>
+            <p:nvPr/>
+          </p:nvPicPr>
+          <p:blipFill>
+            <a:blip r:embed="rId2"/>
+            <a:stretch>
+              <a:fillRect/>
+            </a:stretch>
+          </p:blipFill>
+          <p:spPr>
+            <a:xfrm>
+              <a:off x="1728815" y="1572544"/>
+              <a:ext cx="7289350" cy="2307942"/>
+            </a:xfrm>
+            <a:prstGeom prst="rect">
+              <a:avLst/>
+            </a:prstGeom>
+          </p:spPr>
+        </p:pic>
+        <p:sp>
+          <p:nvSpPr>
+            <p:cNvPr id="6" name="타원 5">
+              <a:extLst>
+                <a:ext uri="{FF2B5EF4-FFF2-40B4-BE49-F238E27FC236}">
+                  <a16:creationId xmlns:a16="http://schemas.microsoft.com/office/drawing/2014/main" id="{46983B13-2B21-4E31-B07A-C8209632E805}"/>
+                </a:ext>
+              </a:extLst>
+            </p:cNvPr>
+            <p:cNvSpPr/>
+            <p:nvPr/>
+          </p:nvSpPr>
+          <p:spPr>
+            <a:xfrm>
+              <a:off x="3922837" y="2419175"/>
+              <a:ext cx="317401" cy="317401"/>
+            </a:xfrm>
+            <a:prstGeom prst="ellipse">
+              <a:avLst/>
+            </a:prstGeom>
+            <a:solidFill>
+              <a:srgbClr val="FF0000">
+                <a:alpha val="20000"/>
+              </a:srgbClr>
+            </a:solidFill>
+            <a:ln>
+              <a:solidFill>
+                <a:srgbClr val="FF0000"/>
+              </a:solidFill>
+            </a:ln>
+          </p:spPr>
+          <p:style>
+            <a:lnRef idx="2">
+              <a:schemeClr val="accent1">
+                <a:shade val="50000"/>
+              </a:schemeClr>
+            </a:lnRef>
+            <a:fillRef idx="1">
+              <a:schemeClr val="accent1"/>
+            </a:fillRef>
+            <a:effectRef idx="0">
+              <a:schemeClr val="accent1"/>
+            </a:effectRef>
+            <a:fontRef idx="minor">
+              <a:schemeClr val="lt1"/>
+            </a:fontRef>
+          </p:style>
+          <p:txBody>
+            <a:bodyPr rtlCol="0" anchor="ctr"/>
+            <a:lstStyle/>
+            <a:p>
+              <a:pPr algn="ctr"/>
+              <a:endParaRPr lang="ko-KR" altLang="en-US"/>
+            </a:p>
+          </p:txBody>
+        </p:sp>
+      </p:grpSp>
+    </p:spTree>
+    <p:extLst>
+      <p:ext uri="{BB962C8B-B14F-4D97-AF65-F5344CB8AC3E}">
+        <p14:creationId xmlns:p14="http://schemas.microsoft.com/office/powerpoint/2010/main" val="1307200366"/>
+      </p:ext>
+    </p:extLst>
+  </p:cSld>
+  <p:clrMapOvr>
+    <a:masterClrMapping/>
+  </p:clrMapOvr>
+</p:sld>
+</file>
+
 <file path=ppt/theme/theme1.xml><?xml version="1.0" encoding="utf-8"?>
 <a:theme xmlns:a="http://schemas.openxmlformats.org/drawingml/2006/main" name="HMC">
   <a:themeElements>

--- a/assets/img/autodrive/ose/bayes_filter/bayes_filter.pptx
+++ b/assets/img/autodrive/ose/bayes_filter/bayes_filter.pptx
@@ -14,6 +14,7 @@
     <p:sldId id="262" r:id="rId8"/>
     <p:sldId id="265" r:id="rId9"/>
     <p:sldId id="264" r:id="rId10"/>
+    <p:sldId id="266" r:id="rId11"/>
   </p:sldIdLst>
   <p:sldSz cx="9906000" cy="6858000" type="A4"/>
   <p:notesSz cx="6858000" cy="9144000"/>
@@ -1052,7 +1053,7 @@
               <a:pPr latinLnBrk="1">
                 <a:defRPr/>
               </a:pPr>
-              <a:t>2021-01-10</a:t>
+              <a:t>2021-01-13</a:t>
             </a:fld>
             <a:endParaRPr lang="ko-KR" altLang="en-US" dirty="0">
               <a:solidFill>
@@ -3857,6 +3858,406 @@
     <p:extLst>
       <p:ext uri="{BB962C8B-B14F-4D97-AF65-F5344CB8AC3E}">
         <p14:creationId xmlns:p14="http://schemas.microsoft.com/office/powerpoint/2010/main" val="2439994985"/>
+      </p:ext>
+    </p:extLst>
+  </p:cSld>
+  <p:clrMapOvr>
+    <a:masterClrMapping/>
+  </p:clrMapOvr>
+</p:sld>
+</file>
+
+<file path=ppt/slides/slide10.xml><?xml version="1.0" encoding="utf-8"?>
+<p:sld xmlns:a="http://schemas.openxmlformats.org/drawingml/2006/main" xmlns:r="http://schemas.openxmlformats.org/officeDocument/2006/relationships" xmlns:p="http://schemas.openxmlformats.org/presentationml/2006/main">
+  <p:cSld>
+    <p:spTree>
+      <p:nvGrpSpPr>
+        <p:cNvPr id="1" name=""/>
+        <p:cNvGrpSpPr/>
+        <p:nvPr/>
+      </p:nvGrpSpPr>
+      <p:grpSpPr>
+        <a:xfrm>
+          <a:off x="0" y="0"/>
+          <a:ext cx="0" cy="0"/>
+          <a:chOff x="0" y="0"/>
+          <a:chExt cx="0" cy="0"/>
+        </a:xfrm>
+      </p:grpSpPr>
+      <p:sp>
+        <p:nvSpPr>
+          <p:cNvPr id="2" name="제목 1">
+            <a:extLst>
+              <a:ext uri="{FF2B5EF4-FFF2-40B4-BE49-F238E27FC236}">
+                <a16:creationId xmlns:a16="http://schemas.microsoft.com/office/drawing/2014/main" id="{7A589257-E9AE-4D6E-8C21-76203309EDB0}"/>
+              </a:ext>
+            </a:extLst>
+          </p:cNvPr>
+          <p:cNvSpPr>
+            <a:spLocks noGrp="1"/>
+          </p:cNvSpPr>
+          <p:nvPr>
+            <p:ph type="ctrTitle"/>
+          </p:nvPr>
+        </p:nvSpPr>
+        <p:spPr/>
+        <p:txBody>
+          <a:bodyPr/>
+          <a:lstStyle/>
+          <a:p>
+            <a:endParaRPr lang="ko-KR" altLang="en-US"/>
+          </a:p>
+        </p:txBody>
+      </p:sp>
+      <p:sp>
+        <p:nvSpPr>
+          <p:cNvPr id="3" name="부제목 2">
+            <a:extLst>
+              <a:ext uri="{FF2B5EF4-FFF2-40B4-BE49-F238E27FC236}">
+                <a16:creationId xmlns:a16="http://schemas.microsoft.com/office/drawing/2014/main" id="{3BFF91CD-A7DD-43D0-8CF2-27C524833C64}"/>
+              </a:ext>
+            </a:extLst>
+          </p:cNvPr>
+          <p:cNvSpPr>
+            <a:spLocks noGrp="1"/>
+          </p:cNvSpPr>
+          <p:nvPr>
+            <p:ph type="subTitle" idx="1"/>
+          </p:nvPr>
+        </p:nvSpPr>
+        <p:spPr/>
+        <p:txBody>
+          <a:bodyPr/>
+          <a:lstStyle/>
+          <a:p>
+            <a:endParaRPr lang="ko-KR" altLang="en-US"/>
+          </a:p>
+        </p:txBody>
+      </p:sp>
+      <p:sp>
+        <p:nvSpPr>
+          <p:cNvPr id="4" name="슬라이드 번호 개체 틀 3">
+            <a:extLst>
+              <a:ext uri="{FF2B5EF4-FFF2-40B4-BE49-F238E27FC236}">
+                <a16:creationId xmlns:a16="http://schemas.microsoft.com/office/drawing/2014/main" id="{D89A4046-F049-4ADE-BB66-6B5B917125DA}"/>
+              </a:ext>
+            </a:extLst>
+          </p:cNvPr>
+          <p:cNvSpPr>
+            <a:spLocks noGrp="1"/>
+          </p:cNvSpPr>
+          <p:nvPr>
+            <p:ph type="sldNum" sz="quarter" idx="10"/>
+          </p:nvPr>
+        </p:nvSpPr>
+        <p:spPr/>
+        <p:txBody>
+          <a:bodyPr/>
+          <a:lstStyle/>
+          <a:p>
+            <a:pPr>
+              <a:defRPr/>
+            </a:pPr>
+            <a:fld id="{13527AB9-6298-44FA-9E1C-7B66247BD5AA}" type="slidenum">
+              <a:rPr lang="ko-KR" altLang="en-US" smtClean="0">
+                <a:solidFill>
+                  <a:prstClr val="black"/>
+                </a:solidFill>
+              </a:rPr>
+              <a:pPr>
+                <a:defRPr/>
+              </a:pPr>
+              <a:t>10</a:t>
+            </a:fld>
+            <a:endParaRPr lang="ko-KR" altLang="en-US" dirty="0">
+              <a:solidFill>
+                <a:prstClr val="black"/>
+              </a:solidFill>
+            </a:endParaRPr>
+          </a:p>
+        </p:txBody>
+      </p:sp>
+      <p:pic>
+        <p:nvPicPr>
+          <p:cNvPr id="5" name="그림 4">
+            <a:extLst>
+              <a:ext uri="{FF2B5EF4-FFF2-40B4-BE49-F238E27FC236}">
+                <a16:creationId xmlns:a16="http://schemas.microsoft.com/office/drawing/2014/main" id="{3C2DE91E-F7C3-41D7-9645-DC42AE415FE3}"/>
+              </a:ext>
+            </a:extLst>
+          </p:cNvPr>
+          <p:cNvPicPr>
+            <a:picLocks noChangeAspect="1"/>
+          </p:cNvPicPr>
+          <p:nvPr/>
+        </p:nvPicPr>
+        <p:blipFill>
+          <a:blip r:embed="rId2"/>
+          <a:stretch>
+            <a:fillRect/>
+          </a:stretch>
+        </p:blipFill>
+        <p:spPr>
+          <a:xfrm>
+            <a:off x="1159825" y="1762889"/>
+            <a:ext cx="5717362" cy="1007278"/>
+          </a:xfrm>
+          <a:prstGeom prst="rect">
+            <a:avLst/>
+          </a:prstGeom>
+        </p:spPr>
+      </p:pic>
+      <p:pic>
+        <p:nvPicPr>
+          <p:cNvPr id="6" name="그림 5">
+            <a:extLst>
+              <a:ext uri="{FF2B5EF4-FFF2-40B4-BE49-F238E27FC236}">
+                <a16:creationId xmlns:a16="http://schemas.microsoft.com/office/drawing/2014/main" id="{1786BA58-80A6-4B19-9DD3-04ED52C65E45}"/>
+              </a:ext>
+            </a:extLst>
+          </p:cNvPr>
+          <p:cNvPicPr>
+            <a:picLocks noChangeAspect="1"/>
+          </p:cNvPicPr>
+          <p:nvPr/>
+        </p:nvPicPr>
+        <p:blipFill>
+          <a:blip r:embed="rId3"/>
+          <a:stretch>
+            <a:fillRect/>
+          </a:stretch>
+        </p:blipFill>
+        <p:spPr>
+          <a:xfrm>
+            <a:off x="3901932" y="4078187"/>
+            <a:ext cx="2446157" cy="525531"/>
+          </a:xfrm>
+          <a:prstGeom prst="rect">
+            <a:avLst/>
+          </a:prstGeom>
+          <a:ln w="12700">
+            <a:solidFill>
+              <a:srgbClr val="FF0000"/>
+            </a:solidFill>
+          </a:ln>
+        </p:spPr>
+      </p:pic>
+      <p:cxnSp>
+        <p:nvCxnSpPr>
+          <p:cNvPr id="7" name="직선 연결선 6">
+            <a:extLst>
+              <a:ext uri="{FF2B5EF4-FFF2-40B4-BE49-F238E27FC236}">
+                <a16:creationId xmlns:a16="http://schemas.microsoft.com/office/drawing/2014/main" id="{C689C4F3-C031-4899-BFFD-ACE4E6EE62F3}"/>
+              </a:ext>
+            </a:extLst>
+          </p:cNvPr>
+          <p:cNvCxnSpPr/>
+          <p:nvPr/>
+        </p:nvCxnSpPr>
+        <p:spPr>
+          <a:xfrm>
+            <a:off x="2508308" y="2569816"/>
+            <a:ext cx="1887523" cy="0"/>
+          </a:xfrm>
+          <a:prstGeom prst="line">
+            <a:avLst/>
+          </a:prstGeom>
+        </p:spPr>
+        <p:style>
+          <a:lnRef idx="1">
+            <a:schemeClr val="accent1"/>
+          </a:lnRef>
+          <a:fillRef idx="0">
+            <a:schemeClr val="accent1"/>
+          </a:fillRef>
+          <a:effectRef idx="0">
+            <a:schemeClr val="accent1"/>
+          </a:effectRef>
+          <a:fontRef idx="minor">
+            <a:schemeClr val="tx1"/>
+          </a:fontRef>
+        </p:style>
+      </p:cxnSp>
+      <p:pic>
+        <p:nvPicPr>
+          <p:cNvPr id="8" name="그림 7">
+            <a:extLst>
+              <a:ext uri="{FF2B5EF4-FFF2-40B4-BE49-F238E27FC236}">
+                <a16:creationId xmlns:a16="http://schemas.microsoft.com/office/drawing/2014/main" id="{6B921F28-12B9-427C-B0D6-2730BD4AD349}"/>
+              </a:ext>
+            </a:extLst>
+          </p:cNvPr>
+          <p:cNvPicPr>
+            <a:picLocks noChangeAspect="1"/>
+          </p:cNvPicPr>
+          <p:nvPr/>
+        </p:nvPicPr>
+        <p:blipFill>
+          <a:blip r:embed="rId4"/>
+          <a:stretch>
+            <a:fillRect/>
+          </a:stretch>
+        </p:blipFill>
+        <p:spPr>
+          <a:xfrm>
+            <a:off x="1289805" y="2870438"/>
+            <a:ext cx="3911263" cy="340540"/>
+          </a:xfrm>
+          <a:prstGeom prst="rect">
+            <a:avLst/>
+          </a:prstGeom>
+        </p:spPr>
+      </p:pic>
+      <p:cxnSp>
+        <p:nvCxnSpPr>
+          <p:cNvPr id="9" name="직선 화살표 연결선 8">
+            <a:extLst>
+              <a:ext uri="{FF2B5EF4-FFF2-40B4-BE49-F238E27FC236}">
+                <a16:creationId xmlns:a16="http://schemas.microsoft.com/office/drawing/2014/main" id="{FD658085-FF39-4FA8-93C2-EC43B389745C}"/>
+              </a:ext>
+            </a:extLst>
+          </p:cNvPr>
+          <p:cNvCxnSpPr/>
+          <p:nvPr/>
+        </p:nvCxnSpPr>
+        <p:spPr>
+          <a:xfrm flipH="1">
+            <a:off x="2642532" y="2569816"/>
+            <a:ext cx="809537" cy="343872"/>
+          </a:xfrm>
+          <a:prstGeom prst="straightConnector1">
+            <a:avLst/>
+          </a:prstGeom>
+          <a:ln>
+            <a:tailEnd type="triangle"/>
+          </a:ln>
+        </p:spPr>
+        <p:style>
+          <a:lnRef idx="3">
+            <a:schemeClr val="dk1"/>
+          </a:lnRef>
+          <a:fillRef idx="0">
+            <a:schemeClr val="dk1"/>
+          </a:fillRef>
+          <a:effectRef idx="2">
+            <a:schemeClr val="dk1"/>
+          </a:effectRef>
+          <a:fontRef idx="minor">
+            <a:schemeClr val="tx1"/>
+          </a:fontRef>
+        </p:style>
+      </p:cxnSp>
+      <p:cxnSp>
+        <p:nvCxnSpPr>
+          <p:cNvPr id="10" name="직선 연결선 9">
+            <a:extLst>
+              <a:ext uri="{FF2B5EF4-FFF2-40B4-BE49-F238E27FC236}">
+                <a16:creationId xmlns:a16="http://schemas.microsoft.com/office/drawing/2014/main" id="{26736905-1FB0-4497-AACC-5D2E5DA59501}"/>
+              </a:ext>
+            </a:extLst>
+          </p:cNvPr>
+          <p:cNvCxnSpPr/>
+          <p:nvPr/>
+        </p:nvCxnSpPr>
+        <p:spPr>
+          <a:xfrm>
+            <a:off x="4546833" y="2569816"/>
+            <a:ext cx="1887523" cy="0"/>
+          </a:xfrm>
+          <a:prstGeom prst="line">
+            <a:avLst/>
+          </a:prstGeom>
+        </p:spPr>
+        <p:style>
+          <a:lnRef idx="1">
+            <a:schemeClr val="accent1"/>
+          </a:lnRef>
+          <a:fillRef idx="0">
+            <a:schemeClr val="accent1"/>
+          </a:fillRef>
+          <a:effectRef idx="0">
+            <a:schemeClr val="accent1"/>
+          </a:effectRef>
+          <a:fontRef idx="minor">
+            <a:schemeClr val="tx1"/>
+          </a:fontRef>
+        </p:style>
+      </p:cxnSp>
+      <p:pic>
+        <p:nvPicPr>
+          <p:cNvPr id="11" name="그림 10">
+            <a:extLst>
+              <a:ext uri="{FF2B5EF4-FFF2-40B4-BE49-F238E27FC236}">
+                <a16:creationId xmlns:a16="http://schemas.microsoft.com/office/drawing/2014/main" id="{DB53B90F-BF94-4FCF-886E-133528CF65F8}"/>
+              </a:ext>
+            </a:extLst>
+          </p:cNvPr>
+          <p:cNvPicPr>
+            <a:picLocks noChangeAspect="1"/>
+          </p:cNvPicPr>
+          <p:nvPr/>
+        </p:nvPicPr>
+        <p:blipFill>
+          <a:blip r:embed="rId5"/>
+          <a:stretch>
+            <a:fillRect/>
+          </a:stretch>
+        </p:blipFill>
+        <p:spPr>
+          <a:xfrm>
+            <a:off x="8014622" y="2569816"/>
+            <a:ext cx="690544" cy="281258"/>
+          </a:xfrm>
+          <a:prstGeom prst="rect">
+            <a:avLst/>
+          </a:prstGeom>
+        </p:spPr>
+      </p:pic>
+      <p:cxnSp>
+        <p:nvCxnSpPr>
+          <p:cNvPr id="12" name="직선 화살표 연결선 11">
+            <a:extLst>
+              <a:ext uri="{FF2B5EF4-FFF2-40B4-BE49-F238E27FC236}">
+                <a16:creationId xmlns:a16="http://schemas.microsoft.com/office/drawing/2014/main" id="{CCFC61B1-1869-4FD1-80D3-EC8F5AB0D2AF}"/>
+              </a:ext>
+            </a:extLst>
+          </p:cNvPr>
+          <p:cNvCxnSpPr>
+            <a:endCxn id="11" idx="0"/>
+          </p:cNvCxnSpPr>
+          <p:nvPr/>
+        </p:nvCxnSpPr>
+        <p:spPr>
+          <a:xfrm>
+            <a:off x="7869121" y="2187806"/>
+            <a:ext cx="490773" cy="382010"/>
+          </a:xfrm>
+          <a:prstGeom prst="straightConnector1">
+            <a:avLst/>
+          </a:prstGeom>
+          <a:ln>
+            <a:tailEnd type="triangle"/>
+          </a:ln>
+        </p:spPr>
+        <p:style>
+          <a:lnRef idx="3">
+            <a:schemeClr val="dk1"/>
+          </a:lnRef>
+          <a:fillRef idx="0">
+            <a:schemeClr val="dk1"/>
+          </a:fillRef>
+          <a:effectRef idx="2">
+            <a:schemeClr val="dk1"/>
+          </a:effectRef>
+          <a:fontRef idx="minor">
+            <a:schemeClr val="tx1"/>
+          </a:fontRef>
+        </p:style>
+      </p:cxnSp>
+    </p:spTree>
+    <p:extLst>
+      <p:ext uri="{BB962C8B-B14F-4D97-AF65-F5344CB8AC3E}">
+        <p14:creationId xmlns:p14="http://schemas.microsoft.com/office/powerpoint/2010/main" val="1944233123"/>
       </p:ext>
     </p:extLst>
   </p:cSld>
@@ -7020,8 +7421,8 @@
           </a:p>
         </p:txBody>
       </p:sp>
-      <mc:AlternateContent xmlns:mc="http://schemas.openxmlformats.org/markup-compatibility/2006">
-        <mc:Choice xmlns:a14="http://schemas.microsoft.com/office/drawing/2010/main" Requires="a14">
+      <mc:AlternateContent xmlns:mc="http://schemas.openxmlformats.org/markup-compatibility/2006" xmlns:a14="http://schemas.microsoft.com/office/drawing/2010/main">
+        <mc:Choice Requires="a14">
           <p:sp>
             <p:nvSpPr>
               <p:cNvPr id="6" name="TextBox 5">
@@ -7909,7 +8310,7 @@
             </p:txBody>
           </p:sp>
         </mc:Choice>
-        <mc:Fallback>
+        <mc:Fallback xmlns="">
           <p:sp>
             <p:nvSpPr>
               <p:cNvPr id="6" name="TextBox 5">

--- a/assets/img/autodrive/ose/bayes_filter/bayes_filter.pptx
+++ b/assets/img/autodrive/ose/bayes_filter/bayes_filter.pptx
@@ -1053,7 +1053,7 @@
               <a:pPr latinLnBrk="1">
                 <a:defRPr/>
               </a:pPr>
-              <a:t>2021-01-13</a:t>
+              <a:t>2021-01-14</a:t>
             </a:fld>
             <a:endParaRPr lang="ko-KR" altLang="en-US" dirty="0">
               <a:solidFill>
@@ -3999,7 +3999,7 @@
         </p:blipFill>
         <p:spPr>
           <a:xfrm>
-            <a:off x="1159825" y="1762889"/>
+            <a:off x="1159825" y="1698378"/>
             <a:ext cx="5717362" cy="1007278"/>
           </a:xfrm>
           <a:prstGeom prst="rect">
@@ -4036,9 +4036,7 @@
             <a:avLst/>
           </a:prstGeom>
           <a:ln w="12700">
-            <a:solidFill>
-              <a:srgbClr val="FF0000"/>
-            </a:solidFill>
+            <a:noFill/>
           </a:ln>
         </p:spPr>
       </p:pic>
@@ -4056,7 +4054,7 @@
         </p:nvCxnSpPr>
         <p:spPr>
           <a:xfrm>
-            <a:off x="2508308" y="2569816"/>
+            <a:off x="6127099" y="1096446"/>
             <a:ext cx="1887523" cy="0"/>
           </a:xfrm>
           <a:prstGeom prst="line">
@@ -4100,7 +4098,7 @@
         </p:blipFill>
         <p:spPr>
           <a:xfrm>
-            <a:off x="1289805" y="2870438"/>
+            <a:off x="1041737" y="2779813"/>
             <a:ext cx="3911263" cy="340540"/>
           </a:xfrm>
           <a:prstGeom prst="rect">
@@ -4122,7 +4120,7 @@
         </p:nvCxnSpPr>
         <p:spPr>
           <a:xfrm flipH="1">
-            <a:off x="2642532" y="2569816"/>
+            <a:off x="4796298" y="840444"/>
             <a:ext cx="809537" cy="343872"/>
           </a:xfrm>
           <a:prstGeom prst="straightConnector1">
@@ -4161,7 +4159,7 @@
         </p:nvCxnSpPr>
         <p:spPr>
           <a:xfrm>
-            <a:off x="4546833" y="2569816"/>
+            <a:off x="6633317" y="2740900"/>
             <a:ext cx="1887523" cy="0"/>
           </a:xfrm>
           <a:prstGeom prst="line">
@@ -4205,7 +4203,7 @@
         </p:blipFill>
         <p:spPr>
           <a:xfrm>
-            <a:off x="8014622" y="2569816"/>
+            <a:off x="3673234" y="3351932"/>
             <a:ext cx="690544" cy="281258"/>
           </a:xfrm>
           <a:prstGeom prst="rect">
@@ -4223,13 +4221,13 @@
             </a:extLst>
           </p:cNvPr>
           <p:cNvCxnSpPr>
-            <a:endCxn id="11" idx="0"/>
+            <a:cxnSpLocks/>
           </p:cNvCxnSpPr>
           <p:nvPr/>
         </p:nvCxnSpPr>
         <p:spPr>
           <a:xfrm>
-            <a:off x="7869121" y="2187806"/>
+            <a:off x="5881712" y="2917450"/>
             <a:ext cx="490773" cy="382010"/>
           </a:xfrm>
           <a:prstGeom prst="straightConnector1">
@@ -4254,6 +4252,420 @@
           </a:fontRef>
         </p:style>
       </p:cxnSp>
+      <mc:AlternateContent xmlns:mc="http://schemas.openxmlformats.org/markup-compatibility/2006">
+        <mc:Choice xmlns:a14="http://schemas.microsoft.com/office/drawing/2010/main" Requires="a14">
+          <p:sp>
+            <p:nvSpPr>
+              <p:cNvPr id="15" name="TextBox 14">
+                <a:extLst>
+                  <a:ext uri="{FF2B5EF4-FFF2-40B4-BE49-F238E27FC236}">
+                    <a16:creationId xmlns:a16="http://schemas.microsoft.com/office/drawing/2014/main" id="{11E8213F-999B-4385-A7F3-8B4CBEFEB54C}"/>
+                  </a:ext>
+                </a:extLst>
+              </p:cNvPr>
+              <p:cNvSpPr txBox="1"/>
+              <p:nvPr/>
+            </p:nvSpPr>
+            <p:spPr>
+              <a:xfrm>
+                <a:off x="1188753" y="5005721"/>
+                <a:ext cx="5546582" cy="276999"/>
+              </a:xfrm>
+              <a:prstGeom prst="rect">
+                <a:avLst/>
+              </a:prstGeom>
+              <a:noFill/>
+            </p:spPr>
+            <p:txBody>
+              <a:bodyPr wrap="none" lIns="0" tIns="0" rIns="0" bIns="0" rtlCol="0">
+                <a:spAutoFit/>
+              </a:bodyPr>
+              <a:lstStyle/>
+              <a:p>
+                <a14:m>
+                  <m:oMathPara xmlns:m="http://schemas.openxmlformats.org/officeDocument/2006/math">
+                    <m:oMathParaPr>
+                      <m:jc m:val="centerGroup"/>
+                    </m:oMathParaPr>
+                    <m:oMath xmlns:m="http://schemas.openxmlformats.org/officeDocument/2006/math">
+                      <m:r>
+                        <a:rPr lang="en-US" altLang="ko-KR" b="0" i="1" smtClean="0">
+                          <a:latin typeface="Cambria Math" panose="02040503050406030204" pitchFamily="18" charset="0"/>
+                        </a:rPr>
+                        <m:t>𝑝</m:t>
+                      </m:r>
+                      <m:d>
+                        <m:dPr>
+                          <m:endChr m:val="|"/>
+                          <m:ctrlPr>
+                            <a:rPr lang="en-US" altLang="ko-KR" b="0" i="1" smtClean="0">
+                              <a:latin typeface="Cambria Math" panose="02040503050406030204" pitchFamily="18" charset="0"/>
+                            </a:rPr>
+                          </m:ctrlPr>
+                        </m:dPr>
+                        <m:e>
+                          <m:sSub>
+                            <m:sSubPr>
+                              <m:ctrlPr>
+                                <a:rPr lang="en-US" altLang="ko-KR" b="0" i="1" smtClean="0">
+                                  <a:latin typeface="Cambria Math" panose="02040503050406030204" pitchFamily="18" charset="0"/>
+                                </a:rPr>
+                              </m:ctrlPr>
+                            </m:sSubPr>
+                            <m:e>
+                              <m:r>
+                                <a:rPr lang="en-US" altLang="ko-KR" b="0" i="1" smtClean="0">
+                                  <a:latin typeface="Cambria Math" panose="02040503050406030204" pitchFamily="18" charset="0"/>
+                                </a:rPr>
+                                <m:t>𝑥</m:t>
+                              </m:r>
+                            </m:e>
+                            <m:sub>
+                              <m:r>
+                                <a:rPr lang="en-US" altLang="ko-KR" b="0" i="1" smtClean="0">
+                                  <a:latin typeface="Cambria Math" panose="02040503050406030204" pitchFamily="18" charset="0"/>
+                                </a:rPr>
+                                <m:t>𝑡</m:t>
+                              </m:r>
+                              <m:r>
+                                <a:rPr lang="en-US" altLang="ko-KR" b="0" i="1" smtClean="0">
+                                  <a:latin typeface="Cambria Math" panose="02040503050406030204" pitchFamily="18" charset="0"/>
+                                </a:rPr>
+                                <m:t>−1</m:t>
+                              </m:r>
+                            </m:sub>
+                          </m:sSub>
+                        </m:e>
+                      </m:d>
+                      <m:r>
+                        <a:rPr lang="en-US" altLang="ko-KR" b="0" i="1" smtClean="0">
+                          <a:latin typeface="Cambria Math" panose="02040503050406030204" pitchFamily="18" charset="0"/>
+                        </a:rPr>
+                        <m:t> </m:t>
+                      </m:r>
+                      <m:sSub>
+                        <m:sSubPr>
+                          <m:ctrlPr>
+                            <a:rPr lang="en-US" altLang="ko-KR" b="0" i="1" smtClean="0">
+                              <a:latin typeface="Cambria Math" panose="02040503050406030204" pitchFamily="18" charset="0"/>
+                            </a:rPr>
+                          </m:ctrlPr>
+                        </m:sSubPr>
+                        <m:e>
+                          <m:r>
+                            <a:rPr lang="en-US" altLang="ko-KR" b="0" i="1" smtClean="0">
+                              <a:latin typeface="Cambria Math" panose="02040503050406030204" pitchFamily="18" charset="0"/>
+                            </a:rPr>
+                            <m:t>𝑧</m:t>
+                          </m:r>
+                        </m:e>
+                        <m:sub>
+                          <m:r>
+                            <a:rPr lang="en-US" altLang="ko-KR" b="0" i="1" smtClean="0">
+                              <a:latin typeface="Cambria Math" panose="02040503050406030204" pitchFamily="18" charset="0"/>
+                            </a:rPr>
+                            <m:t>1:</m:t>
+                          </m:r>
+                          <m:r>
+                            <a:rPr lang="en-US" altLang="ko-KR" b="0" i="1" smtClean="0">
+                              <a:latin typeface="Cambria Math" panose="02040503050406030204" pitchFamily="18" charset="0"/>
+                            </a:rPr>
+                            <m:t>𝑡</m:t>
+                          </m:r>
+                          <m:r>
+                            <a:rPr lang="en-US" altLang="ko-KR" b="0" i="1" smtClean="0">
+                              <a:latin typeface="Cambria Math" panose="02040503050406030204" pitchFamily="18" charset="0"/>
+                            </a:rPr>
+                            <m:t>−1</m:t>
+                          </m:r>
+                        </m:sub>
+                      </m:sSub>
+                      <m:r>
+                        <a:rPr lang="en-US" altLang="ko-KR" b="0" i="1" smtClean="0">
+                          <a:latin typeface="Cambria Math" panose="02040503050406030204" pitchFamily="18" charset="0"/>
+                        </a:rPr>
+                        <m:t>, </m:t>
+                      </m:r>
+                      <m:sSub>
+                        <m:sSubPr>
+                          <m:ctrlPr>
+                            <a:rPr lang="en-US" altLang="ko-KR" b="0" i="1" smtClean="0">
+                              <a:latin typeface="Cambria Math" panose="02040503050406030204" pitchFamily="18" charset="0"/>
+                            </a:rPr>
+                          </m:ctrlPr>
+                        </m:sSubPr>
+                        <m:e>
+                          <m:r>
+                            <a:rPr lang="en-US" altLang="ko-KR" b="0" i="1" smtClean="0">
+                              <a:latin typeface="Cambria Math" panose="02040503050406030204" pitchFamily="18" charset="0"/>
+                            </a:rPr>
+                            <m:t>𝑢</m:t>
+                          </m:r>
+                        </m:e>
+                        <m:sub>
+                          <m:r>
+                            <a:rPr lang="en-US" altLang="ko-KR" b="0" i="1" smtClean="0">
+                              <a:latin typeface="Cambria Math" panose="02040503050406030204" pitchFamily="18" charset="0"/>
+                            </a:rPr>
+                            <m:t>1:</m:t>
+                          </m:r>
+                          <m:r>
+                            <a:rPr lang="en-US" altLang="ko-KR" b="0" i="1" smtClean="0">
+                              <a:latin typeface="Cambria Math" panose="02040503050406030204" pitchFamily="18" charset="0"/>
+                            </a:rPr>
+                            <m:t>𝑡</m:t>
+                          </m:r>
+                        </m:sub>
+                      </m:sSub>
+                      <m:r>
+                        <a:rPr lang="en-US" altLang="ko-KR" b="0" i="1" smtClean="0">
+                          <a:latin typeface="Cambria Math" panose="02040503050406030204" pitchFamily="18" charset="0"/>
+                        </a:rPr>
+                        <m:t>)=</m:t>
+                      </m:r>
+                      <m:r>
+                        <a:rPr lang="en-US" altLang="ko-KR" i="1">
+                          <a:latin typeface="Cambria Math" panose="02040503050406030204" pitchFamily="18" charset="0"/>
+                        </a:rPr>
+                        <m:t>𝑝</m:t>
+                      </m:r>
+                      <m:d>
+                        <m:dPr>
+                          <m:endChr m:val="|"/>
+                          <m:ctrlPr>
+                            <a:rPr lang="en-US" altLang="ko-KR" i="1">
+                              <a:latin typeface="Cambria Math" panose="02040503050406030204" pitchFamily="18" charset="0"/>
+                            </a:rPr>
+                          </m:ctrlPr>
+                        </m:dPr>
+                        <m:e>
+                          <m:sSub>
+                            <m:sSubPr>
+                              <m:ctrlPr>
+                                <a:rPr lang="en-US" altLang="ko-KR" i="1">
+                                  <a:latin typeface="Cambria Math" panose="02040503050406030204" pitchFamily="18" charset="0"/>
+                                </a:rPr>
+                              </m:ctrlPr>
+                            </m:sSubPr>
+                            <m:e>
+                              <m:r>
+                                <a:rPr lang="en-US" altLang="ko-KR" i="1">
+                                  <a:latin typeface="Cambria Math" panose="02040503050406030204" pitchFamily="18" charset="0"/>
+                                </a:rPr>
+                                <m:t>𝑥</m:t>
+                              </m:r>
+                            </m:e>
+                            <m:sub>
+                              <m:r>
+                                <a:rPr lang="en-US" altLang="ko-KR" i="1">
+                                  <a:latin typeface="Cambria Math" panose="02040503050406030204" pitchFamily="18" charset="0"/>
+                                </a:rPr>
+                                <m:t>𝑡</m:t>
+                              </m:r>
+                              <m:r>
+                                <a:rPr lang="en-US" altLang="ko-KR" i="1">
+                                  <a:latin typeface="Cambria Math" panose="02040503050406030204" pitchFamily="18" charset="0"/>
+                                </a:rPr>
+                                <m:t>−1</m:t>
+                              </m:r>
+                            </m:sub>
+                          </m:sSub>
+                        </m:e>
+                      </m:d>
+                      <m:r>
+                        <a:rPr lang="en-US" altLang="ko-KR" i="1">
+                          <a:latin typeface="Cambria Math" panose="02040503050406030204" pitchFamily="18" charset="0"/>
+                        </a:rPr>
+                        <m:t> </m:t>
+                      </m:r>
+                      <m:sSub>
+                        <m:sSubPr>
+                          <m:ctrlPr>
+                            <a:rPr lang="en-US" altLang="ko-KR" i="1">
+                              <a:latin typeface="Cambria Math" panose="02040503050406030204" pitchFamily="18" charset="0"/>
+                            </a:rPr>
+                          </m:ctrlPr>
+                        </m:sSubPr>
+                        <m:e>
+                          <m:r>
+                            <a:rPr lang="en-US" altLang="ko-KR" i="1">
+                              <a:latin typeface="Cambria Math" panose="02040503050406030204" pitchFamily="18" charset="0"/>
+                            </a:rPr>
+                            <m:t>𝑧</m:t>
+                          </m:r>
+                        </m:e>
+                        <m:sub>
+                          <m:r>
+                            <a:rPr lang="en-US" altLang="ko-KR" i="1">
+                              <a:latin typeface="Cambria Math" panose="02040503050406030204" pitchFamily="18" charset="0"/>
+                            </a:rPr>
+                            <m:t>11:</m:t>
+                          </m:r>
+                          <m:r>
+                            <a:rPr lang="en-US" altLang="ko-KR" i="1">
+                              <a:latin typeface="Cambria Math" panose="02040503050406030204" pitchFamily="18" charset="0"/>
+                            </a:rPr>
+                            <m:t>𝑡</m:t>
+                          </m:r>
+                          <m:r>
+                            <a:rPr lang="en-US" altLang="ko-KR" i="1">
+                              <a:latin typeface="Cambria Math" panose="02040503050406030204" pitchFamily="18" charset="0"/>
+                            </a:rPr>
+                            <m:t>−1</m:t>
+                          </m:r>
+                        </m:sub>
+                      </m:sSub>
+                      <m:r>
+                        <a:rPr lang="en-US" altLang="ko-KR" i="1">
+                          <a:latin typeface="Cambria Math" panose="02040503050406030204" pitchFamily="18" charset="0"/>
+                        </a:rPr>
+                        <m:t>, </m:t>
+                      </m:r>
+                      <m:sSub>
+                        <m:sSubPr>
+                          <m:ctrlPr>
+                            <a:rPr lang="en-US" altLang="ko-KR" i="1">
+                              <a:latin typeface="Cambria Math" panose="02040503050406030204" pitchFamily="18" charset="0"/>
+                            </a:rPr>
+                          </m:ctrlPr>
+                        </m:sSubPr>
+                        <m:e>
+                          <m:r>
+                            <a:rPr lang="en-US" altLang="ko-KR" i="1">
+                              <a:latin typeface="Cambria Math" panose="02040503050406030204" pitchFamily="18" charset="0"/>
+                            </a:rPr>
+                            <m:t>𝑢</m:t>
+                          </m:r>
+                        </m:e>
+                        <m:sub>
+                          <m:r>
+                            <a:rPr lang="en-US" altLang="ko-KR" i="1">
+                              <a:latin typeface="Cambria Math" panose="02040503050406030204" pitchFamily="18" charset="0"/>
+                            </a:rPr>
+                            <m:t>1:</m:t>
+                          </m:r>
+                          <m:r>
+                            <a:rPr lang="en-US" altLang="ko-KR" i="1">
+                              <a:latin typeface="Cambria Math" panose="02040503050406030204" pitchFamily="18" charset="0"/>
+                            </a:rPr>
+                            <m:t>𝑡</m:t>
+                          </m:r>
+                          <m:r>
+                            <a:rPr lang="en-US" altLang="ko-KR" b="0" i="1" smtClean="0">
+                              <a:latin typeface="Cambria Math" panose="02040503050406030204" pitchFamily="18" charset="0"/>
+                            </a:rPr>
+                            <m:t>−1</m:t>
+                          </m:r>
+                        </m:sub>
+                      </m:sSub>
+                      <m:r>
+                        <a:rPr lang="en-US" altLang="ko-KR" i="1">
+                          <a:latin typeface="Cambria Math" panose="02040503050406030204" pitchFamily="18" charset="0"/>
+                        </a:rPr>
+                        <m:t>)</m:t>
+                      </m:r>
+                      <m:r>
+                        <a:rPr lang="en-US" altLang="ko-KR" b="0" i="1" smtClean="0">
+                          <a:latin typeface="Cambria Math" panose="02040503050406030204" pitchFamily="18" charset="0"/>
+                        </a:rPr>
+                        <m:t>=</m:t>
+                      </m:r>
+                      <m:r>
+                        <a:rPr lang="en-US" altLang="ko-KR" b="0" i="1" smtClean="0">
+                          <a:latin typeface="Cambria Math" panose="02040503050406030204" pitchFamily="18" charset="0"/>
+                        </a:rPr>
+                        <m:t>𝑏𝑒𝑙</m:t>
+                      </m:r>
+                      <m:r>
+                        <a:rPr lang="en-US" altLang="ko-KR" b="0" i="1" smtClean="0">
+                          <a:latin typeface="Cambria Math" panose="02040503050406030204" pitchFamily="18" charset="0"/>
+                        </a:rPr>
+                        <m:t>(</m:t>
+                      </m:r>
+                      <m:sSub>
+                        <m:sSubPr>
+                          <m:ctrlPr>
+                            <a:rPr lang="en-US" altLang="ko-KR" b="0" i="1" smtClean="0">
+                              <a:latin typeface="Cambria Math" panose="02040503050406030204" pitchFamily="18" charset="0"/>
+                            </a:rPr>
+                          </m:ctrlPr>
+                        </m:sSubPr>
+                        <m:e>
+                          <m:r>
+                            <a:rPr lang="en-US" altLang="ko-KR" b="0" i="1" smtClean="0">
+                              <a:latin typeface="Cambria Math" panose="02040503050406030204" pitchFamily="18" charset="0"/>
+                            </a:rPr>
+                            <m:t>𝑥</m:t>
+                          </m:r>
+                        </m:e>
+                        <m:sub>
+                          <m:r>
+                            <a:rPr lang="en-US" altLang="ko-KR" b="0" i="1" smtClean="0">
+                              <a:latin typeface="Cambria Math" panose="02040503050406030204" pitchFamily="18" charset="0"/>
+                            </a:rPr>
+                            <m:t>𝑡</m:t>
+                          </m:r>
+                        </m:sub>
+                      </m:sSub>
+                      <m:r>
+                        <a:rPr lang="en-US" altLang="ko-KR" b="0" i="1" smtClean="0">
+                          <a:latin typeface="Cambria Math" panose="02040503050406030204" pitchFamily="18" charset="0"/>
+                        </a:rPr>
+                        <m:t>)</m:t>
+                      </m:r>
+                    </m:oMath>
+                  </m:oMathPara>
+                </a14:m>
+                <a:endParaRPr lang="ko-KR" altLang="en-US"/>
+              </a:p>
+            </p:txBody>
+          </p:sp>
+        </mc:Choice>
+        <mc:Fallback>
+          <p:sp>
+            <p:nvSpPr>
+              <p:cNvPr id="15" name="TextBox 14">
+                <a:extLst>
+                  <a:ext uri="{FF2B5EF4-FFF2-40B4-BE49-F238E27FC236}">
+                    <a16:creationId xmlns:a16="http://schemas.microsoft.com/office/drawing/2014/main" id="{11E8213F-999B-4385-A7F3-8B4CBEFEB54C}"/>
+                  </a:ext>
+                </a:extLst>
+              </p:cNvPr>
+              <p:cNvSpPr txBox="1">
+                <a:spLocks noRot="1" noChangeAspect="1" noMove="1" noResize="1" noEditPoints="1" noAdjustHandles="1" noChangeArrowheads="1" noChangeShapeType="1" noTextEdit="1"/>
+              </p:cNvSpPr>
+              <p:nvPr/>
+            </p:nvSpPr>
+            <p:spPr>
+              <a:xfrm>
+                <a:off x="1188753" y="5005721"/>
+                <a:ext cx="5546582" cy="276999"/>
+              </a:xfrm>
+              <a:prstGeom prst="rect">
+                <a:avLst/>
+              </a:prstGeom>
+              <a:blipFill>
+                <a:blip r:embed="rId6"/>
+                <a:stretch>
+                  <a:fillRect r="-110" b="-36957"/>
+                </a:stretch>
+              </a:blipFill>
+            </p:spPr>
+            <p:txBody>
+              <a:bodyPr/>
+              <a:lstStyle/>
+              <a:p>
+                <a:r>
+                  <a:rPr lang="ko-KR" altLang="en-US">
+                    <a:noFill/>
+                  </a:rPr>
+                  <a:t> </a:t>
+                </a:r>
+              </a:p>
+            </p:txBody>
+          </p:sp>
+        </mc:Fallback>
+      </mc:AlternateContent>
     </p:spTree>
     <p:extLst>
       <p:ext uri="{BB962C8B-B14F-4D97-AF65-F5344CB8AC3E}">

--- a/assets/img/autodrive/ose/bayes_filter/bayes_filter.pptx
+++ b/assets/img/autodrive/ose/bayes_filter/bayes_filter.pptx
@@ -15,6 +15,9 @@
     <p:sldId id="265" r:id="rId9"/>
     <p:sldId id="264" r:id="rId10"/>
     <p:sldId id="266" r:id="rId11"/>
+    <p:sldId id="267" r:id="rId12"/>
+    <p:sldId id="268" r:id="rId13"/>
+    <p:sldId id="269" r:id="rId14"/>
   </p:sldIdLst>
   <p:sldSz cx="9906000" cy="6858000" type="A4"/>
   <p:notesSz cx="6858000" cy="9144000"/>
@@ -116,7 +119,7 @@
   <p:extLst>
     <p:ext uri="{EFAFB233-063F-42B5-8137-9DF3F51BA10A}">
       <p15:sldGuideLst xmlns:p15="http://schemas.microsoft.com/office/powerpoint/2012/main">
-        <p15:guide id="1" orient="horz" pos="2160" userDrawn="1">
+        <p15:guide id="1" orient="horz" pos="2208" userDrawn="1">
           <p15:clr>
             <a:srgbClr val="A4A3A4"/>
           </p15:clr>
@@ -1053,7 +1056,7 @@
               <a:pPr latinLnBrk="1">
                 <a:defRPr/>
               </a:pPr>
-              <a:t>2021-01-14</a:t>
+              <a:t>2021-01-15</a:t>
             </a:fld>
             <a:endParaRPr lang="ko-KR" altLang="en-US" dirty="0">
               <a:solidFill>
@@ -3999,7 +4002,7 @@
         </p:blipFill>
         <p:spPr>
           <a:xfrm>
-            <a:off x="1159825" y="1698378"/>
+            <a:off x="919944" y="1646205"/>
             <a:ext cx="5717362" cy="1007278"/>
           </a:xfrm>
           <a:prstGeom prst="rect">
@@ -4029,7 +4032,7 @@
         </p:blipFill>
         <p:spPr>
           <a:xfrm>
-            <a:off x="3901932" y="4078187"/>
+            <a:off x="7070860" y="3388008"/>
             <a:ext cx="2446157" cy="525531"/>
           </a:xfrm>
           <a:prstGeom prst="rect">
@@ -4040,42 +4043,6 @@
           </a:ln>
         </p:spPr>
       </p:pic>
-      <p:cxnSp>
-        <p:nvCxnSpPr>
-          <p:cNvPr id="7" name="직선 연결선 6">
-            <a:extLst>
-              <a:ext uri="{FF2B5EF4-FFF2-40B4-BE49-F238E27FC236}">
-                <a16:creationId xmlns:a16="http://schemas.microsoft.com/office/drawing/2014/main" id="{C689C4F3-C031-4899-BFFD-ACE4E6EE62F3}"/>
-              </a:ext>
-            </a:extLst>
-          </p:cNvPr>
-          <p:cNvCxnSpPr/>
-          <p:nvPr/>
-        </p:nvCxnSpPr>
-        <p:spPr>
-          <a:xfrm>
-            <a:off x="6127099" y="1096446"/>
-            <a:ext cx="1887523" cy="0"/>
-          </a:xfrm>
-          <a:prstGeom prst="line">
-            <a:avLst/>
-          </a:prstGeom>
-        </p:spPr>
-        <p:style>
-          <a:lnRef idx="1">
-            <a:schemeClr val="accent1"/>
-          </a:lnRef>
-          <a:fillRef idx="0">
-            <a:schemeClr val="accent1"/>
-          </a:fillRef>
-          <a:effectRef idx="0">
-            <a:schemeClr val="accent1"/>
-          </a:effectRef>
-          <a:fontRef idx="minor">
-            <a:schemeClr val="tx1"/>
-          </a:fontRef>
-        </p:style>
-      </p:cxnSp>
       <p:pic>
         <p:nvPicPr>
           <p:cNvPr id="8" name="그림 7">
@@ -4098,7 +4065,7 @@
         </p:blipFill>
         <p:spPr>
           <a:xfrm>
-            <a:off x="1041737" y="2779813"/>
+            <a:off x="1022351" y="2958920"/>
             <a:ext cx="3911263" cy="340540"/>
           </a:xfrm>
           <a:prstGeom prst="rect">
@@ -4106,152 +4073,6 @@
           </a:prstGeom>
         </p:spPr>
       </p:pic>
-      <p:cxnSp>
-        <p:nvCxnSpPr>
-          <p:cNvPr id="9" name="직선 화살표 연결선 8">
-            <a:extLst>
-              <a:ext uri="{FF2B5EF4-FFF2-40B4-BE49-F238E27FC236}">
-                <a16:creationId xmlns:a16="http://schemas.microsoft.com/office/drawing/2014/main" id="{FD658085-FF39-4FA8-93C2-EC43B389745C}"/>
-              </a:ext>
-            </a:extLst>
-          </p:cNvPr>
-          <p:cNvCxnSpPr/>
-          <p:nvPr/>
-        </p:nvCxnSpPr>
-        <p:spPr>
-          <a:xfrm flipH="1">
-            <a:off x="4796298" y="840444"/>
-            <a:ext cx="809537" cy="343872"/>
-          </a:xfrm>
-          <a:prstGeom prst="straightConnector1">
-            <a:avLst/>
-          </a:prstGeom>
-          <a:ln>
-            <a:tailEnd type="triangle"/>
-          </a:ln>
-        </p:spPr>
-        <p:style>
-          <a:lnRef idx="3">
-            <a:schemeClr val="dk1"/>
-          </a:lnRef>
-          <a:fillRef idx="0">
-            <a:schemeClr val="dk1"/>
-          </a:fillRef>
-          <a:effectRef idx="2">
-            <a:schemeClr val="dk1"/>
-          </a:effectRef>
-          <a:fontRef idx="minor">
-            <a:schemeClr val="tx1"/>
-          </a:fontRef>
-        </p:style>
-      </p:cxnSp>
-      <p:cxnSp>
-        <p:nvCxnSpPr>
-          <p:cNvPr id="10" name="직선 연결선 9">
-            <a:extLst>
-              <a:ext uri="{FF2B5EF4-FFF2-40B4-BE49-F238E27FC236}">
-                <a16:creationId xmlns:a16="http://schemas.microsoft.com/office/drawing/2014/main" id="{26736905-1FB0-4497-AACC-5D2E5DA59501}"/>
-              </a:ext>
-            </a:extLst>
-          </p:cNvPr>
-          <p:cNvCxnSpPr/>
-          <p:nvPr/>
-        </p:nvCxnSpPr>
-        <p:spPr>
-          <a:xfrm>
-            <a:off x="6633317" y="2740900"/>
-            <a:ext cx="1887523" cy="0"/>
-          </a:xfrm>
-          <a:prstGeom prst="line">
-            <a:avLst/>
-          </a:prstGeom>
-        </p:spPr>
-        <p:style>
-          <a:lnRef idx="1">
-            <a:schemeClr val="accent1"/>
-          </a:lnRef>
-          <a:fillRef idx="0">
-            <a:schemeClr val="accent1"/>
-          </a:fillRef>
-          <a:effectRef idx="0">
-            <a:schemeClr val="accent1"/>
-          </a:effectRef>
-          <a:fontRef idx="minor">
-            <a:schemeClr val="tx1"/>
-          </a:fontRef>
-        </p:style>
-      </p:cxnSp>
-      <p:pic>
-        <p:nvPicPr>
-          <p:cNvPr id="11" name="그림 10">
-            <a:extLst>
-              <a:ext uri="{FF2B5EF4-FFF2-40B4-BE49-F238E27FC236}">
-                <a16:creationId xmlns:a16="http://schemas.microsoft.com/office/drawing/2014/main" id="{DB53B90F-BF94-4FCF-886E-133528CF65F8}"/>
-              </a:ext>
-            </a:extLst>
-          </p:cNvPr>
-          <p:cNvPicPr>
-            <a:picLocks noChangeAspect="1"/>
-          </p:cNvPicPr>
-          <p:nvPr/>
-        </p:nvPicPr>
-        <p:blipFill>
-          <a:blip r:embed="rId5"/>
-          <a:stretch>
-            <a:fillRect/>
-          </a:stretch>
-        </p:blipFill>
-        <p:spPr>
-          <a:xfrm>
-            <a:off x="3673234" y="3351932"/>
-            <a:ext cx="690544" cy="281258"/>
-          </a:xfrm>
-          <a:prstGeom prst="rect">
-            <a:avLst/>
-          </a:prstGeom>
-        </p:spPr>
-      </p:pic>
-      <p:cxnSp>
-        <p:nvCxnSpPr>
-          <p:cNvPr id="12" name="직선 화살표 연결선 11">
-            <a:extLst>
-              <a:ext uri="{FF2B5EF4-FFF2-40B4-BE49-F238E27FC236}">
-                <a16:creationId xmlns:a16="http://schemas.microsoft.com/office/drawing/2014/main" id="{CCFC61B1-1869-4FD1-80D3-EC8F5AB0D2AF}"/>
-              </a:ext>
-            </a:extLst>
-          </p:cNvPr>
-          <p:cNvCxnSpPr>
-            <a:cxnSpLocks/>
-          </p:cNvCxnSpPr>
-          <p:nvPr/>
-        </p:nvCxnSpPr>
-        <p:spPr>
-          <a:xfrm>
-            <a:off x="5881712" y="2917450"/>
-            <a:ext cx="490773" cy="382010"/>
-          </a:xfrm>
-          <a:prstGeom prst="straightConnector1">
-            <a:avLst/>
-          </a:prstGeom>
-          <a:ln>
-            <a:tailEnd type="triangle"/>
-          </a:ln>
-        </p:spPr>
-        <p:style>
-          <a:lnRef idx="3">
-            <a:schemeClr val="dk1"/>
-          </a:lnRef>
-          <a:fillRef idx="0">
-            <a:schemeClr val="dk1"/>
-          </a:fillRef>
-          <a:effectRef idx="2">
-            <a:schemeClr val="dk1"/>
-          </a:effectRef>
-          <a:fontRef idx="minor">
-            <a:schemeClr val="tx1"/>
-          </a:fontRef>
-        </p:style>
-      </p:cxnSp>
       <mc:AlternateContent xmlns:mc="http://schemas.openxmlformats.org/markup-compatibility/2006">
         <mc:Choice xmlns:a14="http://schemas.microsoft.com/office/drawing/2010/main" Requires="a14">
           <p:sp>
@@ -4268,8 +4089,8 @@
             </p:nvSpPr>
             <p:spPr>
               <a:xfrm>
-                <a:off x="1188753" y="5005721"/>
-                <a:ext cx="5546582" cy="276999"/>
+                <a:off x="1022351" y="3512275"/>
+                <a:ext cx="5689891" cy="276999"/>
               </a:xfrm>
               <a:prstGeom prst="rect">
                 <a:avLst/>
@@ -4282,6 +4103,7 @@
               </a:bodyPr>
               <a:lstStyle/>
               <a:p>
+                <a:pPr/>
                 <a14:m>
                   <m:oMathPara xmlns:m="http://schemas.openxmlformats.org/officeDocument/2006/math">
                     <m:oMathParaPr>
@@ -4335,8 +4157,20 @@
                               </m:r>
                             </m:sub>
                           </m:sSub>
+                          <m:r>
+                            <a:rPr lang="en-US" altLang="ko-KR" b="0" i="1" smtClean="0">
+                              <a:latin typeface="Cambria Math" panose="02040503050406030204" pitchFamily="18" charset="0"/>
+                            </a:rPr>
+                            <m:t> </m:t>
+                          </m:r>
                         </m:e>
                       </m:d>
+                      <m:r>
+                        <a:rPr lang="en-US" altLang="ko-KR" b="0" i="1" smtClean="0">
+                          <a:latin typeface="Cambria Math" panose="02040503050406030204" pitchFamily="18" charset="0"/>
+                        </a:rPr>
+                        <m:t> </m:t>
+                      </m:r>
                       <m:r>
                         <a:rPr lang="en-US" altLang="ko-KR" b="0" i="1" smtClean="0">
                           <a:latin typeface="Cambria Math" panose="02040503050406030204" pitchFamily="18" charset="0"/>
@@ -4499,7 +4333,7 @@
                             <a:rPr lang="en-US" altLang="ko-KR" i="1">
                               <a:latin typeface="Cambria Math" panose="02040503050406030204" pitchFamily="18" charset="0"/>
                             </a:rPr>
-                            <m:t>11:</m:t>
+                            <m:t>1:</m:t>
                           </m:r>
                           <m:r>
                             <a:rPr lang="en-US" altLang="ko-KR" i="1">
@@ -4605,6 +4439,12 @@
                             </a:rPr>
                             <m:t>𝑡</m:t>
                           </m:r>
+                          <m:r>
+                            <a:rPr lang="en-US" altLang="ko-KR" b="0" i="1" smtClean="0">
+                              <a:latin typeface="Cambria Math" panose="02040503050406030204" pitchFamily="18" charset="0"/>
+                            </a:rPr>
+                            <m:t>−1</m:t>
+                          </m:r>
                         </m:sub>
                       </m:sSub>
                       <m:r>
@@ -4638,16 +4478,16 @@
             </p:nvSpPr>
             <p:spPr>
               <a:xfrm>
-                <a:off x="1188753" y="5005721"/>
-                <a:ext cx="5546582" cy="276999"/>
+                <a:off x="1022351" y="3512275"/>
+                <a:ext cx="5689891" cy="276999"/>
               </a:xfrm>
               <a:prstGeom prst="rect">
                 <a:avLst/>
               </a:prstGeom>
               <a:blipFill>
-                <a:blip r:embed="rId6"/>
+                <a:blip r:embed="rId5"/>
                 <a:stretch>
-                  <a:fillRect r="-110" b="-36957"/>
+                  <a:fillRect l="-322" r="-857" b="-36957"/>
                 </a:stretch>
               </a:blipFill>
             </p:spPr>
@@ -4670,6 +4510,972 @@
     <p:extLst>
       <p:ext uri="{BB962C8B-B14F-4D97-AF65-F5344CB8AC3E}">
         <p14:creationId xmlns:p14="http://schemas.microsoft.com/office/powerpoint/2010/main" val="1944233123"/>
+      </p:ext>
+    </p:extLst>
+  </p:cSld>
+  <p:clrMapOvr>
+    <a:masterClrMapping/>
+  </p:clrMapOvr>
+</p:sld>
+</file>
+
+<file path=ppt/slides/slide11.xml><?xml version="1.0" encoding="utf-8"?>
+<p:sld xmlns:a="http://schemas.openxmlformats.org/drawingml/2006/main" xmlns:r="http://schemas.openxmlformats.org/officeDocument/2006/relationships" xmlns:p="http://schemas.openxmlformats.org/presentationml/2006/main">
+  <p:cSld>
+    <p:spTree>
+      <p:nvGrpSpPr>
+        <p:cNvPr id="1" name=""/>
+        <p:cNvGrpSpPr/>
+        <p:nvPr/>
+      </p:nvGrpSpPr>
+      <p:grpSpPr>
+        <a:xfrm>
+          <a:off x="0" y="0"/>
+          <a:ext cx="0" cy="0"/>
+          <a:chOff x="0" y="0"/>
+          <a:chExt cx="0" cy="0"/>
+        </a:xfrm>
+      </p:grpSpPr>
+      <p:sp>
+        <p:nvSpPr>
+          <p:cNvPr id="2" name="제목 1">
+            <a:extLst>
+              <a:ext uri="{FF2B5EF4-FFF2-40B4-BE49-F238E27FC236}">
+                <a16:creationId xmlns:a16="http://schemas.microsoft.com/office/drawing/2014/main" id="{115F9C8D-8CF9-4382-96B0-BFE6AD15066B}"/>
+              </a:ext>
+            </a:extLst>
+          </p:cNvPr>
+          <p:cNvSpPr>
+            <a:spLocks noGrp="1"/>
+          </p:cNvSpPr>
+          <p:nvPr>
+            <p:ph type="ctrTitle"/>
+          </p:nvPr>
+        </p:nvSpPr>
+        <p:spPr/>
+        <p:txBody>
+          <a:bodyPr/>
+          <a:lstStyle/>
+          <a:p>
+            <a:endParaRPr lang="ko-KR" altLang="en-US"/>
+          </a:p>
+        </p:txBody>
+      </p:sp>
+      <p:sp>
+        <p:nvSpPr>
+          <p:cNvPr id="3" name="부제목 2">
+            <a:extLst>
+              <a:ext uri="{FF2B5EF4-FFF2-40B4-BE49-F238E27FC236}">
+                <a16:creationId xmlns:a16="http://schemas.microsoft.com/office/drawing/2014/main" id="{59920463-36B7-45FA-8D34-A19AEB5EA82B}"/>
+              </a:ext>
+            </a:extLst>
+          </p:cNvPr>
+          <p:cNvSpPr>
+            <a:spLocks noGrp="1"/>
+          </p:cNvSpPr>
+          <p:nvPr>
+            <p:ph type="subTitle" idx="1"/>
+          </p:nvPr>
+        </p:nvSpPr>
+        <p:spPr/>
+        <p:txBody>
+          <a:bodyPr/>
+          <a:lstStyle/>
+          <a:p>
+            <a:endParaRPr lang="ko-KR" altLang="en-US"/>
+          </a:p>
+        </p:txBody>
+      </p:sp>
+      <p:sp>
+        <p:nvSpPr>
+          <p:cNvPr id="4" name="슬라이드 번호 개체 틀 3">
+            <a:extLst>
+              <a:ext uri="{FF2B5EF4-FFF2-40B4-BE49-F238E27FC236}">
+                <a16:creationId xmlns:a16="http://schemas.microsoft.com/office/drawing/2014/main" id="{E9591F22-9AAF-4F42-90E6-F5D14B50E672}"/>
+              </a:ext>
+            </a:extLst>
+          </p:cNvPr>
+          <p:cNvSpPr>
+            <a:spLocks noGrp="1"/>
+          </p:cNvSpPr>
+          <p:nvPr>
+            <p:ph type="sldNum" sz="quarter" idx="10"/>
+          </p:nvPr>
+        </p:nvSpPr>
+        <p:spPr/>
+        <p:txBody>
+          <a:bodyPr/>
+          <a:lstStyle/>
+          <a:p>
+            <a:pPr>
+              <a:defRPr/>
+            </a:pPr>
+            <a:fld id="{13527AB9-6298-44FA-9E1C-7B66247BD5AA}" type="slidenum">
+              <a:rPr lang="ko-KR" altLang="en-US" smtClean="0">
+                <a:solidFill>
+                  <a:prstClr val="black"/>
+                </a:solidFill>
+              </a:rPr>
+              <a:pPr>
+                <a:defRPr/>
+              </a:pPr>
+              <a:t>11</a:t>
+            </a:fld>
+            <a:endParaRPr lang="ko-KR" altLang="en-US" dirty="0">
+              <a:solidFill>
+                <a:prstClr val="black"/>
+              </a:solidFill>
+            </a:endParaRPr>
+          </a:p>
+        </p:txBody>
+      </p:sp>
+      <p:grpSp>
+        <p:nvGrpSpPr>
+          <p:cNvPr id="12" name="그룹 11">
+            <a:extLst>
+              <a:ext uri="{FF2B5EF4-FFF2-40B4-BE49-F238E27FC236}">
+                <a16:creationId xmlns:a16="http://schemas.microsoft.com/office/drawing/2014/main" id="{704DF426-5E7B-4B64-B162-CBD1F39E555C}"/>
+              </a:ext>
+            </a:extLst>
+          </p:cNvPr>
+          <p:cNvGrpSpPr/>
+          <p:nvPr/>
+        </p:nvGrpSpPr>
+        <p:grpSpPr>
+          <a:xfrm>
+            <a:off x="814670" y="1916902"/>
+            <a:ext cx="7289350" cy="3315220"/>
+            <a:chOff x="814670" y="1916902"/>
+            <a:chExt cx="7289350" cy="3315220"/>
+          </a:xfrm>
+        </p:grpSpPr>
+        <p:pic>
+          <p:nvPicPr>
+            <p:cNvPr id="5" name="그림 4">
+              <a:extLst>
+                <a:ext uri="{FF2B5EF4-FFF2-40B4-BE49-F238E27FC236}">
+                  <a16:creationId xmlns:a16="http://schemas.microsoft.com/office/drawing/2014/main" id="{DA2DC9AB-0B94-4F61-8413-5B5CDC079A8A}"/>
+                </a:ext>
+              </a:extLst>
+            </p:cNvPr>
+            <p:cNvPicPr>
+              <a:picLocks noChangeAspect="1"/>
+            </p:cNvPicPr>
+            <p:nvPr/>
+          </p:nvPicPr>
+          <p:blipFill>
+            <a:blip r:embed="rId2"/>
+            <a:stretch>
+              <a:fillRect/>
+            </a:stretch>
+          </p:blipFill>
+          <p:spPr>
+            <a:xfrm>
+              <a:off x="814670" y="2924180"/>
+              <a:ext cx="7289350" cy="2307942"/>
+            </a:xfrm>
+            <a:prstGeom prst="rect">
+              <a:avLst/>
+            </a:prstGeom>
+          </p:spPr>
+        </p:pic>
+        <p:sp>
+          <p:nvSpPr>
+            <p:cNvPr id="6" name="직사각형 5">
+              <a:extLst>
+                <a:ext uri="{FF2B5EF4-FFF2-40B4-BE49-F238E27FC236}">
+                  <a16:creationId xmlns:a16="http://schemas.microsoft.com/office/drawing/2014/main" id="{5E4F6A58-F857-4FAB-B1DF-F0DE6BADEDBE}"/>
+                </a:ext>
+              </a:extLst>
+            </p:cNvPr>
+            <p:cNvSpPr/>
+            <p:nvPr/>
+          </p:nvSpPr>
+          <p:spPr>
+            <a:xfrm>
+              <a:off x="2171171" y="3729317"/>
+              <a:ext cx="3663144" cy="367553"/>
+            </a:xfrm>
+            <a:prstGeom prst="rect">
+              <a:avLst/>
+            </a:prstGeom>
+            <a:solidFill>
+              <a:schemeClr val="accent1">
+                <a:alpha val="30000"/>
+              </a:schemeClr>
+            </a:solidFill>
+            <a:ln>
+              <a:solidFill>
+                <a:srgbClr val="0000FF"/>
+              </a:solidFill>
+            </a:ln>
+          </p:spPr>
+          <p:style>
+            <a:lnRef idx="2">
+              <a:schemeClr val="accent1">
+                <a:shade val="50000"/>
+              </a:schemeClr>
+            </a:lnRef>
+            <a:fillRef idx="1">
+              <a:schemeClr val="accent1"/>
+            </a:fillRef>
+            <a:effectRef idx="0">
+              <a:schemeClr val="accent1"/>
+            </a:effectRef>
+            <a:fontRef idx="minor">
+              <a:schemeClr val="lt1"/>
+            </a:fontRef>
+          </p:style>
+          <p:txBody>
+            <a:bodyPr rtlCol="0" anchor="ctr"/>
+            <a:lstStyle/>
+            <a:p>
+              <a:pPr algn="ctr"/>
+              <a:endParaRPr lang="ko-KR" altLang="en-US"/>
+            </a:p>
+          </p:txBody>
+        </p:sp>
+        <p:pic>
+          <p:nvPicPr>
+            <p:cNvPr id="7" name="그림 6">
+              <a:extLst>
+                <a:ext uri="{FF2B5EF4-FFF2-40B4-BE49-F238E27FC236}">
+                  <a16:creationId xmlns:a16="http://schemas.microsoft.com/office/drawing/2014/main" id="{3CAB6841-6E94-4B6F-B61C-8604A4C47967}"/>
+                </a:ext>
+              </a:extLst>
+            </p:cNvPr>
+            <p:cNvPicPr>
+              <a:picLocks noChangeAspect="1"/>
+            </p:cNvPicPr>
+            <p:nvPr/>
+          </p:nvPicPr>
+          <p:blipFill>
+            <a:blip r:embed="rId3"/>
+            <a:stretch>
+              <a:fillRect/>
+            </a:stretch>
+          </p:blipFill>
+          <p:spPr>
+            <a:xfrm>
+              <a:off x="814670" y="1916902"/>
+              <a:ext cx="5717362" cy="1007278"/>
+            </a:xfrm>
+            <a:prstGeom prst="rect">
+              <a:avLst/>
+            </a:prstGeom>
+          </p:spPr>
+        </p:pic>
+        <p:cxnSp>
+          <p:nvCxnSpPr>
+            <p:cNvPr id="9" name="직선 연결선 8">
+              <a:extLst>
+                <a:ext uri="{FF2B5EF4-FFF2-40B4-BE49-F238E27FC236}">
+                  <a16:creationId xmlns:a16="http://schemas.microsoft.com/office/drawing/2014/main" id="{2F73B2BC-2B89-4E0F-A30D-8C4D7BB91E53}"/>
+                </a:ext>
+              </a:extLst>
+            </p:cNvPr>
+            <p:cNvCxnSpPr/>
+            <p:nvPr/>
+          </p:nvCxnSpPr>
+          <p:spPr>
+            <a:xfrm>
+              <a:off x="1972235" y="2814917"/>
+              <a:ext cx="4559797" cy="0"/>
+            </a:xfrm>
+            <a:prstGeom prst="line">
+              <a:avLst/>
+            </a:prstGeom>
+            <a:ln w="28575">
+              <a:solidFill>
+                <a:srgbClr val="FF0000"/>
+              </a:solidFill>
+            </a:ln>
+          </p:spPr>
+          <p:style>
+            <a:lnRef idx="1">
+              <a:schemeClr val="accent1"/>
+            </a:lnRef>
+            <a:fillRef idx="0">
+              <a:schemeClr val="accent1"/>
+            </a:fillRef>
+            <a:effectRef idx="0">
+              <a:schemeClr val="accent1"/>
+            </a:effectRef>
+            <a:fontRef idx="minor">
+              <a:schemeClr val="tx1"/>
+            </a:fontRef>
+          </p:style>
+        </p:cxnSp>
+        <p:cxnSp>
+          <p:nvCxnSpPr>
+            <p:cNvPr id="11" name="직선 화살표 연결선 10">
+              <a:extLst>
+                <a:ext uri="{FF2B5EF4-FFF2-40B4-BE49-F238E27FC236}">
+                  <a16:creationId xmlns:a16="http://schemas.microsoft.com/office/drawing/2014/main" id="{88F15FC9-A7AF-4EA2-AF11-ECB3A2FD64E4}"/>
+                </a:ext>
+              </a:extLst>
+            </p:cNvPr>
+            <p:cNvCxnSpPr/>
+            <p:nvPr/>
+          </p:nvCxnSpPr>
+          <p:spPr>
+            <a:xfrm>
+              <a:off x="4114800" y="2814917"/>
+              <a:ext cx="0" cy="914400"/>
+            </a:xfrm>
+            <a:prstGeom prst="straightConnector1">
+              <a:avLst/>
+            </a:prstGeom>
+            <a:ln w="38100">
+              <a:tailEnd type="triangle"/>
+            </a:ln>
+          </p:spPr>
+          <p:style>
+            <a:lnRef idx="1">
+              <a:schemeClr val="dk1"/>
+            </a:lnRef>
+            <a:fillRef idx="0">
+              <a:schemeClr val="dk1"/>
+            </a:fillRef>
+            <a:effectRef idx="0">
+              <a:schemeClr val="dk1"/>
+            </a:effectRef>
+            <a:fontRef idx="minor">
+              <a:schemeClr val="tx1"/>
+            </a:fontRef>
+          </p:style>
+        </p:cxnSp>
+      </p:grpSp>
+    </p:spTree>
+    <p:extLst>
+      <p:ext uri="{BB962C8B-B14F-4D97-AF65-F5344CB8AC3E}">
+        <p14:creationId xmlns:p14="http://schemas.microsoft.com/office/powerpoint/2010/main" val="4221948727"/>
+      </p:ext>
+    </p:extLst>
+  </p:cSld>
+  <p:clrMapOvr>
+    <a:masterClrMapping/>
+  </p:clrMapOvr>
+</p:sld>
+</file>
+
+<file path=ppt/slides/slide12.xml><?xml version="1.0" encoding="utf-8"?>
+<p:sld xmlns:a="http://schemas.openxmlformats.org/drawingml/2006/main" xmlns:r="http://schemas.openxmlformats.org/officeDocument/2006/relationships" xmlns:p="http://schemas.openxmlformats.org/presentationml/2006/main">
+  <p:cSld>
+    <p:spTree>
+      <p:nvGrpSpPr>
+        <p:cNvPr id="1" name=""/>
+        <p:cNvGrpSpPr/>
+        <p:nvPr/>
+      </p:nvGrpSpPr>
+      <p:grpSpPr>
+        <a:xfrm>
+          <a:off x="0" y="0"/>
+          <a:ext cx="0" cy="0"/>
+          <a:chOff x="0" y="0"/>
+          <a:chExt cx="0" cy="0"/>
+        </a:xfrm>
+      </p:grpSpPr>
+      <p:sp>
+        <p:nvSpPr>
+          <p:cNvPr id="2" name="제목 1">
+            <a:extLst>
+              <a:ext uri="{FF2B5EF4-FFF2-40B4-BE49-F238E27FC236}">
+                <a16:creationId xmlns:a16="http://schemas.microsoft.com/office/drawing/2014/main" id="{03D624AB-1134-4DDA-9E24-B80568F5CF6E}"/>
+              </a:ext>
+            </a:extLst>
+          </p:cNvPr>
+          <p:cNvSpPr>
+            <a:spLocks noGrp="1"/>
+          </p:cNvSpPr>
+          <p:nvPr>
+            <p:ph type="ctrTitle"/>
+          </p:nvPr>
+        </p:nvSpPr>
+        <p:spPr/>
+        <p:txBody>
+          <a:bodyPr/>
+          <a:lstStyle/>
+          <a:p>
+            <a:endParaRPr lang="ko-KR" altLang="en-US"/>
+          </a:p>
+        </p:txBody>
+      </p:sp>
+      <p:sp>
+        <p:nvSpPr>
+          <p:cNvPr id="3" name="부제목 2">
+            <a:extLst>
+              <a:ext uri="{FF2B5EF4-FFF2-40B4-BE49-F238E27FC236}">
+                <a16:creationId xmlns:a16="http://schemas.microsoft.com/office/drawing/2014/main" id="{DBFEC2B7-0326-41E8-A09C-08020D594B0A}"/>
+              </a:ext>
+            </a:extLst>
+          </p:cNvPr>
+          <p:cNvSpPr>
+            <a:spLocks noGrp="1"/>
+          </p:cNvSpPr>
+          <p:nvPr>
+            <p:ph type="subTitle" idx="1"/>
+          </p:nvPr>
+        </p:nvSpPr>
+        <p:spPr/>
+        <p:txBody>
+          <a:bodyPr/>
+          <a:lstStyle/>
+          <a:p>
+            <a:endParaRPr lang="ko-KR" altLang="en-US"/>
+          </a:p>
+        </p:txBody>
+      </p:sp>
+      <p:sp>
+        <p:nvSpPr>
+          <p:cNvPr id="4" name="슬라이드 번호 개체 틀 3">
+            <a:extLst>
+              <a:ext uri="{FF2B5EF4-FFF2-40B4-BE49-F238E27FC236}">
+                <a16:creationId xmlns:a16="http://schemas.microsoft.com/office/drawing/2014/main" id="{B271D5FE-193D-4DF3-A317-3B3F6E534EDB}"/>
+              </a:ext>
+            </a:extLst>
+          </p:cNvPr>
+          <p:cNvSpPr>
+            <a:spLocks noGrp="1"/>
+          </p:cNvSpPr>
+          <p:nvPr>
+            <p:ph type="sldNum" sz="quarter" idx="10"/>
+          </p:nvPr>
+        </p:nvSpPr>
+        <p:spPr/>
+        <p:txBody>
+          <a:bodyPr/>
+          <a:lstStyle/>
+          <a:p>
+            <a:pPr>
+              <a:defRPr/>
+            </a:pPr>
+            <a:fld id="{13527AB9-6298-44FA-9E1C-7B66247BD5AA}" type="slidenum">
+              <a:rPr lang="ko-KR" altLang="en-US" smtClean="0">
+                <a:solidFill>
+                  <a:prstClr val="black"/>
+                </a:solidFill>
+              </a:rPr>
+              <a:pPr>
+                <a:defRPr/>
+              </a:pPr>
+              <a:t>12</a:t>
+            </a:fld>
+            <a:endParaRPr lang="ko-KR" altLang="en-US" dirty="0">
+              <a:solidFill>
+                <a:prstClr val="black"/>
+              </a:solidFill>
+            </a:endParaRPr>
+          </a:p>
+        </p:txBody>
+      </p:sp>
+      <p:pic>
+        <p:nvPicPr>
+          <p:cNvPr id="6" name="그림 5">
+            <a:extLst>
+              <a:ext uri="{FF2B5EF4-FFF2-40B4-BE49-F238E27FC236}">
+                <a16:creationId xmlns:a16="http://schemas.microsoft.com/office/drawing/2014/main" id="{01FF3083-8CF3-4333-9069-AB17BC8022C1}"/>
+              </a:ext>
+            </a:extLst>
+          </p:cNvPr>
+          <p:cNvPicPr>
+            <a:picLocks noChangeAspect="1"/>
+          </p:cNvPicPr>
+          <p:nvPr/>
+        </p:nvPicPr>
+        <p:blipFill>
+          <a:blip r:embed="rId2"/>
+          <a:stretch>
+            <a:fillRect/>
+          </a:stretch>
+        </p:blipFill>
+        <p:spPr>
+          <a:xfrm>
+            <a:off x="5648932" y="1041735"/>
+            <a:ext cx="4095703" cy="873973"/>
+          </a:xfrm>
+          <a:prstGeom prst="rect">
+            <a:avLst/>
+          </a:prstGeom>
+          <a:ln w="12700">
+            <a:noFill/>
+          </a:ln>
+        </p:spPr>
+      </p:pic>
+      <p:pic>
+        <p:nvPicPr>
+          <p:cNvPr id="7" name="그림 6">
+            <a:extLst>
+              <a:ext uri="{FF2B5EF4-FFF2-40B4-BE49-F238E27FC236}">
+                <a16:creationId xmlns:a16="http://schemas.microsoft.com/office/drawing/2014/main" id="{9DA2DB7B-EE6C-4C62-820E-DA628C5ADC87}"/>
+              </a:ext>
+            </a:extLst>
+          </p:cNvPr>
+          <p:cNvPicPr>
+            <a:picLocks noChangeAspect="1"/>
+          </p:cNvPicPr>
+          <p:nvPr/>
+        </p:nvPicPr>
+        <p:blipFill>
+          <a:blip r:embed="rId3"/>
+          <a:stretch>
+            <a:fillRect/>
+          </a:stretch>
+        </p:blipFill>
+        <p:spPr>
+          <a:xfrm>
+            <a:off x="5648932" y="4180412"/>
+            <a:ext cx="3066564" cy="297200"/>
+          </a:xfrm>
+          <a:prstGeom prst="rect">
+            <a:avLst/>
+          </a:prstGeom>
+          <a:ln w="12700">
+            <a:noFill/>
+          </a:ln>
+        </p:spPr>
+      </p:pic>
+      <p:grpSp>
+        <p:nvGrpSpPr>
+          <p:cNvPr id="14" name="그룹 13">
+            <a:extLst>
+              <a:ext uri="{FF2B5EF4-FFF2-40B4-BE49-F238E27FC236}">
+                <a16:creationId xmlns:a16="http://schemas.microsoft.com/office/drawing/2014/main" id="{F1DA615B-1622-4D84-9F79-4A842C0B2B65}"/>
+              </a:ext>
+            </a:extLst>
+          </p:cNvPr>
+          <p:cNvGrpSpPr/>
+          <p:nvPr/>
+        </p:nvGrpSpPr>
+        <p:grpSpPr>
+          <a:xfrm>
+            <a:off x="454918" y="1845540"/>
+            <a:ext cx="5793173" cy="1458290"/>
+            <a:chOff x="546082" y="1989585"/>
+            <a:chExt cx="5793173" cy="1458290"/>
+          </a:xfrm>
+        </p:grpSpPr>
+        <p:pic>
+          <p:nvPicPr>
+            <p:cNvPr id="5" name="그림 4">
+              <a:extLst>
+                <a:ext uri="{FF2B5EF4-FFF2-40B4-BE49-F238E27FC236}">
+                  <a16:creationId xmlns:a16="http://schemas.microsoft.com/office/drawing/2014/main" id="{65B3DD14-89F4-4C9B-9BF1-105CC03F22E6}"/>
+                </a:ext>
+              </a:extLst>
+            </p:cNvPr>
+            <p:cNvPicPr>
+              <a:picLocks noChangeAspect="1"/>
+            </p:cNvPicPr>
+            <p:nvPr/>
+          </p:nvPicPr>
+          <p:blipFill>
+            <a:blip r:embed="rId4"/>
+            <a:stretch>
+              <a:fillRect/>
+            </a:stretch>
+          </p:blipFill>
+          <p:spPr>
+            <a:xfrm>
+              <a:off x="546082" y="1989585"/>
+              <a:ext cx="5793173" cy="982917"/>
+            </a:xfrm>
+            <a:prstGeom prst="rect">
+              <a:avLst/>
+            </a:prstGeom>
+          </p:spPr>
+        </p:pic>
+        <p:pic>
+          <p:nvPicPr>
+            <p:cNvPr id="8" name="그림 7">
+              <a:extLst>
+                <a:ext uri="{FF2B5EF4-FFF2-40B4-BE49-F238E27FC236}">
+                  <a16:creationId xmlns:a16="http://schemas.microsoft.com/office/drawing/2014/main" id="{8A4FAB8B-0EE2-4CB6-89AA-DF6B81B816EF}"/>
+                </a:ext>
+              </a:extLst>
+            </p:cNvPr>
+            <p:cNvPicPr>
+              <a:picLocks noChangeAspect="1"/>
+            </p:cNvPicPr>
+            <p:nvPr/>
+          </p:nvPicPr>
+          <p:blipFill rotWithShape="1">
+            <a:blip r:embed="rId5"/>
+            <a:srcRect l="32470" t="-2646"/>
+            <a:stretch/>
+          </p:blipFill>
+          <p:spPr>
+            <a:xfrm>
+              <a:off x="2206304" y="3087148"/>
+              <a:ext cx="3176461" cy="360727"/>
+            </a:xfrm>
+            <a:prstGeom prst="rect">
+              <a:avLst/>
+            </a:prstGeom>
+          </p:spPr>
+        </p:pic>
+      </p:grpSp>
+      <p:pic>
+        <p:nvPicPr>
+          <p:cNvPr id="9" name="그림 8">
+            <a:extLst>
+              <a:ext uri="{FF2B5EF4-FFF2-40B4-BE49-F238E27FC236}">
+                <a16:creationId xmlns:a16="http://schemas.microsoft.com/office/drawing/2014/main" id="{8CBE899A-340D-40FC-998E-267C76E808AD}"/>
+              </a:ext>
+            </a:extLst>
+          </p:cNvPr>
+          <p:cNvPicPr>
+            <a:picLocks noChangeAspect="1"/>
+          </p:cNvPicPr>
+          <p:nvPr/>
+        </p:nvPicPr>
+        <p:blipFill>
+          <a:blip r:embed="rId6"/>
+          <a:stretch>
+            <a:fillRect/>
+          </a:stretch>
+        </p:blipFill>
+        <p:spPr>
+          <a:xfrm>
+            <a:off x="1329654" y="3808602"/>
+            <a:ext cx="3183623" cy="520410"/>
+          </a:xfrm>
+          <a:prstGeom prst="rect">
+            <a:avLst/>
+          </a:prstGeom>
+        </p:spPr>
+      </p:pic>
+    </p:spTree>
+    <p:extLst>
+      <p:ext uri="{BB962C8B-B14F-4D97-AF65-F5344CB8AC3E}">
+        <p14:creationId xmlns:p14="http://schemas.microsoft.com/office/powerpoint/2010/main" val="4283454955"/>
+      </p:ext>
+    </p:extLst>
+  </p:cSld>
+  <p:clrMapOvr>
+    <a:masterClrMapping/>
+  </p:clrMapOvr>
+</p:sld>
+</file>
+
+<file path=ppt/slides/slide13.xml><?xml version="1.0" encoding="utf-8"?>
+<p:sld xmlns:a="http://schemas.openxmlformats.org/drawingml/2006/main" xmlns:r="http://schemas.openxmlformats.org/officeDocument/2006/relationships" xmlns:p="http://schemas.openxmlformats.org/presentationml/2006/main">
+  <p:cSld>
+    <p:spTree>
+      <p:nvGrpSpPr>
+        <p:cNvPr id="1" name=""/>
+        <p:cNvGrpSpPr/>
+        <p:nvPr/>
+      </p:nvGrpSpPr>
+      <p:grpSpPr>
+        <a:xfrm>
+          <a:off x="0" y="0"/>
+          <a:ext cx="0" cy="0"/>
+          <a:chOff x="0" y="0"/>
+          <a:chExt cx="0" cy="0"/>
+        </a:xfrm>
+      </p:grpSpPr>
+      <p:pic>
+        <p:nvPicPr>
+          <p:cNvPr id="6" name="그림 5">
+            <a:extLst>
+              <a:ext uri="{FF2B5EF4-FFF2-40B4-BE49-F238E27FC236}">
+                <a16:creationId xmlns:a16="http://schemas.microsoft.com/office/drawing/2014/main" id="{6BC03AD4-FCC9-4FC7-B6FF-3C59F6223D60}"/>
+              </a:ext>
+            </a:extLst>
+          </p:cNvPr>
+          <p:cNvPicPr>
+            <a:picLocks noChangeAspect="1"/>
+          </p:cNvPicPr>
+          <p:nvPr/>
+        </p:nvPicPr>
+        <p:blipFill>
+          <a:blip r:embed="rId2"/>
+          <a:stretch>
+            <a:fillRect/>
+          </a:stretch>
+        </p:blipFill>
+        <p:spPr>
+          <a:xfrm>
+            <a:off x="1630458" y="3184156"/>
+            <a:ext cx="7289350" cy="2307942"/>
+          </a:xfrm>
+          <a:prstGeom prst="rect">
+            <a:avLst/>
+          </a:prstGeom>
+        </p:spPr>
+      </p:pic>
+      <p:sp>
+        <p:nvSpPr>
+          <p:cNvPr id="7" name="직사각형 6">
+            <a:extLst>
+              <a:ext uri="{FF2B5EF4-FFF2-40B4-BE49-F238E27FC236}">
+                <a16:creationId xmlns:a16="http://schemas.microsoft.com/office/drawing/2014/main" id="{0EB0C530-20AA-4181-B5BB-6C0A2B0E27C1}"/>
+              </a:ext>
+            </a:extLst>
+          </p:cNvPr>
+          <p:cNvSpPr/>
+          <p:nvPr/>
+        </p:nvSpPr>
+        <p:spPr>
+          <a:xfrm>
+            <a:off x="2986959" y="4282671"/>
+            <a:ext cx="2607010" cy="300755"/>
+          </a:xfrm>
+          <a:prstGeom prst="rect">
+            <a:avLst/>
+          </a:prstGeom>
+          <a:solidFill>
+            <a:schemeClr val="accent1">
+              <a:alpha val="30000"/>
+            </a:schemeClr>
+          </a:solidFill>
+          <a:ln>
+            <a:solidFill>
+              <a:srgbClr val="0000FF"/>
+            </a:solidFill>
+          </a:ln>
+        </p:spPr>
+        <p:style>
+          <a:lnRef idx="2">
+            <a:schemeClr val="accent1">
+              <a:shade val="50000"/>
+            </a:schemeClr>
+          </a:lnRef>
+          <a:fillRef idx="1">
+            <a:schemeClr val="accent1"/>
+          </a:fillRef>
+          <a:effectRef idx="0">
+            <a:schemeClr val="accent1"/>
+          </a:effectRef>
+          <a:fontRef idx="minor">
+            <a:schemeClr val="lt1"/>
+          </a:fontRef>
+        </p:style>
+        <p:txBody>
+          <a:bodyPr rtlCol="0" anchor="ctr"/>
+          <a:lstStyle/>
+          <a:p>
+            <a:pPr algn="ctr"/>
+            <a:r>
+              <a:rPr lang="en-US" altLang="ko-KR"/>
+              <a:t>`</a:t>
+            </a:r>
+            <a:endParaRPr lang="ko-KR" altLang="en-US"/>
+          </a:p>
+        </p:txBody>
+      </p:sp>
+      <p:sp>
+        <p:nvSpPr>
+          <p:cNvPr id="2" name="제목 1">
+            <a:extLst>
+              <a:ext uri="{FF2B5EF4-FFF2-40B4-BE49-F238E27FC236}">
+                <a16:creationId xmlns:a16="http://schemas.microsoft.com/office/drawing/2014/main" id="{DAFEBA1C-DD65-40A1-A49A-312ED345104C}"/>
+              </a:ext>
+            </a:extLst>
+          </p:cNvPr>
+          <p:cNvSpPr>
+            <a:spLocks noGrp="1"/>
+          </p:cNvSpPr>
+          <p:nvPr>
+            <p:ph type="ctrTitle"/>
+          </p:nvPr>
+        </p:nvSpPr>
+        <p:spPr/>
+        <p:txBody>
+          <a:bodyPr/>
+          <a:lstStyle/>
+          <a:p>
+            <a:endParaRPr lang="ko-KR" altLang="en-US"/>
+          </a:p>
+        </p:txBody>
+      </p:sp>
+      <p:sp>
+        <p:nvSpPr>
+          <p:cNvPr id="3" name="부제목 2">
+            <a:extLst>
+              <a:ext uri="{FF2B5EF4-FFF2-40B4-BE49-F238E27FC236}">
+                <a16:creationId xmlns:a16="http://schemas.microsoft.com/office/drawing/2014/main" id="{2A650100-209F-498B-B2A6-C4DAE5E02D14}"/>
+              </a:ext>
+            </a:extLst>
+          </p:cNvPr>
+          <p:cNvSpPr>
+            <a:spLocks noGrp="1"/>
+          </p:cNvSpPr>
+          <p:nvPr>
+            <p:ph type="subTitle" idx="1"/>
+          </p:nvPr>
+        </p:nvSpPr>
+        <p:spPr/>
+        <p:txBody>
+          <a:bodyPr/>
+          <a:lstStyle/>
+          <a:p>
+            <a:endParaRPr lang="ko-KR" altLang="en-US"/>
+          </a:p>
+        </p:txBody>
+      </p:sp>
+      <p:sp>
+        <p:nvSpPr>
+          <p:cNvPr id="4" name="슬라이드 번호 개체 틀 3">
+            <a:extLst>
+              <a:ext uri="{FF2B5EF4-FFF2-40B4-BE49-F238E27FC236}">
+                <a16:creationId xmlns:a16="http://schemas.microsoft.com/office/drawing/2014/main" id="{96EFAC31-88EA-40C4-9884-5E420D388176}"/>
+              </a:ext>
+            </a:extLst>
+          </p:cNvPr>
+          <p:cNvSpPr>
+            <a:spLocks noGrp="1"/>
+          </p:cNvSpPr>
+          <p:nvPr>
+            <p:ph type="sldNum" sz="quarter" idx="10"/>
+          </p:nvPr>
+        </p:nvSpPr>
+        <p:spPr/>
+        <p:txBody>
+          <a:bodyPr/>
+          <a:lstStyle/>
+          <a:p>
+            <a:pPr>
+              <a:defRPr/>
+            </a:pPr>
+            <a:fld id="{13527AB9-6298-44FA-9E1C-7B66247BD5AA}" type="slidenum">
+              <a:rPr lang="ko-KR" altLang="en-US" smtClean="0">
+                <a:solidFill>
+                  <a:prstClr val="black"/>
+                </a:solidFill>
+              </a:rPr>
+              <a:pPr>
+                <a:defRPr/>
+              </a:pPr>
+              <a:t>13</a:t>
+            </a:fld>
+            <a:endParaRPr lang="ko-KR" altLang="en-US" dirty="0">
+              <a:solidFill>
+                <a:prstClr val="black"/>
+              </a:solidFill>
+            </a:endParaRPr>
+          </a:p>
+        </p:txBody>
+      </p:sp>
+      <p:pic>
+        <p:nvPicPr>
+          <p:cNvPr id="11" name="그림 10">
+            <a:extLst>
+              <a:ext uri="{FF2B5EF4-FFF2-40B4-BE49-F238E27FC236}">
+                <a16:creationId xmlns:a16="http://schemas.microsoft.com/office/drawing/2014/main" id="{15D93949-3043-4C63-A4F6-EFAB15AA01A3}"/>
+              </a:ext>
+            </a:extLst>
+          </p:cNvPr>
+          <p:cNvPicPr>
+            <a:picLocks noChangeAspect="1"/>
+          </p:cNvPicPr>
+          <p:nvPr/>
+        </p:nvPicPr>
+        <p:blipFill>
+          <a:blip r:embed="rId3"/>
+          <a:stretch>
+            <a:fillRect/>
+          </a:stretch>
+        </p:blipFill>
+        <p:spPr>
+          <a:xfrm>
+            <a:off x="2788023" y="2517057"/>
+            <a:ext cx="3183623" cy="520410"/>
+          </a:xfrm>
+          <a:prstGeom prst="rect">
+            <a:avLst/>
+          </a:prstGeom>
+        </p:spPr>
+      </p:pic>
+      <p:cxnSp>
+        <p:nvCxnSpPr>
+          <p:cNvPr id="9" name="직선 연결선 8">
+            <a:extLst>
+              <a:ext uri="{FF2B5EF4-FFF2-40B4-BE49-F238E27FC236}">
+                <a16:creationId xmlns:a16="http://schemas.microsoft.com/office/drawing/2014/main" id="{47E43A2B-E037-476A-9D51-22198F10E94F}"/>
+              </a:ext>
+            </a:extLst>
+          </p:cNvPr>
+          <p:cNvCxnSpPr>
+            <a:cxnSpLocks/>
+          </p:cNvCxnSpPr>
+          <p:nvPr/>
+        </p:nvCxnSpPr>
+        <p:spPr>
+          <a:xfrm>
+            <a:off x="2788023" y="2958348"/>
+            <a:ext cx="3092824" cy="0"/>
+          </a:xfrm>
+          <a:prstGeom prst="line">
+            <a:avLst/>
+          </a:prstGeom>
+          <a:ln w="28575">
+            <a:solidFill>
+              <a:srgbClr val="FF0000"/>
+            </a:solidFill>
+          </a:ln>
+        </p:spPr>
+        <p:style>
+          <a:lnRef idx="1">
+            <a:schemeClr val="accent1"/>
+          </a:lnRef>
+          <a:fillRef idx="0">
+            <a:schemeClr val="accent1"/>
+          </a:fillRef>
+          <a:effectRef idx="0">
+            <a:schemeClr val="accent1"/>
+          </a:effectRef>
+          <a:fontRef idx="minor">
+            <a:schemeClr val="tx1"/>
+          </a:fontRef>
+        </p:style>
+      </p:cxnSp>
+      <p:cxnSp>
+        <p:nvCxnSpPr>
+          <p:cNvPr id="15" name="직선 화살표 연결선 14">
+            <a:extLst>
+              <a:ext uri="{FF2B5EF4-FFF2-40B4-BE49-F238E27FC236}">
+                <a16:creationId xmlns:a16="http://schemas.microsoft.com/office/drawing/2014/main" id="{92CE632E-FFD4-4699-9E2A-5273E89B9CC5}"/>
+              </a:ext>
+            </a:extLst>
+          </p:cNvPr>
+          <p:cNvCxnSpPr>
+            <a:cxnSpLocks/>
+          </p:cNvCxnSpPr>
+          <p:nvPr/>
+        </p:nvCxnSpPr>
+        <p:spPr>
+          <a:xfrm>
+            <a:off x="4890247" y="2958347"/>
+            <a:ext cx="0" cy="1255065"/>
+          </a:xfrm>
+          <a:prstGeom prst="straightConnector1">
+            <a:avLst/>
+          </a:prstGeom>
+          <a:ln w="38100">
+            <a:tailEnd type="triangle"/>
+          </a:ln>
+        </p:spPr>
+        <p:style>
+          <a:lnRef idx="1">
+            <a:schemeClr val="dk1"/>
+          </a:lnRef>
+          <a:fillRef idx="0">
+            <a:schemeClr val="dk1"/>
+          </a:fillRef>
+          <a:effectRef idx="0">
+            <a:schemeClr val="dk1"/>
+          </a:effectRef>
+          <a:fontRef idx="minor">
+            <a:schemeClr val="tx1"/>
+          </a:fontRef>
+        </p:style>
+      </p:cxnSp>
+    </p:spTree>
+    <p:extLst>
+      <p:ext uri="{BB962C8B-B14F-4D97-AF65-F5344CB8AC3E}">
+        <p14:creationId xmlns:p14="http://schemas.microsoft.com/office/powerpoint/2010/main" val="2355149053"/>
       </p:ext>
     </p:extLst>
   </p:cSld>

--- a/assets/img/autodrive/ose/bayes_filter/bayes_filter.pptx
+++ b/assets/img/autodrive/ose/bayes_filter/bayes_filter.pptx
@@ -18,6 +18,7 @@
     <p:sldId id="267" r:id="rId12"/>
     <p:sldId id="268" r:id="rId13"/>
     <p:sldId id="269" r:id="rId14"/>
+    <p:sldId id="270" r:id="rId15"/>
   </p:sldIdLst>
   <p:sldSz cx="9906000" cy="6858000" type="A4"/>
   <p:notesSz cx="6858000" cy="9144000"/>
@@ -1056,7 +1057,7 @@
               <a:pPr latinLnBrk="1">
                 <a:defRPr/>
               </a:pPr>
-              <a:t>2021-01-15</a:t>
+              <a:t>2021-01-16</a:t>
             </a:fld>
             <a:endParaRPr lang="ko-KR" altLang="en-US" dirty="0">
               <a:solidFill>
@@ -4073,8 +4074,8 @@
           </a:prstGeom>
         </p:spPr>
       </p:pic>
-      <mc:AlternateContent xmlns:mc="http://schemas.openxmlformats.org/markup-compatibility/2006">
-        <mc:Choice xmlns:a14="http://schemas.microsoft.com/office/drawing/2010/main" Requires="a14">
+      <mc:AlternateContent xmlns:mc="http://schemas.openxmlformats.org/markup-compatibility/2006" xmlns:a14="http://schemas.microsoft.com/office/drawing/2010/main">
+        <mc:Choice Requires="a14">
           <p:sp>
             <p:nvSpPr>
               <p:cNvPr id="15" name="TextBox 14">
@@ -4169,13 +4170,7 @@
                         <a:rPr lang="en-US" altLang="ko-KR" b="0" i="1" smtClean="0">
                           <a:latin typeface="Cambria Math" panose="02040503050406030204" pitchFamily="18" charset="0"/>
                         </a:rPr>
-                        <m:t> </m:t>
-                      </m:r>
-                      <m:r>
-                        <a:rPr lang="en-US" altLang="ko-KR" b="0" i="1" smtClean="0">
-                          <a:latin typeface="Cambria Math" panose="02040503050406030204" pitchFamily="18" charset="0"/>
-                        </a:rPr>
-                        <m:t> </m:t>
+                        <m:t>  </m:t>
                       </m:r>
                       <m:sSub>
                         <m:sSubPr>
@@ -4461,7 +4456,7 @@
             </p:txBody>
           </p:sp>
         </mc:Choice>
-        <mc:Fallback>
+        <mc:Fallback xmlns="">
           <p:sp>
             <p:nvSpPr>
               <p:cNvPr id="15" name="TextBox 14">
@@ -5483,6 +5478,10 @@
     <a:masterClrMapping/>
   </p:clrMapOvr>
 </p:sld>
+</file>
+
+<file path=ppt/slides/slide14.xml><?xml version="1.0" encoding="UTF-8" standalone="yes"?>
+<p:sld xmlns:a="http://schemas.openxmlformats.org/drawingml/2006/main" xmlns:r="http://schemas.openxmlformats.org/officeDocument/2006/relationships" xmlns:p="http://schemas.openxmlformats.org/presentationml/2006/main"><p:cSld><p:spTree><p:nvGrpSpPr><p:cNvPr id="1" name=""/><p:cNvGrpSpPr/><p:nvPr/></p:nvGrpSpPr><p:grpSpPr><a:xfrm><a:off x="0" y="0"/><a:ext cx="0" cy="0"/><a:chOff x="0" y="0"/><a:chExt cx="0" cy="0"/></a:xfrm></p:grpSpPr><p:sp><p:nvSpPr><p:cNvPr id="2" name="제목 1"><a:extLst><a:ext uri="{FF2B5EF4-FFF2-40B4-BE49-F238E27FC236}"><a16:creationId xmlns:a16="http://schemas.microsoft.com/office/drawing/2014/main" id="{A74340BA-49ED-4C3D-B56A-31FD13E721E9}"/></a:ext></a:extLst></p:cNvPr><p:cNvSpPr><a:spLocks noGrp="1"/></p:cNvSpPr><p:nvPr><p:ph type="ctrTitle"/></p:nvPr></p:nvSpPr><p:spPr/><p:txBody><a:bodyPr/><a:lstStyle/><a:p><a:endParaRPr lang="ko-KR" altLang="en-US"/></a:p></p:txBody></p:sp><p:sp><p:nvSpPr><p:cNvPr id="3" name="부제목 2"><a:extLst><a:ext uri="{FF2B5EF4-FFF2-40B4-BE49-F238E27FC236}"><a16:creationId xmlns:a16="http://schemas.microsoft.com/office/drawing/2014/main" id="{8D12775B-0BA6-49CD-A362-7904B3E11EB1}"/></a:ext></a:extLst></p:cNvPr><p:cNvSpPr><a:spLocks noGrp="1"/></p:cNvSpPr><p:nvPr><p:ph type="subTitle" idx="1"/></p:nvPr></p:nvSpPr><p:spPr/><p:txBody><a:bodyPr/><a:lstStyle/><a:p><a:endParaRPr lang="ko-KR" altLang="en-US"/></a:p></p:txBody></p:sp><p:sp><p:nvSpPr><p:cNvPr id="4" name="슬라이드 번호 개체 틀 3"><a:extLst><a:ext uri="{FF2B5EF4-FFF2-40B4-BE49-F238E27FC236}"><a16:creationId xmlns:a16="http://schemas.microsoft.com/office/drawing/2014/main" id="{9157E47A-ED41-46E1-9E8C-9D45F0603892}"/></a:ext></a:extLst></p:cNvPr><p:cNvSpPr><a:spLocks noGrp="1"/></p:cNvSpPr><p:nvPr><p:ph type="sldNum" sz="quarter" idx="10"/></p:nvPr></p:nvSpPr><p:spPr/><p:txBody><a:bodyPr/><a:lstStyle/><a:p><a:pPr><a:defRPr/></a:pPr><a:fld id="{13527AB9-6298-44FA-9E1C-7B66247BD5AA}" type="slidenum"><a:rPr lang="ko-KR" altLang="en-US" smtClean="0"><a:solidFill><a:prstClr val="black"/></a:solidFill></a:rPr><a:pPr><a:defRPr/></a:pPr><a:t>14</a:t></a:fld><a:endParaRPr lang="ko-KR" altLang="en-US" dirty="0"><a:solidFill><a:prstClr val="black"/></a:solidFill></a:endParaRPr></a:p></p:txBody></p:sp><mc:AlternateContent xmlns:mc="http://schemas.openxmlformats.org/markup-compatibility/2006" xmlns:a14="http://schemas.microsoft.com/office/drawing/2010/main"><mc:Choice Requires="a14"><p:sp><p:nvSpPr><p:cNvPr id="6" name="개체 5"><a:extLst><a:ext uri="{FF2B5EF4-FFF2-40B4-BE49-F238E27FC236}"><a16:creationId xmlns:a16="http://schemas.microsoft.com/office/drawing/2014/main" id="{D365F6C7-B0D0-4358-9B6E-E2A3E3F118AC}"/></a:ext></a:extLst></p:cNvPr><p:cNvSpPr txBox="1"/><p:nvPr/></p:nvSpPr><p:spPr><a:xfrm><a:off x="590550" y="1657350"/><a:ext cx="5786438" cy="625475"/></a:xfrm><a:prstGeom prst="rect"><a:avLst/></a:prstGeom></p:spPr><p:txBody><a:bodyPr><a:normAutofit/></a:bodyPr><a:lstStyle/><a:p><a:pPr/><a14:m><m:oMathPara xmlns:m="http://schemas.openxmlformats.org/officeDocument/2006/math"><m:oMathParaPr><m:jc m:val="left"/></m:oMathParaPr><m:oMath xmlns:m="http://schemas.openxmlformats.org/officeDocument/2006/math"><m:r><a:rPr lang="ko-KR" altLang="en-US" i="1"><a:solidFill><a:srgbClr val="000000"/></a:solidFill><a:latin typeface="Cambria Math" panose="02040503050406030204" pitchFamily="18" charset="0"/></a:rPr><m:t>𝑝</m:t></m:r><m:d><m:dPr><m:ctrlPr><a:rPr lang="ko-KR" altLang="en-US" i="1"><a:solidFill><a:srgbClr val="000000"/></a:solidFill><a:latin typeface="Cambria Math" panose="02040503050406030204" pitchFamily="18" charset="0"/></a:rPr></m:ctrlPr></m:dPr><m:e><m:r><a:rPr lang="ko-KR" altLang="en-US" i="1"><a:solidFill><a:srgbClr val="000000"/></a:solidFill><a:latin typeface="Cambria Math" panose="02040503050406030204" pitchFamily="18" charset="0"/></a:rPr><m:t>𝐳</m:t></m:r><m:r><a:rPr lang="ko-KR" altLang="en-US" i="1"><a:solidFill><a:srgbClr val="000000"/></a:solidFill><a:latin typeface="Cambria Math" panose="02040503050406030204" pitchFamily="18" charset="0"/></a:rPr><m:t>|</m:t></m:r><m:r><m:rPr><m:nor/></m:rPr><a:rPr lang="ko-KR" altLang="en-US" i="0"><a:solidFill><a:srgbClr val="000000"/></a:solidFill><a:latin typeface="Cambria Math" panose="02040503050406030204" pitchFamily="18" charset="0"/></a:rPr><m:t>open</m:t></m:r></m:e></m:d><m:r><a:rPr lang="ko-KR" altLang="en-US" i="1"><a:solidFill><a:srgbClr val="000000"/></a:solidFill><a:latin typeface="Cambria Math" panose="02040503050406030204" pitchFamily="18" charset="0"/></a:rPr><m:t>=0.6</m:t></m:r><m:r><m:rPr><m:nor/></m:rPr><a:rPr lang="ko-KR" altLang="en-US" i="0"><a:solidFill><a:srgbClr val="000000"/></a:solidFill><a:latin typeface="Cambria Math" panose="02040503050406030204" pitchFamily="18" charset="0"/></a:rPr><m:t>,   </m:t></m:r><m:r><a:rPr lang="ko-KR" altLang="en-US" i="1"><a:solidFill><a:srgbClr val="000000"/></a:solidFill><a:latin typeface="Cambria Math" panose="02040503050406030204" pitchFamily="18" charset="0"/></a:rPr><m:t>𝑝</m:t></m:r><m:d><m:dPr><m:ctrlPr><a:rPr lang="ko-KR" altLang="en-US" i="1"><a:solidFill><a:srgbClr val="000000"/></a:solidFill><a:latin typeface="Cambria Math" panose="02040503050406030204" pitchFamily="18" charset="0"/></a:rPr></m:ctrlPr></m:dPr><m:e><m:r><a:rPr lang="ko-KR" altLang="en-US" i="1"><a:solidFill><a:srgbClr val="000000"/></a:solidFill><a:latin typeface="Cambria Math" panose="02040503050406030204" pitchFamily="18" charset="0"/></a:rPr><m:t>𝐳</m:t></m:r><m:r><a:rPr lang="ko-KR" altLang="en-US" i="1"><a:solidFill><a:srgbClr val="000000"/></a:solidFill><a:latin typeface="Cambria Math" panose="02040503050406030204" pitchFamily="18" charset="0"/></a:rPr><m:t>|¬</m:t></m:r><m:r><m:rPr><m:nor/></m:rPr><a:rPr lang="ko-KR" altLang="en-US" i="0"><a:solidFill><a:srgbClr val="000000"/></a:solidFill><a:latin typeface="Cambria Math" panose="02040503050406030204" pitchFamily="18" charset="0"/></a:rPr><m:t>open</m:t></m:r></m:e></m:d><m:r><a:rPr lang="ko-KR" altLang="en-US" i="1"><a:solidFill><a:srgbClr val="000000"/></a:solidFill><a:latin typeface="Cambria Math" panose="02040503050406030204" pitchFamily="18" charset="0"/></a:rPr><m:t>=0.3</m:t></m:r></m:oMath></m:oMathPara></a14:m><a:endParaRPr lang="ko-KR" altLang="en-US"/></a:p></p:txBody></p:sp></mc:Choice><mc:Fallback xmlns=""><p:sp><p:nvSpPr><p:cNvPr id="6" name="개체 5"><a:extLst><a:ext uri="{FF2B5EF4-FFF2-40B4-BE49-F238E27FC236}"><a16:creationId xmlns:a16="http://schemas.microsoft.com/office/drawing/2014/main" id="{D365F6C7-B0D0-4358-9B6E-E2A3E3F118AC}"/></a:ext></a:extLst></p:cNvPr><p:cNvSpPr txBox="1"><a:spLocks noRot="1" noChangeAspect="1" noMove="1" noResize="1" noEditPoints="1" noAdjustHandles="1" noChangeArrowheads="1" noChangeShapeType="1" noTextEdit="1"/></p:cNvSpPr><p:nvPr/></p:nvSpPr><p:spPr><a:xfrm><a:off x="590550" y="1657350"/><a:ext cx="5786438" cy="625475"/></a:xfrm><a:prstGeom prst="rect"><a:avLst/></a:prstGeom><a:blipFill><a:blip r:embed="rId2"/><a:stretch><a:fillRect/></a:stretch></a:blipFill></p:spPr><p:txBody><a:bodyPr/><a:lstStyle/><a:p><a:r><a:rPr lang="ko-KR" altLang="en-US"><a:noFill/></a:rPr><a:t> </a:t></a:r></a:p></p:txBody></p:sp></mc:Fallback></mc:AlternateContent><mc:AlternateContent xmlns:mc="http://schemas.openxmlformats.org/markup-compatibility/2006"><mc:Choice xmlns:a14="http://schemas.microsoft.com/office/drawing/2010/main" Requires="a14"><p:sp><p:nvSpPr><p:cNvPr id="7" name="개체 6"><a:extLst><a:ext uri="{FF2B5EF4-FFF2-40B4-BE49-F238E27FC236}"><a16:creationId xmlns:a16="http://schemas.microsoft.com/office/drawing/2014/main" id="{7E9E07CE-5069-426F-BE87-175C4AF26057}"/></a:ext></a:extLst></p:cNvPr><p:cNvSpPr txBox="1"/><p:nvPr/></p:nvSpPr><p:spPr><a:xfrm><a:off x="590550" y="2744788"/><a:ext cx="4222750" cy="625475"/></a:xfrm><a:prstGeom prst="rect"><a:avLst/></a:prstGeom></p:spPr><p:txBody><a:bodyPr><a:normAutofit/></a:bodyPr><a:lstStyle/><a:p><a:pPr/><a14:m><m:oMathPara xmlns:m="http://schemas.openxmlformats.org/officeDocument/2006/math"><m:oMathParaPr><m:jc m:val="left"/></m:oMathParaPr><m:oMath xmlns:m="http://schemas.openxmlformats.org/officeDocument/2006/math"><m:r><a:rPr lang="ko-KR" altLang="en-US" i="1"><a:solidFill><a:srgbClr val="000000"/></a:solidFill><a:latin typeface="Cambria Math" panose="02040503050406030204" pitchFamily="18" charset="0"/></a:rPr><m:t>𝑝</m:t></m:r><m:d><m:dPr><m:ctrlPr><a:rPr lang="ko-KR" altLang="en-US" i="1"><a:solidFill><a:srgbClr val="000000"/></a:solidFill><a:latin typeface="Cambria Math" panose="02040503050406030204" pitchFamily="18" charset="0"/></a:rPr></m:ctrlPr></m:dPr><m:e><m:r><m:rPr><m:nor/></m:rPr><a:rPr lang="ko-KR" altLang="en-US" i="0"><a:solidFill><a:srgbClr val="000000"/></a:solidFill><a:latin typeface="Cambria Math" panose="02040503050406030204" pitchFamily="18" charset="0"/></a:rPr><m:t>open</m:t></m:r></m:e></m:d><m:r><a:rPr lang="ko-KR" altLang="en-US" i="1"><a:solidFill><a:srgbClr val="000000"/></a:solidFill><a:latin typeface="Cambria Math" panose="02040503050406030204" pitchFamily="18" charset="0"/></a:rPr><m:t>=</m:t></m:r><m:r><a:rPr lang="ko-KR" altLang="en-US" i="1"><a:solidFill><a:srgbClr val="000000"/></a:solidFill><a:latin typeface="Cambria Math" panose="02040503050406030204" pitchFamily="18" charset="0"/></a:rPr><m:t>𝑝</m:t></m:r><m:d><m:dPr><m:ctrlPr><a:rPr lang="ko-KR" altLang="en-US" i="1"><a:solidFill><a:srgbClr val="000000"/></a:solidFill><a:latin typeface="Cambria Math" panose="02040503050406030204" pitchFamily="18" charset="0"/></a:rPr></m:ctrlPr></m:dPr><m:e><m:r><a:rPr lang="ko-KR" altLang="en-US" i="1"><a:solidFill><a:srgbClr val="000000"/></a:solidFill><a:latin typeface="Cambria Math" panose="02040503050406030204" pitchFamily="18" charset="0"/></a:rPr><m:t>¬</m:t></m:r><m:r><m:rPr><m:nor/></m:rPr><a:rPr lang="ko-KR" altLang="en-US" i="0"><a:solidFill><a:srgbClr val="000000"/></a:solidFill><a:latin typeface="Cambria Math" panose="02040503050406030204" pitchFamily="18" charset="0"/></a:rPr><m:t>open</m:t></m:r></m:e></m:d><m:r><a:rPr lang="ko-KR" altLang="en-US" i="1"><a:solidFill><a:srgbClr val="000000"/></a:solidFill><a:latin typeface="Cambria Math" panose="02040503050406030204" pitchFamily="18" charset="0"/></a:rPr><m:t>=.</m:t></m:r></m:oMath></m:oMathPara></a14:m><a:endParaRPr lang="ko-KR" altLang="en-US"/></a:p></p:txBody></p:sp></mc:Choice><mc:Fallback><p:sp><p:nvSpPr><p:cNvPr id="7" name="개체 6"><a:extLst><a:ext uri="{FF2B5EF4-FFF2-40B4-BE49-F238E27FC236}"><a16:creationId xmlns:a16="http://schemas.microsoft.com/office/drawing/2014/main" id="{7E9E07CE-5069-426F-BE87-175C4AF26057}"/></a:ext></a:extLst></p:cNvPr><p:cNvSpPr txBox="1"><a:spLocks noRot="1" noChangeAspect="1" noMove="1" noResize="1" noEditPoints="1" noAdjustHandles="1" noChangeArrowheads="1" noChangeShapeType="1" noTextEdit="1"/></p:cNvSpPr><p:nvPr/></p:nvSpPr><p:spPr><a:xfrm><a:off x="590550" y="2744788"/><a:ext cx="4222750" cy="625475"/></a:xfrm><a:prstGeom prst="rect"><a:avLst/></a:prstGeom><a:blipFill><a:blip r:embed="rId3"/><a:stretch><a:fillRect/></a:stretch></a:blipFill></p:spPr><p:txBody><a:bodyPr/><a:lstStyle/><a:p><a:r><a:rPr lang="ko-KR" altLang="en-US"><a:noFill/></a:rPr><a:t> </a:t></a:r></a:p></p:txBody></p:sp></mc:Fallback></mc:AlternateContent><mc:AlternateContent xmlns:mc="http://schemas.openxmlformats.org/markup-compatibility/2006"><mc:Choice xmlns:a14="http://schemas.microsoft.com/office/drawing/2010/main" Requires="a14"><p:sp><p:nvSpPr><p:cNvPr id="8" name="개체 7"><a:extLst><a:ext uri="{FF2B5EF4-FFF2-40B4-BE49-F238E27FC236}"><a16:creationId xmlns:a16="http://schemas.microsoft.com/office/drawing/2014/main" id="{088DDAE3-C576-45F0-9A24-327B74743BB4}"/></a:ext></a:extLst></p:cNvPr><p:cNvSpPr txBox="1"/><p:nvPr/></p:nvSpPr><p:spPr><a:xfrm><a:off x="3613617" y="3570221"/><a:ext cx="6011396" cy="735106"/></a:xfrm><a:prstGeom prst="rect"><a:avLst/></a:prstGeom></p:spPr><p:txBody><a:bodyPr><a:normAutofit/></a:bodyPr><a:lstStyle/><a:p><a:pPr/><a14:m><m:oMathPara xmlns:m="http://schemas.openxmlformats.org/officeDocument/2006/math"><m:oMathParaPr><m:jc m:val="left"/></m:oMathParaPr><m:oMath xmlns:m="http://schemas.openxmlformats.org/officeDocument/2006/math"><m:r><m:rPr><m:aln/></m:rPr><a:rPr lang="ko-KR" altLang="en-US" i="1" smtClean="0"><a:solidFill><a:srgbClr val="000000"/></a:solidFill><a:latin typeface="Cambria Math" panose="02040503050406030204" pitchFamily="18" charset="0"/></a:rPr><m:t>=</m:t></m:r><m:r><a:rPr lang="en-US" altLang="ko-KR" b="0" i="1" smtClean="0"><a:solidFill><a:srgbClr val="000000"/></a:solidFill><a:latin typeface="Cambria Math" panose="02040503050406030204" pitchFamily="18" charset="0"/></a:rPr><m:t>   </m:t></m:r><m:f><m:fPr><m:ctrlPr><a:rPr lang="ko-KR" altLang="en-US" i="1"><a:solidFill><a:srgbClr val="000000"/></a:solidFill><a:latin typeface="Cambria Math" panose="02040503050406030204" pitchFamily="18" charset="0"/></a:rPr></m:ctrlPr></m:fPr><m:num><m:r><a:rPr lang="ko-KR" altLang="en-US" i="1"><a:solidFill><a:srgbClr val="000000"/></a:solidFill><a:latin typeface="Cambria Math" panose="02040503050406030204" pitchFamily="18" charset="0"/></a:rPr><m:t>𝑝</m:t></m:r><m:d><m:dPr><m:ctrlPr><a:rPr lang="ko-KR" altLang="en-US" i="1"><a:solidFill><a:srgbClr val="000000"/></a:solidFill><a:latin typeface="Cambria Math" panose="02040503050406030204" pitchFamily="18" charset="0"/></a:rPr></m:ctrlPr></m:dPr><m:e><m:sSub><m:sSubPr><m:ctrlPr><a:rPr lang="en-US" altLang="ko-KR" b="0" i="1" smtClean="0"><a:solidFill><a:srgbClr val="000000"/></a:solidFill><a:latin typeface="Cambria Math" panose="02040503050406030204" pitchFamily="18" charset="0"/></a:rPr></m:ctrlPr></m:sSubPr><m:e><m:r><a:rPr lang="en-US" altLang="ko-KR" b="0" i="1" smtClean="0"><a:solidFill><a:srgbClr val="000000"/></a:solidFill><a:latin typeface="Cambria Math" panose="02040503050406030204" pitchFamily="18" charset="0"/></a:rPr><m:t>𝑍</m:t></m:r></m:e><m:sub><m:r><a:rPr lang="en-US" altLang="ko-KR" b="0" i="1" smtClean="0"><a:solidFill><a:srgbClr val="000000"/></a:solidFill><a:latin typeface="Cambria Math" panose="02040503050406030204" pitchFamily="18" charset="0"/></a:rPr><m:t>1</m:t></m:r></m:sub></m:sSub><m:r><a:rPr lang="en-US" altLang="ko-KR" b="0" i="1" smtClean="0"><a:solidFill><a:srgbClr val="000000"/></a:solidFill><a:latin typeface="Cambria Math" panose="02040503050406030204" pitchFamily="18" charset="0"/></a:rPr><m:t>= </m:t></m:r><m:r><m:rPr><m:nor/></m:rPr><a:rPr lang="en-US" altLang="ko-KR" b="0" i="0" smtClean="0"><a:solidFill><a:srgbClr val="000000"/></a:solidFill><a:latin typeface="Cambria Math" panose="02040503050406030204" pitchFamily="18" charset="0"/></a:rPr><m:t>sense</m:t></m:r><m:r><m:rPr><m:nor/></m:rPr><a:rPr lang="en-US" altLang="ko-KR" b="0" i="0" smtClean="0"><a:solidFill><a:srgbClr val="000000"/></a:solidFill><a:latin typeface="Cambria Math" panose="02040503050406030204" pitchFamily="18" charset="0"/></a:rPr><m:t>_</m:t></m:r><m:r><m:rPr><m:nor/></m:rPr><a:rPr lang="en-US" altLang="ko-KR" b="0" i="0" smtClean="0"><a:solidFill><a:srgbClr val="000000"/></a:solidFill><a:latin typeface="Cambria Math" panose="02040503050406030204" pitchFamily="18" charset="0"/></a:rPr><m:t>open</m:t></m:r><m:r><a:rPr lang="en-US" altLang="ko-KR" b="0" i="1" smtClean="0"><a:solidFill><a:srgbClr val="000000"/></a:solidFill><a:latin typeface="Cambria Math" panose="02040503050406030204" pitchFamily="18" charset="0"/></a:rPr><m:t> </m:t></m:r><m:r><a:rPr lang="ko-KR" altLang="en-US" i="1" smtClean="0"><a:solidFill><a:srgbClr val="000000"/></a:solidFill><a:latin typeface="Cambria Math" panose="02040503050406030204" pitchFamily="18" charset="0"/></a:rPr><m:t>|</m:t></m:r><m:r><a:rPr lang="en-US" altLang="ko-KR" b="0" i="1" smtClean="0"><a:solidFill><a:srgbClr val="000000"/></a:solidFill><a:latin typeface="Cambria Math" panose="02040503050406030204" pitchFamily="18" charset="0"/></a:rPr><m:t> </m:t></m:r><m:sSub><m:sSubPr><m:ctrlPr><a:rPr lang="en-US" altLang="ko-KR" b="0" i="1" smtClean="0"><a:solidFill><a:srgbClr val="000000"/></a:solidFill><a:latin typeface="Cambria Math" panose="02040503050406030204" pitchFamily="18" charset="0"/></a:rPr></m:ctrlPr></m:sSubPr><m:e><m:r><a:rPr lang="en-US" altLang="ko-KR" b="0" i="1" smtClean="0"><a:solidFill><a:srgbClr val="000000"/></a:solidFill><a:latin typeface="Cambria Math" panose="02040503050406030204" pitchFamily="18" charset="0"/></a:rPr><m:t>𝑋</m:t></m:r></m:e><m:sub><m:r><a:rPr lang="en-US" altLang="ko-KR" b="0" i="1" smtClean="0"><a:solidFill><a:srgbClr val="000000"/></a:solidFill><a:latin typeface="Cambria Math" panose="02040503050406030204" pitchFamily="18" charset="0"/></a:rPr><m:t>1</m:t></m:r></m:sub></m:sSub><m:r><m:rPr><m:nor/></m:rPr><a:rPr lang="en-US" altLang="ko-KR" b="0" i="0" smtClean="0"><a:solidFill><a:srgbClr val="000000"/></a:solidFill><a:latin typeface="Cambria Math" panose="02040503050406030204" pitchFamily="18" charset="0"/></a:rPr><m:t> = </m:t></m:r><m:r><m:rPr><m:nor/></m:rPr><a:rPr lang="en-US" altLang="ko-KR" b="0" i="0" smtClean="0"><a:solidFill><a:srgbClr val="000000"/></a:solidFill><a:latin typeface="Cambria Math" panose="02040503050406030204" pitchFamily="18" charset="0"/></a:rPr><m:t>is</m:t></m:r><m:r><m:rPr><m:nor/></m:rPr><a:rPr lang="en-US" altLang="ko-KR" b="0" i="0" smtClean="0"><a:solidFill><a:srgbClr val="000000"/></a:solidFill><a:latin typeface="Cambria Math" panose="02040503050406030204" pitchFamily="18" charset="0"/></a:rPr><m:t>_</m:t></m:r><m:r><m:rPr><m:nor/></m:rPr><a:rPr lang="en-US" altLang="ko-KR" b="0" i="0" smtClean="0"><a:solidFill><a:srgbClr val="000000"/></a:solidFill><a:latin typeface="Cambria Math" panose="02040503050406030204" pitchFamily="18" charset="0"/></a:rPr><m:t>open</m:t></m:r></m:e></m:d><m:r><a:rPr lang="en-US" altLang="ko-KR" b="0" i="1" smtClean="0"><a:solidFill><a:srgbClr val="000000"/></a:solidFill><a:latin typeface="Cambria Math" panose="02040503050406030204" pitchFamily="18" charset="0"/></a:rPr><m:t> </m:t></m:r><m:r><a:rPr lang="ko-KR" altLang="en-US" i="1"><a:solidFill><a:srgbClr val="000000"/></a:solidFill><a:latin typeface="Cambria Math" panose="02040503050406030204" pitchFamily="18" charset="0"/></a:rPr><m:t>𝑝</m:t></m:r><m:d><m:dPr><m:ctrlPr><a:rPr lang="ko-KR" altLang="en-US" i="1"><a:solidFill><a:srgbClr val="000000"/></a:solidFill><a:latin typeface="Cambria Math" panose="02040503050406030204" pitchFamily="18" charset="0"/></a:rPr></m:ctrlPr></m:dPr><m:e><m:sSub><m:sSubPr><m:ctrlPr><a:rPr lang="en-US" altLang="ko-KR" b="0" i="1" smtClean="0"><a:solidFill><a:srgbClr val="000000"/></a:solidFill><a:latin typeface="Cambria Math" panose="02040503050406030204" pitchFamily="18" charset="0"/></a:rPr></m:ctrlPr></m:sSubPr><m:e><m:r><a:rPr lang="en-US" altLang="ko-KR" b="0" i="1" smtClean="0"><a:solidFill><a:srgbClr val="000000"/></a:solidFill><a:latin typeface="Cambria Math" panose="02040503050406030204" pitchFamily="18" charset="0"/></a:rPr><m:t>𝑋</m:t></m:r></m:e><m:sub><m:r><a:rPr lang="en-US" altLang="ko-KR" b="0" i="1" smtClean="0"><a:solidFill><a:srgbClr val="000000"/></a:solidFill><a:latin typeface="Cambria Math" panose="02040503050406030204" pitchFamily="18" charset="0"/></a:rPr><m:t>1</m:t></m:r></m:sub></m:sSub><m:r><a:rPr lang="en-US" altLang="ko-KR" b="0" i="1" smtClean="0"><a:solidFill><a:srgbClr val="000000"/></a:solidFill><a:latin typeface="Cambria Math" panose="02040503050406030204" pitchFamily="18" charset="0"/></a:rPr><m:t>=</m:t></m:r><m:r><m:rPr><m:nor/></m:rPr><a:rPr lang="en-US" altLang="ko-KR" b="0" i="0" smtClean="0"><a:solidFill><a:srgbClr val="000000"/></a:solidFill><a:latin typeface="Cambria Math" panose="02040503050406030204" pitchFamily="18" charset="0"/></a:rPr><m:t>is</m:t></m:r><m:r><m:rPr><m:nor/></m:rPr><a:rPr lang="en-US" altLang="ko-KR" b="0" i="0" smtClean="0"><a:solidFill><a:srgbClr val="000000"/></a:solidFill><a:latin typeface="Cambria Math" panose="02040503050406030204" pitchFamily="18" charset="0"/></a:rPr><m:t>_</m:t></m:r><m:r><m:rPr><m:nor/></m:rPr><a:rPr lang="en-US" altLang="ko-KR" b="0" i="0" smtClean="0"><a:solidFill><a:srgbClr val="000000"/></a:solidFill><a:latin typeface="Cambria Math" panose="02040503050406030204" pitchFamily="18" charset="0"/></a:rPr><m:t>open</m:t></m:r></m:e></m:d></m:num><m:den><m:r><a:rPr lang="ko-KR" altLang="en-US" i="1" smtClean="0"><a:solidFill><a:srgbClr val="000000"/></a:solidFill><a:latin typeface="Cambria Math" panose="02040503050406030204" pitchFamily="18" charset="0"/></a:rPr><m:t>𝑝</m:t></m:r></m:den></m:f></m:oMath></m:oMathPara></a14:m><a:endParaRPr lang="ko-KR" altLang="en-US"/></a:p></p:txBody></p:sp></mc:Choice><mc:Fallback><p:sp><p:nvSpPr><p:cNvPr id="8" name="개체 7"><a:extLst><a:ext uri="{FF2B5EF4-FFF2-40B4-BE49-F238E27FC236}"><a16:creationId xmlns:a16="http://schemas.microsoft.com/office/drawing/2014/main" id="{088DDAE3-C576-45F0-9A24-327B74743BB4}"/></a:ext></a:extLst></p:cNvPr><p:cNvSpPr txBox="1"><a:spLocks noRot="1" noChangeAspect="1" noMove="1" noResize="1" noEditPoints="1" noAdjustHandles="1" noChangeArrowheads="1" noChangeShapeType="1" noTextEdit="1"/></p:cNvSpPr><p:nvPr/></p:nvSpPr><p:spPr><a:xfrm><a:off x="3613617" y="3570221"/><a:ext cx="6011396" cy="735106"/></a:xfrm><a:prstGeom prst="rect"><a:avLst/></a:prstGeom><a:blipFill><a:blip r:embed="rId4"/><a:stretch><a:fillRect/></a:stretch></a:blipFill></p:spPr><p:txBody><a:bodyPr/><a:lstStyle/><a:p><a:r><a:rPr lang="ko-KR" altLang="en-US"><a:noFill/></a:rPr><a:t> </a:t></a:r></a:p></p:txBody></p:sp></mc:Fallback></mc:AlternateContent><mc:AlternateContent xmlns:mc="http://schemas.openxmlformats.org/markup-compatibility/2006"><mc:Choice xmlns:a14="http://schemas.microsoft.com/office/drawing/2010/main" Requires="a14"><p:sp><p:nvSpPr><p:cNvPr id="9" name="TextBox 8"><a:extLst><a:ext uri="{FF2B5EF4-FFF2-40B4-BE49-F238E27FC236}"><a16:creationId xmlns:a16="http://schemas.microsoft.com/office/drawing/2014/main" id="{E661096C-E92F-4DA8-883C-4F4D1D0ECE62}"/></a:ext></a:extLst></p:cNvPr><p:cNvSpPr txBox="1"/><p:nvPr/></p:nvSpPr><p:spPr><a:xfrm><a:off x="-556372" y="3688087"/><a:ext cx="4953000" cy="369332"/></a:xfrm><a:prstGeom prst="rect"><a:avLst/></a:prstGeom><a:noFill/></p:spPr><p:txBody><a:bodyPr wrap="square"><a:spAutoFit/></a:bodyPr><a:lstStyle/><a:p><a:pPr/><a14:m><m:oMathPara xmlns:m="http://schemas.openxmlformats.org/officeDocument/2006/math"><m:oMathParaPr><m:jc m:val="centerGroup"/></m:oMathParaPr><m:oMath xmlns:m="http://schemas.openxmlformats.org/officeDocument/2006/math"><m:r><a:rPr lang="ko-KR" altLang="en-US" i="1" smtClean="0"><a:solidFill><a:srgbClr val="000000"/></a:solidFill><a:latin typeface="Cambria Math" panose="02040503050406030204" pitchFamily="18" charset="0"/></a:rPr><m:t>𝑝</m:t></m:r><m:d><m:dPr><m:ctrlPr><a:rPr lang="ko-KR" altLang="en-US" i="1"><a:solidFill><a:srgbClr val="000000"/></a:solidFill><a:latin typeface="Cambria Math" panose="02040503050406030204" pitchFamily="18" charset="0"/></a:rPr></m:ctrlPr></m:dPr><m:e><m:sSub><m:sSubPr><m:ctrlPr><a:rPr lang="en-US" altLang="ko-KR" b="0" i="1" smtClean="0"><a:solidFill><a:srgbClr val="000000"/></a:solidFill><a:latin typeface="Cambria Math" panose="02040503050406030204" pitchFamily="18" charset="0"/></a:rPr></m:ctrlPr></m:sSubPr><m:e><m:r><a:rPr lang="en-US" altLang="ko-KR" b="0" i="1" smtClean="0"><a:solidFill><a:srgbClr val="000000"/></a:solidFill><a:latin typeface="Cambria Math" panose="02040503050406030204" pitchFamily="18" charset="0"/></a:rPr><m:t>𝑋</m:t></m:r></m:e><m:sub><m:r><a:rPr lang="en-US" altLang="ko-KR" b="0" i="1" smtClean="0"><a:solidFill><a:srgbClr val="000000"/></a:solidFill><a:latin typeface="Cambria Math" panose="02040503050406030204" pitchFamily="18" charset="0"/></a:rPr><m:t>1</m:t></m:r></m:sub></m:sSub><m:r><a:rPr lang="en-US" altLang="ko-KR" b="0" i="1" smtClean="0"><a:solidFill><a:srgbClr val="000000"/></a:solidFill><a:latin typeface="Cambria Math" panose="02040503050406030204" pitchFamily="18" charset="0"/></a:rPr><m:t>=</m:t></m:r><m:r><m:rPr><m:nor/></m:rPr><a:rPr lang="en-US" altLang="ko-KR" b="0" i="0" smtClean="0"><a:solidFill><a:srgbClr val="000000"/></a:solidFill><a:latin typeface="Cambria Math" panose="02040503050406030204" pitchFamily="18" charset="0"/></a:rPr><m:t>is</m:t></m:r><m:r><m:rPr><m:nor/></m:rPr><a:rPr lang="en-US" altLang="ko-KR" b="0" i="0" smtClean="0"><a:solidFill><a:srgbClr val="000000"/></a:solidFill><a:latin typeface="Cambria Math" panose="02040503050406030204" pitchFamily="18" charset="0"/></a:rPr><m:t>_</m:t></m:r><m:r><m:rPr><m:nor/></m:rPr><a:rPr lang="en-US" altLang="ko-KR" b="0" i="0" smtClean="0"><a:solidFill><a:srgbClr val="000000"/></a:solidFill><a:latin typeface="Cambria Math" panose="02040503050406030204" pitchFamily="18" charset="0"/></a:rPr><m:t>open</m:t></m:r><m:r><m:rPr><m:nor/></m:rPr><a:rPr lang="en-US" altLang="ko-KR" b="0" i="0" smtClean="0"><a:solidFill><a:srgbClr val="000000"/></a:solidFill><a:latin typeface="Cambria Math" panose="02040503050406030204" pitchFamily="18" charset="0"/></a:rPr><m:t> </m:t></m:r><m:r><a:rPr lang="ko-KR" altLang="en-US" i="1"><a:solidFill><a:srgbClr val="000000"/></a:solidFill><a:latin typeface="Cambria Math" panose="02040503050406030204" pitchFamily="18" charset="0"/></a:rPr><m:t>|</m:t></m:r><m:r><a:rPr lang="en-US" altLang="ko-KR" b="0" i="1" smtClean="0"><a:solidFill><a:srgbClr val="000000"/></a:solidFill><a:latin typeface="Cambria Math" panose="02040503050406030204" pitchFamily="18" charset="0"/></a:rPr><m:t> </m:t></m:r><m:sSub><m:sSubPr><m:ctrlPr><a:rPr lang="en-US" altLang="ko-KR" b="0" i="1" smtClean="0"><a:solidFill><a:srgbClr val="000000"/></a:solidFill><a:latin typeface="Cambria Math" panose="02040503050406030204" pitchFamily="18" charset="0"/></a:rPr></m:ctrlPr></m:sSubPr><m:e><m:r><a:rPr lang="en-US" altLang="ko-KR" b="0" i="1" smtClean="0"><a:solidFill><a:srgbClr val="000000"/></a:solidFill><a:latin typeface="Cambria Math" panose="02040503050406030204" pitchFamily="18" charset="0"/></a:rPr><m:t>𝑍</m:t></m:r></m:e><m:sub><m:r><a:rPr lang="en-US" altLang="ko-KR" b="0" i="1" smtClean="0"><a:solidFill><a:srgbClr val="000000"/></a:solidFill><a:latin typeface="Cambria Math" panose="02040503050406030204" pitchFamily="18" charset="0"/></a:rPr><m:t>1</m:t></m:r></m:sub></m:sSub><m:r><a:rPr lang="en-US" altLang="ko-KR" b="0" i="1" smtClean="0"><a:solidFill><a:srgbClr val="000000"/></a:solidFill><a:latin typeface="Cambria Math" panose="02040503050406030204" pitchFamily="18" charset="0"/></a:rPr><m:t>=</m:t></m:r><m:r><m:rPr><m:nor/></m:rPr><a:rPr lang="en-US" altLang="ko-KR" b="0" i="0" smtClean="0"><a:solidFill><a:srgbClr val="000000"/></a:solidFill><a:latin typeface="Cambria Math" panose="02040503050406030204" pitchFamily="18" charset="0"/></a:rPr><m:t>sense</m:t></m:r><m:r><m:rPr><m:nor/></m:rPr><a:rPr lang="en-US" altLang="ko-KR" b="0" i="0" smtClean="0"><a:solidFill><a:srgbClr val="000000"/></a:solidFill><a:latin typeface="Cambria Math" panose="02040503050406030204" pitchFamily="18" charset="0"/></a:rPr><m:t>_</m:t></m:r><m:r><m:rPr><m:nor/></m:rPr><a:rPr lang="en-US" altLang="ko-KR" b="0" i="0" smtClean="0"><a:solidFill><a:srgbClr val="000000"/></a:solidFill><a:latin typeface="Cambria Math" panose="02040503050406030204" pitchFamily="18" charset="0"/></a:rPr><m:t>open</m:t></m:r></m:e></m:d></m:oMath></m:oMathPara></a14:m><a:endParaRPr lang="ko-KR" altLang="en-US"/></a:p></p:txBody></p:sp></mc:Choice><mc:Fallback><p:sp><p:nvSpPr><p:cNvPr id="9" name="TextBox 8"><a:extLst><a:ext uri="{FF2B5EF4-FFF2-40B4-BE49-F238E27FC236}"><a16:creationId xmlns:a16="http://schemas.microsoft.com/office/drawing/2014/main" id="{E661096C-E92F-4DA8-883C-4F4D1D0ECE62}"/></a:ext></a:extLst></p:cNvPr><p:cNvSpPr txBox="1"><a:spLocks noRot="1" noChangeAspect="1" noMove="1" noResize="1" noEditPoints="1" noAdjustHandles="1" noChangeArrowheads="1" noChangeShapeType="1" noTextEdit="1"/></p:cNvSpPr><p:nvPr/></p:nvSpPr><p:spPr><a:xfrm><a:off x="-556372" y="3688087"/><a:ext cx="4953000" cy="369332"/></a:xfrm><a:prstGeom prst="rect"><a:avLst/></a:prstGeom><a:blipFill><a:blip r:embed="rId5"/><a:stretch><a:fillRect b="-16393"/></a:stretch></a:blipFill></p:spPr><p:txBody><a:bodyPr/><a:lstStyle/><a:p><a:r><a:rPr lang="ko-KR" altLang="en-US"><a:noFill/></a:rPr><a:t> </a:t></a:r></a:p></p:txBody></p:sp></mc:Fallback></mc:AlternateContent><p:sp><p:nvSpPr><p:cNvPr id="10" name="개체 7"><a:extLst><a:ext uri="{FF2B5EF4-FFF2-40B4-BE49-F238E27FC236}"><a16:creationId xmlns:a16="http://schemas.microsoft.com/office/drawing/2014/main" id="{49ACFB3F-700E-4FC4-8E57-54F96A950913}"/></a:ext></a:extLst></p:cNvPr><p:cNvSpPr txBox="1"/><p:nvPr/></p:nvSpPr><p:spPr><a:xfrm><a:off x="4333875" y="3657600"/><a:ext cx="6011396" cy="735106"/></a:xfrm><a:prstGeom prst="rect"><a:avLst/></a:prstGeom></p:spPr><p:txBody><a:bodyPr><a:normAutofit/></a:bodyPr><a:lstStyle/><a:p><a:pPr/><a14:m xmlns:a14="http://schemas.microsoft.com/office/drawing/2010/main"><m:oMathPara xmlns:m="http://schemas.openxmlformats.org/officeDocument/2006/math"><m:oMathParaPr><m:jc m:val="left"/></m:oMathParaPr><m:oMath xmlns:m="http://schemas.openxmlformats.org/officeDocument/2006/math"><m:r><m:rPr><m:aln/></m:rPr><a:rPr lang="ko-KR" altLang="en-US" i="1" smtClean="0"><a:solidFill><a:srgbClr val="000000"/></a:solidFill><a:latin typeface="Cambria Math" panose="02040503050406030204" pitchFamily="18" charset="0"/></a:rPr><m:t>=</m:t></m:r><m:r><a:rPr lang="en-US" altLang="ko-KR" b="0" i="1" smtClean="0"><a:solidFill><a:srgbClr val="000000"/></a:solidFill><a:latin typeface="Cambria Math" panose="02040503050406030204" pitchFamily="18" charset="0"/></a:rPr><m:t>   </m:t></m:r><m:r><a:rPr lang="ko-KR" altLang="en-US" i="1"><a:solidFill><a:srgbClr val="000000"/></a:solidFill><a:latin typeface="Cambria Math" panose="02040503050406030204" pitchFamily="18" charset="0"/></a:rPr><m:t>.</m:t></m:r><m:r><a:rPr lang="ko-KR" altLang="en-US"/><m:t>.</m:t></m:r><m:oMathPara xmlns:m="http://schemas.openxmlformats.org/officeDocument/2006/math"><m:oMathParaPr><m:jc m:val="left"/></m:oMathParaPr><m:oMath xmlns:m="http://schemas.openxmlformats.org/officeDocument/2006/math"><m:r><m:rPr><m:aln/></m:rPr><a:rPr lang="ko-KR" altLang="en-US" i="1" smtClean="0"><a:solidFill><a:srgbClr val="000000"/></a:solidFill><a:latin typeface="Cambria Math" panose="02040503050406030204" pitchFamily="18" charset="0"/></a:rPr><m:t>=</m:t></m:r><m:r><a:rPr lang="en-US" altLang="ko-KR" b="0" i="1" smtClean="0"><a:solidFill><a:srgbClr val="000000"/></a:solidFill><a:latin typeface="Cambria Math" panose="02040503050406030204" pitchFamily="18" charset="0"/></a:rPr><m:t>   </m:t></m:r><m:r><a:rPr lang="ko-KR" altLang="en-US" i="1"><a:solidFill><a:srgbClr val="000000"/></a:solidFill><a:latin typeface="Cambria Math" panose="02040503050406030204" pitchFamily="18" charset="0"/></a:rPr><m:t>.</m:t></m:r><m:r><a:rPr lang="ko-KR" altLang="en-US"/><m:t>.</m:t></m:r></a14:m><a:br><a:rPr lang="ko-KR" altLang="en-US" i="0"><a:solidFill><a:srgbClr val="000000"/></a:solidFill><a:latin typeface="Cambria Math" panose="02040503050406030204" pitchFamily="18" charset="0"/></a:rPr></a:br><a:endParaRPr lang="ko-KR" altLang="en-US"/></a:p></p:txBody></p:sp><p:sp><p:nvSpPr><p:cNvPr id="11" name="TextBox 10"><a:extLst><a:ext uri="{FF2B5EF4-FFF2-40B4-BE49-F238E27FC236}"><a16:creationId xmlns:a16="http://schemas.microsoft.com/office/drawing/2014/main" id="{B45F89C4-614C-4DD9-A212-B2110C841537}"/></a:ext></a:extLst></p:cNvPr><p:cNvSpPr txBox="1"/><p:nvPr/></p:nvSpPr><p:spPr><a:xfrm><a:off x="4361329" y="2971800"/><a:ext cx="1556836" cy="276999"/></a:xfrm><a:prstGeom prst="rect"><a:avLst/></a:prstGeom><a:noFill/></p:spPr><p:txBody><a:bodyPr wrap="none" lIns="0" tIns="0" rIns="0" bIns="0" rtlCol="0"><a:spAutoFit/></a:bodyPr><a:lstStyle/><a:p><a14:m xmlns:a14="http://schemas.microsoft.com/office/drawing/2010/main"><m:oMathPara xmlns:m="http://schemas.openxmlformats.org/officeDocument/2006/math"><m:oMathParaPr><m:jc m:val="centerGroup"/></m:oMathParaPr><m:oMath xmlns:m="http://schemas.openxmlformats.org/officeDocument/2006/math"><m:r><a:rPr lang="en-US" altLang="ko-KR" b="0" i="1" smtClean="0"><a:latin typeface="Cambria Math" panose="02040503050406030204" pitchFamily="18" charset="0"/></a:rPr><m:t>𝑠𝑑𝑓𝑠𝑑𝑓𝑠𝑑𝑓𝑠𝑑𝑓</m:t></m:r></m:oMath></m:oMathPara></a14:m><a:endParaRPr lang="ko-KR" altLang="en-US"/></a:p></p:txBody></p:sp></p:spTree><p:extLst><p:ext uri="{BB962C8B-B14F-4D97-AF65-F5344CB8AC3E}"><p14:creationId xmlns:p14="http://schemas.microsoft.com/office/powerpoint/2010/main" val="3426250187"/></p:ext></p:extLst></p:cSld><p:clrMapOvr><a:masterClrMapping/></p:clrMapOvr></p:sld>
 </file>
 
 <file path=ppt/slides/slide2.xml><?xml version="1.0" encoding="utf-8"?>
